--- a/트랜스포머분석_판서.pptx
+++ b/트랜스포머분석_판서.pptx
@@ -6,10 +6,10 @@
     <p:sldMasterId id="2147487443" r:id="rId2"/>
   </p:sldMasterIdLst>
   <p:notesMasterIdLst>
-    <p:notesMasterId r:id="rId22"/>
+    <p:notesMasterId r:id="rId24"/>
   </p:notesMasterIdLst>
   <p:handoutMasterIdLst>
-    <p:handoutMasterId r:id="rId23"/>
+    <p:handoutMasterId r:id="rId25"/>
   </p:handoutMasterIdLst>
   <p:sldIdLst>
     <p:sldId id="257" r:id="rId3"/>
@@ -31,36 +31,38 @@
     <p:sldId id="272" r:id="rId19"/>
     <p:sldId id="273" r:id="rId20"/>
     <p:sldId id="274" r:id="rId21"/>
+    <p:sldId id="275" r:id="rId22"/>
+    <p:sldId id="277" r:id="rId23"/>
   </p:sldIdLst>
   <p:sldSz cx="10440988" cy="6858000"/>
   <p:notesSz cx="6797675" cy="9926638"/>
   <p:embeddedFontLst>
     <p:embeddedFont>
       <p:font typeface="Cambria Math" panose="02040503050406030204" pitchFamily="18" charset="0"/>
-      <p:regular r:id="rId24"/>
+      <p:regular r:id="rId26"/>
     </p:embeddedFont>
     <p:embeddedFont>
       <p:font typeface="Candara" panose="020E0502030303020204" pitchFamily="34" charset="0"/>
-      <p:regular r:id="rId25"/>
-      <p:bold r:id="rId26"/>
-      <p:italic r:id="rId27"/>
-      <p:boldItalic r:id="rId28"/>
+      <p:regular r:id="rId27"/>
+      <p:bold r:id="rId28"/>
+      <p:italic r:id="rId29"/>
+      <p:boldItalic r:id="rId30"/>
     </p:embeddedFont>
     <p:embeddedFont>
       <p:font typeface="Consolas" panose="020B0609020204030204" pitchFamily="49" charset="0"/>
-      <p:regular r:id="rId29"/>
-      <p:bold r:id="rId30"/>
-      <p:italic r:id="rId31"/>
-      <p:boldItalic r:id="rId32"/>
+      <p:regular r:id="rId31"/>
+      <p:bold r:id="rId32"/>
+      <p:italic r:id="rId33"/>
+      <p:boldItalic r:id="rId34"/>
     </p:embeddedFont>
     <p:embeddedFont>
       <p:font typeface="Microsoft Sans Serif" panose="020B0604020202020204" pitchFamily="34" charset="0"/>
-      <p:regular r:id="rId33"/>
+      <p:regular r:id="rId35"/>
     </p:embeddedFont>
     <p:embeddedFont>
       <p:font typeface="맑은 고딕" panose="020B0503020000020004" pitchFamily="50" charset="-127"/>
-      <p:regular r:id="rId34"/>
-      <p:bold r:id="rId35"/>
+      <p:regular r:id="rId36"/>
+      <p:bold r:id="rId37"/>
     </p:embeddedFont>
   </p:embeddedFontLst>
   <p:defaultTextStyle>
@@ -1597,6 +1599,72 @@
     </a:lvl9pPr>
   </p:notesStyle>
 </p:notesMaster>
+</file>
+
+<file path=ppt/notesSlides/notesSlide1.xml><?xml version="1.0" encoding="utf-8"?>
+<p:notes xmlns:a="http://schemas.openxmlformats.org/drawingml/2006/main" xmlns:r="http://schemas.openxmlformats.org/officeDocument/2006/relationships" xmlns:p="http://schemas.openxmlformats.org/presentationml/2006/main">
+  <p:cSld>
+    <p:spTree>
+      <p:nvGrpSpPr>
+        <p:cNvPr id="1" name=""/>
+        <p:cNvGrpSpPr/>
+        <p:nvPr/>
+      </p:nvGrpSpPr>
+      <p:grpSpPr>
+        <a:xfrm>
+          <a:off x="0" y="0"/>
+          <a:ext cx="0" cy="0"/>
+          <a:chOff x="0" y="0"/>
+          <a:chExt cx="0" cy="0"/>
+        </a:xfrm>
+      </p:grpSpPr>
+      <p:sp>
+        <p:nvSpPr>
+          <p:cNvPr id="2" name="슬라이드 이미지 개체 틀 1"/>
+          <p:cNvSpPr>
+            <a:spLocks noGrp="1" noRot="1" noChangeAspect="1"/>
+          </p:cNvSpPr>
+          <p:nvPr>
+            <p:ph type="sldImg"/>
+          </p:nvPr>
+        </p:nvSpPr>
+        <p:spPr>
+          <a:xfrm>
+            <a:off x="173038" y="649288"/>
+            <a:ext cx="6454775" cy="4241800"/>
+          </a:xfrm>
+        </p:spPr>
+      </p:sp>
+      <p:sp>
+        <p:nvSpPr>
+          <p:cNvPr id="3" name="슬라이드 노트 개체 틀 2"/>
+          <p:cNvSpPr>
+            <a:spLocks noGrp="1"/>
+          </p:cNvSpPr>
+          <p:nvPr>
+            <p:ph type="body" idx="1"/>
+          </p:nvPr>
+        </p:nvSpPr>
+        <p:spPr/>
+        <p:txBody>
+          <a:bodyPr/>
+          <a:lstStyle/>
+          <a:p>
+            <a:endParaRPr lang="ko-KR" altLang="en-US"/>
+          </a:p>
+        </p:txBody>
+      </p:sp>
+    </p:spTree>
+    <p:extLst>
+      <p:ext uri="{BB962C8B-B14F-4D97-AF65-F5344CB8AC3E}">
+        <p14:creationId xmlns:p14="http://schemas.microsoft.com/office/powerpoint/2010/main" val="1652486083"/>
+      </p:ext>
+    </p:extLst>
+  </p:cSld>
+  <p:clrMapOvr>
+    <a:masterClrMapping/>
+  </p:clrMapOvr>
+</p:notes>
 </file>
 
 <file path=ppt/slideLayouts/slideLayout1.xml><?xml version="1.0" encoding="utf-8"?>
@@ -19046,1274 +19114,1253 @@
           <a:chExt cx="0" cy="0"/>
         </a:xfrm>
       </p:grpSpPr>
-      <p:grpSp>
-        <p:nvGrpSpPr>
-          <p:cNvPr id="55" name="그룹 54">
-            <a:extLst>
-              <a:ext uri="{FF2B5EF4-FFF2-40B4-BE49-F238E27FC236}">
-                <a16:creationId xmlns:a16="http://schemas.microsoft.com/office/drawing/2014/main" id="{0EAF8D0D-9503-4206-894F-E5DCB7E4CF11}"/>
-              </a:ext>
-            </a:extLst>
-          </p:cNvPr>
-          <p:cNvGrpSpPr/>
-          <p:nvPr/>
-        </p:nvGrpSpPr>
-        <p:grpSpPr>
-          <a:xfrm>
-            <a:off x="1131683" y="669957"/>
+      <p:sp>
+        <p:nvSpPr>
+          <p:cNvPr id="2" name="직사각형 1">
+            <a:extLst>
+              <a:ext uri="{FF2B5EF4-FFF2-40B4-BE49-F238E27FC236}">
+                <a16:creationId xmlns:a16="http://schemas.microsoft.com/office/drawing/2014/main" id="{A5FF8CC8-AF7C-42E4-93FF-212F9D0A4257}"/>
+              </a:ext>
+            </a:extLst>
+          </p:cNvPr>
+          <p:cNvSpPr/>
+          <p:nvPr/>
+        </p:nvSpPr>
+        <p:spPr>
+          <a:xfrm>
+            <a:off x="2059947" y="4897099"/>
+            <a:ext cx="2516863" cy="403631"/>
+          </a:xfrm>
+          <a:prstGeom prst="rect">
+            <a:avLst/>
+          </a:prstGeom>
+          <a:solidFill>
+            <a:srgbClr val="FFFFCC"/>
+          </a:solidFill>
+          <a:ln w="19050">
+            <a:solidFill>
+              <a:srgbClr val="FFC000"/>
+            </a:solidFill>
+          </a:ln>
+        </p:spPr>
+        <p:style>
+          <a:lnRef idx="2">
+            <a:schemeClr val="accent1">
+              <a:shade val="50000"/>
+            </a:schemeClr>
+          </a:lnRef>
+          <a:fillRef idx="1">
+            <a:schemeClr val="accent1"/>
+          </a:fillRef>
+          <a:effectRef idx="0">
+            <a:schemeClr val="accent1"/>
+          </a:effectRef>
+          <a:fontRef idx="minor">
+            <a:schemeClr val="lt1"/>
+          </a:fontRef>
+        </p:style>
+        <p:txBody>
+          <a:bodyPr rtlCol="0" anchor="ctr"/>
+          <a:lstStyle/>
+          <a:p>
+            <a:pPr algn="ctr"/>
+            <a:r>
+              <a:rPr lang="en-US" altLang="ko-KR" sz="1800">
+                <a:solidFill>
+                  <a:schemeClr val="tx1"/>
+                </a:solidFill>
+                <a:latin typeface="Consolas" panose="020B0609020204030204" pitchFamily="49" charset="0"/>
+              </a:rPr>
+              <a:t>MultiHeadAttention</a:t>
+            </a:r>
+            <a:endParaRPr lang="ko-KR" altLang="en-US" sz="1800">
+              <a:solidFill>
+                <a:schemeClr val="tx1"/>
+              </a:solidFill>
+              <a:latin typeface="Consolas" panose="020B0609020204030204" pitchFamily="49" charset="0"/>
+            </a:endParaRPr>
+          </a:p>
+        </p:txBody>
+      </p:sp>
+      <p:sp>
+        <p:nvSpPr>
+          <p:cNvPr id="3" name="직사각형 2">
+            <a:extLst>
+              <a:ext uri="{FF2B5EF4-FFF2-40B4-BE49-F238E27FC236}">
+                <a16:creationId xmlns:a16="http://schemas.microsoft.com/office/drawing/2014/main" id="{F5D091A5-4D53-4B9E-ABAF-4C1D4A00CE93}"/>
+              </a:ext>
+            </a:extLst>
+          </p:cNvPr>
+          <p:cNvSpPr/>
+          <p:nvPr/>
+        </p:nvSpPr>
+        <p:spPr>
+          <a:xfrm>
+            <a:off x="2059947" y="4245083"/>
+            <a:ext cx="2516863" cy="403631"/>
+          </a:xfrm>
+          <a:prstGeom prst="rect">
+            <a:avLst/>
+          </a:prstGeom>
+          <a:solidFill>
+            <a:srgbClr val="FFFFCC"/>
+          </a:solidFill>
+          <a:ln w="19050">
+            <a:solidFill>
+              <a:srgbClr val="FFC000"/>
+            </a:solidFill>
+          </a:ln>
+        </p:spPr>
+        <p:style>
+          <a:lnRef idx="2">
+            <a:schemeClr val="accent1">
+              <a:shade val="50000"/>
+            </a:schemeClr>
+          </a:lnRef>
+          <a:fillRef idx="1">
+            <a:schemeClr val="accent1"/>
+          </a:fillRef>
+          <a:effectRef idx="0">
+            <a:schemeClr val="accent1"/>
+          </a:effectRef>
+          <a:fontRef idx="minor">
+            <a:schemeClr val="lt1"/>
+          </a:fontRef>
+        </p:style>
+        <p:txBody>
+          <a:bodyPr rtlCol="0" anchor="ctr"/>
+          <a:lstStyle/>
+          <a:p>
+            <a:pPr algn="ctr"/>
+            <a:r>
+              <a:rPr lang="en-US" altLang="ko-KR" sz="1800">
+                <a:solidFill>
+                  <a:schemeClr val="tx1"/>
+                </a:solidFill>
+                <a:latin typeface="Consolas" panose="020B0609020204030204" pitchFamily="49" charset="0"/>
+              </a:rPr>
+              <a:t>Dropout</a:t>
+            </a:r>
+            <a:endParaRPr lang="ko-KR" altLang="en-US" sz="1800">
+              <a:solidFill>
+                <a:schemeClr val="tx1"/>
+              </a:solidFill>
+              <a:latin typeface="Consolas" panose="020B0609020204030204" pitchFamily="49" charset="0"/>
+            </a:endParaRPr>
+          </a:p>
+        </p:txBody>
+      </p:sp>
+      <p:cxnSp>
+        <p:nvCxnSpPr>
+          <p:cNvPr id="5" name="직선 화살표 연결선 4">
+            <a:extLst>
+              <a:ext uri="{FF2B5EF4-FFF2-40B4-BE49-F238E27FC236}">
+                <a16:creationId xmlns:a16="http://schemas.microsoft.com/office/drawing/2014/main" id="{7E4CE53B-B2B7-4F46-8768-BDB83EA15B99}"/>
+              </a:ext>
+            </a:extLst>
+          </p:cNvPr>
+          <p:cNvCxnSpPr>
+            <a:stCxn id="2" idx="0"/>
+            <a:endCxn id="3" idx="2"/>
+          </p:cNvCxnSpPr>
+          <p:nvPr/>
+        </p:nvCxnSpPr>
+        <p:spPr>
+          <a:xfrm flipV="1">
+            <a:off x="3318379" y="4648713"/>
+            <a:ext cx="0" cy="248386"/>
+          </a:xfrm>
+          <a:prstGeom prst="straightConnector1">
+            <a:avLst/>
+          </a:prstGeom>
+          <a:ln>
+            <a:solidFill>
+              <a:srgbClr val="002060"/>
+            </a:solidFill>
+            <a:headEnd type="none" w="med" len="med"/>
+            <a:tailEnd type="triangle"/>
+          </a:ln>
+        </p:spPr>
+        <p:style>
+          <a:lnRef idx="1">
+            <a:schemeClr val="accent1"/>
+          </a:lnRef>
+          <a:fillRef idx="0">
+            <a:schemeClr val="accent1"/>
+          </a:fillRef>
+          <a:effectRef idx="0">
+            <a:schemeClr val="accent1"/>
+          </a:effectRef>
+          <a:fontRef idx="minor">
+            <a:schemeClr val="tx1"/>
+          </a:fontRef>
+        </p:style>
+      </p:cxnSp>
+      <p:sp>
+        <p:nvSpPr>
+          <p:cNvPr id="7" name="직사각형 6">
+            <a:extLst>
+              <a:ext uri="{FF2B5EF4-FFF2-40B4-BE49-F238E27FC236}">
+                <a16:creationId xmlns:a16="http://schemas.microsoft.com/office/drawing/2014/main" id="{0E08B603-AE47-4AC9-A8C2-E2FDC812C831}"/>
+              </a:ext>
+            </a:extLst>
+          </p:cNvPr>
+          <p:cNvSpPr/>
+          <p:nvPr/>
+        </p:nvSpPr>
+        <p:spPr>
+          <a:xfrm>
+            <a:off x="2059947" y="3555809"/>
+            <a:ext cx="2516863" cy="403631"/>
+          </a:xfrm>
+          <a:prstGeom prst="rect">
+            <a:avLst/>
+          </a:prstGeom>
+          <a:solidFill>
+            <a:srgbClr val="FFFFCC"/>
+          </a:solidFill>
+          <a:ln w="19050">
+            <a:solidFill>
+              <a:srgbClr val="FFC000"/>
+            </a:solidFill>
+          </a:ln>
+        </p:spPr>
+        <p:style>
+          <a:lnRef idx="2">
+            <a:schemeClr val="accent1">
+              <a:shade val="50000"/>
+            </a:schemeClr>
+          </a:lnRef>
+          <a:fillRef idx="1">
+            <a:schemeClr val="accent1"/>
+          </a:fillRef>
+          <a:effectRef idx="0">
+            <a:schemeClr val="accent1"/>
+          </a:effectRef>
+          <a:fontRef idx="minor">
+            <a:schemeClr val="lt1"/>
+          </a:fontRef>
+        </p:style>
+        <p:txBody>
+          <a:bodyPr rtlCol="0" anchor="ctr"/>
+          <a:lstStyle/>
+          <a:p>
+            <a:pPr algn="ctr"/>
+            <a:r>
+              <a:rPr lang="en-US" altLang="ko-KR" sz="1800">
+                <a:solidFill>
+                  <a:schemeClr val="tx1"/>
+                </a:solidFill>
+                <a:latin typeface="Consolas" panose="020B0609020204030204" pitchFamily="49" charset="0"/>
+              </a:rPr>
+              <a:t>LayerNormalization</a:t>
+            </a:r>
+            <a:endParaRPr lang="ko-KR" altLang="en-US" sz="1800">
+              <a:solidFill>
+                <a:schemeClr val="tx1"/>
+              </a:solidFill>
+              <a:latin typeface="Consolas" panose="020B0609020204030204" pitchFamily="49" charset="0"/>
+            </a:endParaRPr>
+          </a:p>
+        </p:txBody>
+      </p:sp>
+      <p:sp>
+        <p:nvSpPr>
+          <p:cNvPr id="9" name="직사각형 8">
+            <a:extLst>
+              <a:ext uri="{FF2B5EF4-FFF2-40B4-BE49-F238E27FC236}">
+                <a16:creationId xmlns:a16="http://schemas.microsoft.com/office/drawing/2014/main" id="{DCEFCD06-0EC9-4F7F-BAC5-E7C559BCE41F}"/>
+              </a:ext>
+            </a:extLst>
+          </p:cNvPr>
+          <p:cNvSpPr/>
+          <p:nvPr/>
+        </p:nvSpPr>
+        <p:spPr>
+          <a:xfrm>
+            <a:off x="2059947" y="5592586"/>
+            <a:ext cx="2516863" cy="403631"/>
+          </a:xfrm>
+          <a:prstGeom prst="rect">
+            <a:avLst/>
+          </a:prstGeom>
+          <a:solidFill>
+            <a:srgbClr val="FFFFCC"/>
+          </a:solidFill>
+          <a:ln w="19050">
+            <a:solidFill>
+              <a:srgbClr val="FFC000"/>
+            </a:solidFill>
+          </a:ln>
+        </p:spPr>
+        <p:style>
+          <a:lnRef idx="2">
+            <a:schemeClr val="accent1">
+              <a:shade val="50000"/>
+            </a:schemeClr>
+          </a:lnRef>
+          <a:fillRef idx="1">
+            <a:schemeClr val="accent1"/>
+          </a:fillRef>
+          <a:effectRef idx="0">
+            <a:schemeClr val="accent1"/>
+          </a:effectRef>
+          <a:fontRef idx="minor">
+            <a:schemeClr val="lt1"/>
+          </a:fontRef>
+        </p:style>
+        <p:txBody>
+          <a:bodyPr rtlCol="0" anchor="ctr"/>
+          <a:lstStyle/>
+          <a:p>
+            <a:pPr algn="ctr"/>
+            <a:r>
+              <a:rPr lang="en-US" altLang="ko-KR" sz="1800">
+                <a:solidFill>
+                  <a:schemeClr val="tx1"/>
+                </a:solidFill>
+                <a:latin typeface="Consolas" panose="020B0609020204030204" pitchFamily="49" charset="0"/>
+              </a:rPr>
+              <a:t>Input</a:t>
+            </a:r>
+            <a:endParaRPr lang="ko-KR" altLang="en-US" sz="1800">
+              <a:solidFill>
+                <a:schemeClr val="tx1"/>
+              </a:solidFill>
+              <a:latin typeface="Consolas" panose="020B0609020204030204" pitchFamily="49" charset="0"/>
+            </a:endParaRPr>
+          </a:p>
+        </p:txBody>
+      </p:sp>
+      <p:cxnSp>
+        <p:nvCxnSpPr>
+          <p:cNvPr id="10" name="직선 화살표 연결선 9">
+            <a:extLst>
+              <a:ext uri="{FF2B5EF4-FFF2-40B4-BE49-F238E27FC236}">
+                <a16:creationId xmlns:a16="http://schemas.microsoft.com/office/drawing/2014/main" id="{7CBE176F-A2F9-44A2-B66B-672CA14A88BD}"/>
+              </a:ext>
+            </a:extLst>
+          </p:cNvPr>
+          <p:cNvCxnSpPr>
+            <a:cxnSpLocks/>
+            <a:stCxn id="9" idx="0"/>
+            <a:endCxn id="2" idx="2"/>
+          </p:cNvCxnSpPr>
+          <p:nvPr/>
+        </p:nvCxnSpPr>
+        <p:spPr>
+          <a:xfrm flipV="1">
+            <a:off x="3318379" y="5300730"/>
+            <a:ext cx="0" cy="291856"/>
+          </a:xfrm>
+          <a:prstGeom prst="straightConnector1">
+            <a:avLst/>
+          </a:prstGeom>
+          <a:ln>
+            <a:solidFill>
+              <a:srgbClr val="002060"/>
+            </a:solidFill>
+            <a:headEnd type="none" w="med" len="med"/>
+            <a:tailEnd type="triangle"/>
+          </a:ln>
+        </p:spPr>
+        <p:style>
+          <a:lnRef idx="1">
+            <a:schemeClr val="accent1"/>
+          </a:lnRef>
+          <a:fillRef idx="0">
+            <a:schemeClr val="accent1"/>
+          </a:fillRef>
+          <a:effectRef idx="0">
+            <a:schemeClr val="accent1"/>
+          </a:effectRef>
+          <a:fontRef idx="minor">
+            <a:schemeClr val="tx1"/>
+          </a:fontRef>
+        </p:style>
+      </p:cxnSp>
+      <p:sp>
+        <p:nvSpPr>
+          <p:cNvPr id="13" name="TextBox 12">
+            <a:extLst>
+              <a:ext uri="{FF2B5EF4-FFF2-40B4-BE49-F238E27FC236}">
+                <a16:creationId xmlns:a16="http://schemas.microsoft.com/office/drawing/2014/main" id="{4B94C3FB-C31A-4AAC-A878-0F9E3BB1BAD9}"/>
+              </a:ext>
+            </a:extLst>
+          </p:cNvPr>
+          <p:cNvSpPr txBox="1"/>
+          <p:nvPr/>
+        </p:nvSpPr>
+        <p:spPr>
+          <a:xfrm>
+            <a:off x="2529540" y="5993657"/>
+            <a:ext cx="1577676" cy="289297"/>
+          </a:xfrm>
+          <a:prstGeom prst="rect">
+            <a:avLst/>
+          </a:prstGeom>
+          <a:noFill/>
+        </p:spPr>
+        <p:txBody>
+          <a:bodyPr wrap="none" rtlCol="0">
+            <a:spAutoFit/>
+          </a:bodyPr>
+          <a:lstStyle/>
+          <a:p>
+            <a:pPr algn="l">
+              <a:lnSpc>
+                <a:spcPct val="130000"/>
+              </a:lnSpc>
+              <a:buClr>
+                <a:srgbClr val="C5003D"/>
+              </a:buClr>
+            </a:pPr>
+            <a:r>
+              <a:rPr lang="en-US" altLang="ko-KR" sz="1800">
+                <a:solidFill>
+                  <a:schemeClr val="tx1"/>
+                </a:solidFill>
+                <a:latin typeface="Consolas" panose="020B0609020204030204" pitchFamily="49" charset="0"/>
+                <a:ea typeface="+mn-ea"/>
+              </a:rPr>
+              <a:t>(11000, 40)</a:t>
+            </a:r>
+            <a:endParaRPr lang="ko-KR" altLang="en-US" sz="1800">
+              <a:solidFill>
+                <a:schemeClr val="tx1"/>
+              </a:solidFill>
+              <a:latin typeface="Consolas" panose="020B0609020204030204" pitchFamily="49" charset="0"/>
+              <a:ea typeface="+mn-ea"/>
+            </a:endParaRPr>
+          </a:p>
+        </p:txBody>
+      </p:sp>
+      <p:cxnSp>
+        <p:nvCxnSpPr>
+          <p:cNvPr id="14" name="직선 화살표 연결선 13">
+            <a:extLst>
+              <a:ext uri="{FF2B5EF4-FFF2-40B4-BE49-F238E27FC236}">
+                <a16:creationId xmlns:a16="http://schemas.microsoft.com/office/drawing/2014/main" id="{465673C7-5678-4747-8550-F79DEA8E1BA4}"/>
+              </a:ext>
+            </a:extLst>
+          </p:cNvPr>
+          <p:cNvCxnSpPr>
+            <a:cxnSpLocks/>
+            <a:stCxn id="3" idx="0"/>
+            <a:endCxn id="7" idx="2"/>
+          </p:cNvCxnSpPr>
+          <p:nvPr/>
+        </p:nvCxnSpPr>
+        <p:spPr>
+          <a:xfrm flipV="1">
+            <a:off x="3318379" y="3959439"/>
+            <a:ext cx="0" cy="285644"/>
+          </a:xfrm>
+          <a:prstGeom prst="straightConnector1">
+            <a:avLst/>
+          </a:prstGeom>
+          <a:ln>
+            <a:solidFill>
+              <a:srgbClr val="002060"/>
+            </a:solidFill>
+            <a:headEnd type="none" w="med" len="med"/>
+            <a:tailEnd type="triangle"/>
+          </a:ln>
+        </p:spPr>
+        <p:style>
+          <a:lnRef idx="1">
+            <a:schemeClr val="accent1"/>
+          </a:lnRef>
+          <a:fillRef idx="0">
+            <a:schemeClr val="accent1"/>
+          </a:fillRef>
+          <a:effectRef idx="0">
+            <a:schemeClr val="accent1"/>
+          </a:effectRef>
+          <a:fontRef idx="minor">
+            <a:schemeClr val="tx1"/>
+          </a:fontRef>
+        </p:style>
+      </p:cxnSp>
+      <p:sp>
+        <p:nvSpPr>
+          <p:cNvPr id="17" name="타원 16">
+            <a:extLst>
+              <a:ext uri="{FF2B5EF4-FFF2-40B4-BE49-F238E27FC236}">
+                <a16:creationId xmlns:a16="http://schemas.microsoft.com/office/drawing/2014/main" id="{AB614B40-FD9D-44C2-8DA0-67A75F56C225}"/>
+              </a:ext>
+            </a:extLst>
+          </p:cNvPr>
+          <p:cNvSpPr/>
+          <p:nvPr/>
+        </p:nvSpPr>
+        <p:spPr>
+          <a:xfrm>
+            <a:off x="3318378" y="4102261"/>
+            <a:ext cx="70163" cy="48124"/>
+          </a:xfrm>
+          <a:prstGeom prst="ellipse">
+            <a:avLst/>
+          </a:prstGeom>
+          <a:noFill/>
+          <a:ln w="19050">
+            <a:noFill/>
+          </a:ln>
+        </p:spPr>
+        <p:style>
+          <a:lnRef idx="2">
+            <a:schemeClr val="accent1">
+              <a:shade val="50000"/>
+            </a:schemeClr>
+          </a:lnRef>
+          <a:fillRef idx="1">
+            <a:schemeClr val="accent1"/>
+          </a:fillRef>
+          <a:effectRef idx="0">
+            <a:schemeClr val="accent1"/>
+          </a:effectRef>
+          <a:fontRef idx="minor">
+            <a:schemeClr val="lt1"/>
+          </a:fontRef>
+        </p:style>
+        <p:txBody>
+          <a:bodyPr rtlCol="0" anchor="ctr"/>
+          <a:lstStyle/>
+          <a:p>
+            <a:pPr algn="ctr"/>
+            <a:endParaRPr lang="ko-KR" altLang="en-US" sz="1800">
+              <a:solidFill>
+                <a:schemeClr val="tx1"/>
+              </a:solidFill>
+              <a:latin typeface="Consolas" panose="020B0609020204030204" pitchFamily="49" charset="0"/>
+            </a:endParaRPr>
+          </a:p>
+        </p:txBody>
+      </p:sp>
+      <p:sp>
+        <p:nvSpPr>
+          <p:cNvPr id="18" name="타원 17">
+            <a:extLst>
+              <a:ext uri="{FF2B5EF4-FFF2-40B4-BE49-F238E27FC236}">
+                <a16:creationId xmlns:a16="http://schemas.microsoft.com/office/drawing/2014/main" id="{8B8EFE80-B907-44CC-AE05-07E232F64121}"/>
+              </a:ext>
+            </a:extLst>
+          </p:cNvPr>
+          <p:cNvSpPr/>
+          <p:nvPr/>
+        </p:nvSpPr>
+        <p:spPr>
+          <a:xfrm>
+            <a:off x="3316112" y="5434239"/>
+            <a:ext cx="70163" cy="48124"/>
+          </a:xfrm>
+          <a:prstGeom prst="ellipse">
+            <a:avLst/>
+          </a:prstGeom>
+          <a:noFill/>
+          <a:ln w="19050">
+            <a:noFill/>
+          </a:ln>
+        </p:spPr>
+        <p:style>
+          <a:lnRef idx="2">
+            <a:schemeClr val="accent1">
+              <a:shade val="50000"/>
+            </a:schemeClr>
+          </a:lnRef>
+          <a:fillRef idx="1">
+            <a:schemeClr val="accent1"/>
+          </a:fillRef>
+          <a:effectRef idx="0">
+            <a:schemeClr val="accent1"/>
+          </a:effectRef>
+          <a:fontRef idx="minor">
+            <a:schemeClr val="lt1"/>
+          </a:fontRef>
+        </p:style>
+        <p:txBody>
+          <a:bodyPr rtlCol="0" anchor="ctr"/>
+          <a:lstStyle/>
+          <a:p>
+            <a:pPr algn="ctr"/>
+            <a:endParaRPr lang="ko-KR" altLang="en-US" sz="1800">
+              <a:solidFill>
+                <a:schemeClr val="tx1"/>
+              </a:solidFill>
+              <a:latin typeface="Consolas" panose="020B0609020204030204" pitchFamily="49" charset="0"/>
+            </a:endParaRPr>
+          </a:p>
+        </p:txBody>
+      </p:sp>
+      <p:cxnSp>
+        <p:nvCxnSpPr>
+          <p:cNvPr id="20" name="연결선: 꺾임 19">
+            <a:extLst>
+              <a:ext uri="{FF2B5EF4-FFF2-40B4-BE49-F238E27FC236}">
+                <a16:creationId xmlns:a16="http://schemas.microsoft.com/office/drawing/2014/main" id="{158B3832-BC11-490E-ADE2-DE3A9F3D81D8}"/>
+              </a:ext>
+            </a:extLst>
+          </p:cNvPr>
+          <p:cNvCxnSpPr>
+            <a:stCxn id="18" idx="2"/>
+            <a:endCxn id="17" idx="2"/>
+          </p:cNvCxnSpPr>
+          <p:nvPr/>
+        </p:nvCxnSpPr>
+        <p:spPr>
+          <a:xfrm rot="10800000" flipH="1">
+            <a:off x="3316112" y="4126324"/>
+            <a:ext cx="2266" cy="1331978"/>
+          </a:xfrm>
+          <a:prstGeom prst="bentConnector3">
+            <a:avLst>
+              <a:gd name="adj1" fmla="val -64824537"/>
+            </a:avLst>
+          </a:prstGeom>
+          <a:ln>
+            <a:solidFill>
+              <a:srgbClr val="002060"/>
+            </a:solidFill>
+            <a:headEnd type="none" w="med" len="med"/>
+            <a:tailEnd type="none" w="med" len="med"/>
+          </a:ln>
+        </p:spPr>
+        <p:style>
+          <a:lnRef idx="1">
+            <a:schemeClr val="accent1"/>
+          </a:lnRef>
+          <a:fillRef idx="0">
+            <a:schemeClr val="accent1"/>
+          </a:fillRef>
+          <a:effectRef idx="0">
+            <a:schemeClr val="accent1"/>
+          </a:effectRef>
+          <a:fontRef idx="minor">
+            <a:schemeClr val="tx1"/>
+          </a:fontRef>
+        </p:style>
+      </p:cxnSp>
+      <p:sp>
+        <p:nvSpPr>
+          <p:cNvPr id="23" name="직사각형 22">
+            <a:extLst>
+              <a:ext uri="{FF2B5EF4-FFF2-40B4-BE49-F238E27FC236}">
+                <a16:creationId xmlns:a16="http://schemas.microsoft.com/office/drawing/2014/main" id="{2E19915B-CBDF-40B4-8920-DCB32AC45C81}"/>
+              </a:ext>
+            </a:extLst>
+          </p:cNvPr>
+          <p:cNvSpPr/>
+          <p:nvPr/>
+        </p:nvSpPr>
+        <p:spPr>
+          <a:xfrm>
+            <a:off x="2059947" y="2950363"/>
+            <a:ext cx="2516863" cy="403631"/>
+          </a:xfrm>
+          <a:prstGeom prst="rect">
+            <a:avLst/>
+          </a:prstGeom>
+          <a:solidFill>
+            <a:srgbClr val="FFFFCC"/>
+          </a:solidFill>
+          <a:ln w="19050">
+            <a:solidFill>
+              <a:srgbClr val="FFC000"/>
+            </a:solidFill>
+          </a:ln>
+        </p:spPr>
+        <p:style>
+          <a:lnRef idx="2">
+            <a:schemeClr val="accent1">
+              <a:shade val="50000"/>
+            </a:schemeClr>
+          </a:lnRef>
+          <a:fillRef idx="1">
+            <a:schemeClr val="accent1"/>
+          </a:fillRef>
+          <a:effectRef idx="0">
+            <a:schemeClr val="accent1"/>
+          </a:effectRef>
+          <a:fontRef idx="minor">
+            <a:schemeClr val="lt1"/>
+          </a:fontRef>
+        </p:style>
+        <p:txBody>
+          <a:bodyPr rtlCol="0" anchor="ctr"/>
+          <a:lstStyle/>
+          <a:p>
+            <a:pPr algn="ctr"/>
+            <a:r>
+              <a:rPr lang="en-US" altLang="ko-KR" sz="1800">
+                <a:solidFill>
+                  <a:schemeClr val="tx1"/>
+                </a:solidFill>
+                <a:latin typeface="Consolas" panose="020B0609020204030204" pitchFamily="49" charset="0"/>
+              </a:rPr>
+              <a:t>Dense</a:t>
+            </a:r>
+            <a:endParaRPr lang="ko-KR" altLang="en-US" sz="1800">
+              <a:solidFill>
+                <a:schemeClr val="tx1"/>
+              </a:solidFill>
+              <a:latin typeface="Consolas" panose="020B0609020204030204" pitchFamily="49" charset="0"/>
+            </a:endParaRPr>
+          </a:p>
+        </p:txBody>
+      </p:sp>
+      <p:cxnSp>
+        <p:nvCxnSpPr>
+          <p:cNvPr id="26" name="직선 화살표 연결선 25">
+            <a:extLst>
+              <a:ext uri="{FF2B5EF4-FFF2-40B4-BE49-F238E27FC236}">
+                <a16:creationId xmlns:a16="http://schemas.microsoft.com/office/drawing/2014/main" id="{050567E6-A209-40B7-A31A-ADA8C6757DD2}"/>
+              </a:ext>
+            </a:extLst>
+          </p:cNvPr>
+          <p:cNvCxnSpPr>
+            <a:cxnSpLocks/>
+            <a:stCxn id="7" idx="0"/>
+            <a:endCxn id="23" idx="2"/>
+          </p:cNvCxnSpPr>
+          <p:nvPr/>
+        </p:nvCxnSpPr>
+        <p:spPr>
+          <a:xfrm flipV="1">
+            <a:off x="3318379" y="3353993"/>
+            <a:ext cx="0" cy="201815"/>
+          </a:xfrm>
+          <a:prstGeom prst="straightConnector1">
+            <a:avLst/>
+          </a:prstGeom>
+          <a:ln>
+            <a:solidFill>
+              <a:srgbClr val="002060"/>
+            </a:solidFill>
+            <a:headEnd type="none" w="med" len="med"/>
+            <a:tailEnd type="triangle"/>
+          </a:ln>
+        </p:spPr>
+        <p:style>
+          <a:lnRef idx="1">
+            <a:schemeClr val="accent1"/>
+          </a:lnRef>
+          <a:fillRef idx="0">
+            <a:schemeClr val="accent1"/>
+          </a:fillRef>
+          <a:effectRef idx="0">
+            <a:schemeClr val="accent1"/>
+          </a:effectRef>
+          <a:fontRef idx="minor">
+            <a:schemeClr val="tx1"/>
+          </a:fontRef>
+        </p:style>
+      </p:cxnSp>
+      <p:sp>
+        <p:nvSpPr>
+          <p:cNvPr id="31" name="직사각형 30">
+            <a:extLst>
+              <a:ext uri="{FF2B5EF4-FFF2-40B4-BE49-F238E27FC236}">
+                <a16:creationId xmlns:a16="http://schemas.microsoft.com/office/drawing/2014/main" id="{D6F48FEB-04EC-446E-BB72-7F58A5AD2831}"/>
+              </a:ext>
+            </a:extLst>
+          </p:cNvPr>
+          <p:cNvSpPr/>
+          <p:nvPr/>
+        </p:nvSpPr>
+        <p:spPr>
+          <a:xfrm>
+            <a:off x="2057679" y="2334051"/>
+            <a:ext cx="2516863" cy="403631"/>
+          </a:xfrm>
+          <a:prstGeom prst="rect">
+            <a:avLst/>
+          </a:prstGeom>
+          <a:solidFill>
+            <a:srgbClr val="FFFFCC"/>
+          </a:solidFill>
+          <a:ln w="19050">
+            <a:solidFill>
+              <a:srgbClr val="FFC000"/>
+            </a:solidFill>
+          </a:ln>
+        </p:spPr>
+        <p:style>
+          <a:lnRef idx="2">
+            <a:schemeClr val="accent1">
+              <a:shade val="50000"/>
+            </a:schemeClr>
+          </a:lnRef>
+          <a:fillRef idx="1">
+            <a:schemeClr val="accent1"/>
+          </a:fillRef>
+          <a:effectRef idx="0">
+            <a:schemeClr val="accent1"/>
+          </a:effectRef>
+          <a:fontRef idx="minor">
+            <a:schemeClr val="lt1"/>
+          </a:fontRef>
+        </p:style>
+        <p:txBody>
+          <a:bodyPr rtlCol="0" anchor="ctr"/>
+          <a:lstStyle/>
+          <a:p>
+            <a:pPr algn="ctr"/>
+            <a:r>
+              <a:rPr lang="en-US" altLang="ko-KR" sz="1800">
+                <a:solidFill>
+                  <a:schemeClr val="tx1"/>
+                </a:solidFill>
+                <a:latin typeface="Consolas" panose="020B0609020204030204" pitchFamily="49" charset="0"/>
+              </a:rPr>
+              <a:t>Dense</a:t>
+            </a:r>
+            <a:endParaRPr lang="ko-KR" altLang="en-US" sz="1800">
+              <a:solidFill>
+                <a:schemeClr val="tx1"/>
+              </a:solidFill>
+              <a:latin typeface="Consolas" panose="020B0609020204030204" pitchFamily="49" charset="0"/>
+            </a:endParaRPr>
+          </a:p>
+        </p:txBody>
+      </p:sp>
+      <p:cxnSp>
+        <p:nvCxnSpPr>
+          <p:cNvPr id="32" name="직선 화살표 연결선 31">
+            <a:extLst>
+              <a:ext uri="{FF2B5EF4-FFF2-40B4-BE49-F238E27FC236}">
+                <a16:creationId xmlns:a16="http://schemas.microsoft.com/office/drawing/2014/main" id="{EC9E24F4-0957-4DE2-8D17-8F1B821FEDD7}"/>
+              </a:ext>
+            </a:extLst>
+          </p:cNvPr>
+          <p:cNvCxnSpPr>
+            <a:cxnSpLocks/>
+            <a:stCxn id="23" idx="0"/>
+            <a:endCxn id="31" idx="2"/>
+          </p:cNvCxnSpPr>
+          <p:nvPr/>
+        </p:nvCxnSpPr>
+        <p:spPr>
+          <a:xfrm flipH="1" flipV="1">
+            <a:off x="3316111" y="2737682"/>
+            <a:ext cx="2268" cy="212681"/>
+          </a:xfrm>
+          <a:prstGeom prst="straightConnector1">
+            <a:avLst/>
+          </a:prstGeom>
+          <a:ln>
+            <a:solidFill>
+              <a:srgbClr val="002060"/>
+            </a:solidFill>
+            <a:headEnd type="none" w="med" len="med"/>
+            <a:tailEnd type="triangle"/>
+          </a:ln>
+        </p:spPr>
+        <p:style>
+          <a:lnRef idx="1">
+            <a:schemeClr val="accent1"/>
+          </a:lnRef>
+          <a:fillRef idx="0">
+            <a:schemeClr val="accent1"/>
+          </a:fillRef>
+          <a:effectRef idx="0">
+            <a:schemeClr val="accent1"/>
+          </a:effectRef>
+          <a:fontRef idx="minor">
+            <a:schemeClr val="tx1"/>
+          </a:fontRef>
+        </p:style>
+      </p:cxnSp>
+      <p:sp>
+        <p:nvSpPr>
+          <p:cNvPr id="39" name="직사각형 38">
+            <a:extLst>
+              <a:ext uri="{FF2B5EF4-FFF2-40B4-BE49-F238E27FC236}">
+                <a16:creationId xmlns:a16="http://schemas.microsoft.com/office/drawing/2014/main" id="{A3B7182B-2C32-45CD-97F9-9DA2EA7F3693}"/>
+              </a:ext>
+            </a:extLst>
+          </p:cNvPr>
+          <p:cNvSpPr/>
+          <p:nvPr/>
+        </p:nvSpPr>
+        <p:spPr>
+          <a:xfrm>
+            <a:off x="2057679" y="1637336"/>
+            <a:ext cx="2516863" cy="403631"/>
+          </a:xfrm>
+          <a:prstGeom prst="rect">
+            <a:avLst/>
+          </a:prstGeom>
+          <a:solidFill>
+            <a:srgbClr val="FFFFCC"/>
+          </a:solidFill>
+          <a:ln w="19050">
+            <a:solidFill>
+              <a:srgbClr val="FFC000"/>
+            </a:solidFill>
+          </a:ln>
+        </p:spPr>
+        <p:style>
+          <a:lnRef idx="2">
+            <a:schemeClr val="accent1">
+              <a:shade val="50000"/>
+            </a:schemeClr>
+          </a:lnRef>
+          <a:fillRef idx="1">
+            <a:schemeClr val="accent1"/>
+          </a:fillRef>
+          <a:effectRef idx="0">
+            <a:schemeClr val="accent1"/>
+          </a:effectRef>
+          <a:fontRef idx="minor">
+            <a:schemeClr val="lt1"/>
+          </a:fontRef>
+        </p:style>
+        <p:txBody>
+          <a:bodyPr rtlCol="0" anchor="ctr"/>
+          <a:lstStyle/>
+          <a:p>
+            <a:pPr algn="ctr"/>
+            <a:r>
+              <a:rPr lang="en-US" altLang="ko-KR" sz="1800">
+                <a:solidFill>
+                  <a:schemeClr val="tx1"/>
+                </a:solidFill>
+                <a:latin typeface="Consolas" panose="020B0609020204030204" pitchFamily="49" charset="0"/>
+              </a:rPr>
+              <a:t>Dropout</a:t>
+            </a:r>
+            <a:endParaRPr lang="ko-KR" altLang="en-US" sz="1800">
+              <a:solidFill>
+                <a:schemeClr val="tx1"/>
+              </a:solidFill>
+              <a:latin typeface="Consolas" panose="020B0609020204030204" pitchFamily="49" charset="0"/>
+            </a:endParaRPr>
+          </a:p>
+        </p:txBody>
+      </p:sp>
+      <p:sp>
+        <p:nvSpPr>
+          <p:cNvPr id="40" name="직사각형 39">
+            <a:extLst>
+              <a:ext uri="{FF2B5EF4-FFF2-40B4-BE49-F238E27FC236}">
+                <a16:creationId xmlns:a16="http://schemas.microsoft.com/office/drawing/2014/main" id="{6CCD1B6C-A1BB-4823-8074-DDB42A617B0B}"/>
+              </a:ext>
+            </a:extLst>
+          </p:cNvPr>
+          <p:cNvSpPr/>
+          <p:nvPr/>
+        </p:nvSpPr>
+        <p:spPr>
+          <a:xfrm>
+            <a:off x="2057679" y="948062"/>
+            <a:ext cx="2516863" cy="403631"/>
+          </a:xfrm>
+          <a:prstGeom prst="rect">
+            <a:avLst/>
+          </a:prstGeom>
+          <a:solidFill>
+            <a:srgbClr val="FFFFCC"/>
+          </a:solidFill>
+          <a:ln w="19050">
+            <a:solidFill>
+              <a:srgbClr val="FFC000"/>
+            </a:solidFill>
+          </a:ln>
+        </p:spPr>
+        <p:style>
+          <a:lnRef idx="2">
+            <a:schemeClr val="accent1">
+              <a:shade val="50000"/>
+            </a:schemeClr>
+          </a:lnRef>
+          <a:fillRef idx="1">
+            <a:schemeClr val="accent1"/>
+          </a:fillRef>
+          <a:effectRef idx="0">
+            <a:schemeClr val="accent1"/>
+          </a:effectRef>
+          <a:fontRef idx="minor">
+            <a:schemeClr val="lt1"/>
+          </a:fontRef>
+        </p:style>
+        <p:txBody>
+          <a:bodyPr rtlCol="0" anchor="ctr"/>
+          <a:lstStyle/>
+          <a:p>
+            <a:pPr algn="ctr"/>
+            <a:r>
+              <a:rPr lang="en-US" altLang="ko-KR" sz="1800">
+                <a:solidFill>
+                  <a:schemeClr val="tx1"/>
+                </a:solidFill>
+                <a:latin typeface="Consolas" panose="020B0609020204030204" pitchFamily="49" charset="0"/>
+              </a:rPr>
+              <a:t>LayerNormalization</a:t>
+            </a:r>
+            <a:endParaRPr lang="ko-KR" altLang="en-US" sz="1800">
+              <a:solidFill>
+                <a:schemeClr val="tx1"/>
+              </a:solidFill>
+              <a:latin typeface="Consolas" panose="020B0609020204030204" pitchFamily="49" charset="0"/>
+            </a:endParaRPr>
+          </a:p>
+        </p:txBody>
+      </p:sp>
+      <p:cxnSp>
+        <p:nvCxnSpPr>
+          <p:cNvPr id="41" name="직선 화살표 연결선 40">
+            <a:extLst>
+              <a:ext uri="{FF2B5EF4-FFF2-40B4-BE49-F238E27FC236}">
+                <a16:creationId xmlns:a16="http://schemas.microsoft.com/office/drawing/2014/main" id="{DBC6452B-6736-4561-8EB9-6590B427D99E}"/>
+              </a:ext>
+            </a:extLst>
+          </p:cNvPr>
+          <p:cNvCxnSpPr>
+            <a:cxnSpLocks/>
+            <a:stCxn id="31" idx="0"/>
+            <a:endCxn id="39" idx="2"/>
+          </p:cNvCxnSpPr>
+          <p:nvPr/>
+        </p:nvCxnSpPr>
+        <p:spPr>
+          <a:xfrm flipV="1">
+            <a:off x="3316111" y="2040967"/>
+            <a:ext cx="0" cy="293084"/>
+          </a:xfrm>
+          <a:prstGeom prst="straightConnector1">
+            <a:avLst/>
+          </a:prstGeom>
+          <a:ln>
+            <a:solidFill>
+              <a:srgbClr val="002060"/>
+            </a:solidFill>
+            <a:headEnd type="none" w="med" len="med"/>
+            <a:tailEnd type="triangle"/>
+          </a:ln>
+        </p:spPr>
+        <p:style>
+          <a:lnRef idx="1">
+            <a:schemeClr val="accent1"/>
+          </a:lnRef>
+          <a:fillRef idx="0">
+            <a:schemeClr val="accent1"/>
+          </a:fillRef>
+          <a:effectRef idx="0">
+            <a:schemeClr val="accent1"/>
+          </a:effectRef>
+          <a:fontRef idx="minor">
+            <a:schemeClr val="tx1"/>
+          </a:fontRef>
+        </p:style>
+      </p:cxnSp>
+      <p:cxnSp>
+        <p:nvCxnSpPr>
+          <p:cNvPr id="45" name="직선 화살표 연결선 44">
+            <a:extLst>
+              <a:ext uri="{FF2B5EF4-FFF2-40B4-BE49-F238E27FC236}">
+                <a16:creationId xmlns:a16="http://schemas.microsoft.com/office/drawing/2014/main" id="{378DA284-21D4-403F-96AA-4614B4D8DAB4}"/>
+              </a:ext>
+            </a:extLst>
+          </p:cNvPr>
+          <p:cNvCxnSpPr>
+            <a:cxnSpLocks/>
+            <a:stCxn id="39" idx="0"/>
+            <a:endCxn id="40" idx="2"/>
+          </p:cNvCxnSpPr>
+          <p:nvPr/>
+        </p:nvCxnSpPr>
+        <p:spPr>
+          <a:xfrm flipV="1">
+            <a:off x="3316111" y="1351693"/>
+            <a:ext cx="0" cy="285643"/>
+          </a:xfrm>
+          <a:prstGeom prst="straightConnector1">
+            <a:avLst/>
+          </a:prstGeom>
+          <a:ln>
+            <a:solidFill>
+              <a:srgbClr val="002060"/>
+            </a:solidFill>
+            <a:headEnd type="none" w="med" len="med"/>
+            <a:tailEnd type="triangle"/>
+          </a:ln>
+        </p:spPr>
+        <p:style>
+          <a:lnRef idx="1">
+            <a:schemeClr val="accent1"/>
+          </a:lnRef>
+          <a:fillRef idx="0">
+            <a:schemeClr val="accent1"/>
+          </a:fillRef>
+          <a:effectRef idx="0">
+            <a:schemeClr val="accent1"/>
+          </a:effectRef>
+          <a:fontRef idx="minor">
+            <a:schemeClr val="tx1"/>
+          </a:fontRef>
+        </p:style>
+      </p:cxnSp>
+      <p:sp>
+        <p:nvSpPr>
+          <p:cNvPr id="48" name="타원 47">
+            <a:extLst>
+              <a:ext uri="{FF2B5EF4-FFF2-40B4-BE49-F238E27FC236}">
+                <a16:creationId xmlns:a16="http://schemas.microsoft.com/office/drawing/2014/main" id="{28398DD8-0988-490A-85E9-B61D48FE2B6A}"/>
+              </a:ext>
+            </a:extLst>
+          </p:cNvPr>
+          <p:cNvSpPr/>
+          <p:nvPr/>
+        </p:nvSpPr>
+        <p:spPr>
+          <a:xfrm>
+            <a:off x="3316112" y="1502884"/>
+            <a:ext cx="70163" cy="48124"/>
+          </a:xfrm>
+          <a:prstGeom prst="ellipse">
+            <a:avLst/>
+          </a:prstGeom>
+          <a:noFill/>
+          <a:ln w="19050">
+            <a:noFill/>
+          </a:ln>
+        </p:spPr>
+        <p:style>
+          <a:lnRef idx="2">
+            <a:schemeClr val="accent1">
+              <a:shade val="50000"/>
+            </a:schemeClr>
+          </a:lnRef>
+          <a:fillRef idx="1">
+            <a:schemeClr val="accent1"/>
+          </a:fillRef>
+          <a:effectRef idx="0">
+            <a:schemeClr val="accent1"/>
+          </a:effectRef>
+          <a:fontRef idx="minor">
+            <a:schemeClr val="lt1"/>
+          </a:fontRef>
+        </p:style>
+        <p:txBody>
+          <a:bodyPr rtlCol="0" anchor="ctr"/>
+          <a:lstStyle/>
+          <a:p>
+            <a:pPr algn="ctr"/>
+            <a:endParaRPr lang="ko-KR" altLang="en-US" sz="1800">
+              <a:solidFill>
+                <a:schemeClr val="tx1"/>
+              </a:solidFill>
+              <a:latin typeface="Consolas" panose="020B0609020204030204" pitchFamily="49" charset="0"/>
+            </a:endParaRPr>
+          </a:p>
+        </p:txBody>
+      </p:sp>
+      <p:cxnSp>
+        <p:nvCxnSpPr>
+          <p:cNvPr id="49" name="연결선: 꺾임 48">
+            <a:extLst>
+              <a:ext uri="{FF2B5EF4-FFF2-40B4-BE49-F238E27FC236}">
+                <a16:creationId xmlns:a16="http://schemas.microsoft.com/office/drawing/2014/main" id="{4FB90787-5A76-4092-8480-067F63EA7257}"/>
+              </a:ext>
+            </a:extLst>
+          </p:cNvPr>
+          <p:cNvCxnSpPr>
+            <a:cxnSpLocks/>
+            <a:stCxn id="18" idx="2"/>
+            <a:endCxn id="48" idx="2"/>
+          </p:cNvCxnSpPr>
+          <p:nvPr/>
+        </p:nvCxnSpPr>
+        <p:spPr>
+          <a:xfrm rot="10800000">
+            <a:off x="3316112" y="1526947"/>
+            <a:ext cx="12700" cy="3931355"/>
+          </a:xfrm>
+          <a:prstGeom prst="bentConnector3">
+            <a:avLst>
+              <a:gd name="adj1" fmla="val 14916835"/>
+            </a:avLst>
+          </a:prstGeom>
+          <a:ln>
+            <a:solidFill>
+              <a:srgbClr val="002060"/>
+            </a:solidFill>
+            <a:headEnd type="none" w="med" len="med"/>
+            <a:tailEnd type="none" w="med" len="med"/>
+          </a:ln>
+        </p:spPr>
+        <p:style>
+          <a:lnRef idx="1">
+            <a:schemeClr val="accent1"/>
+          </a:lnRef>
+          <a:fillRef idx="0">
+            <a:schemeClr val="accent1"/>
+          </a:fillRef>
+          <a:effectRef idx="0">
+            <a:schemeClr val="accent1"/>
+          </a:effectRef>
+          <a:fontRef idx="minor">
+            <a:schemeClr val="tx1"/>
+          </a:fontRef>
+        </p:style>
+      </p:cxnSp>
+      <p:sp>
+        <p:nvSpPr>
+          <p:cNvPr id="53" name="직사각형 52">
+            <a:extLst>
+              <a:ext uri="{FF2B5EF4-FFF2-40B4-BE49-F238E27FC236}">
+                <a16:creationId xmlns:a16="http://schemas.microsoft.com/office/drawing/2014/main" id="{59DCAFD3-FDD4-4C94-9D48-AE7AA9C793E8}"/>
+              </a:ext>
+            </a:extLst>
+          </p:cNvPr>
+          <p:cNvSpPr/>
+          <p:nvPr/>
+        </p:nvSpPr>
+        <p:spPr>
+          <a:xfrm>
+            <a:off x="1109334" y="650104"/>
             <a:ext cx="3811508" cy="5930019"/>
-            <a:chOff x="1131683" y="669957"/>
-            <a:chExt cx="3811508" cy="5930019"/>
-          </a:xfrm>
-        </p:grpSpPr>
-        <p:sp>
-          <p:nvSpPr>
-            <p:cNvPr id="2" name="직사각형 1">
-              <a:extLst>
-                <a:ext uri="{FF2B5EF4-FFF2-40B4-BE49-F238E27FC236}">
-                  <a16:creationId xmlns:a16="http://schemas.microsoft.com/office/drawing/2014/main" id="{A5FF8CC8-AF7C-42E4-93FF-212F9D0A4257}"/>
-                </a:ext>
-              </a:extLst>
-            </p:cNvPr>
-            <p:cNvSpPr/>
-            <p:nvPr/>
-          </p:nvSpPr>
-          <p:spPr>
-            <a:xfrm>
-              <a:off x="2082296" y="4916952"/>
-              <a:ext cx="2516863" cy="403631"/>
-            </a:xfrm>
-            <a:prstGeom prst="rect">
-              <a:avLst/>
-            </a:prstGeom>
-            <a:solidFill>
-              <a:srgbClr val="FFFFCC"/>
-            </a:solidFill>
-            <a:ln w="19050">
-              <a:solidFill>
-                <a:srgbClr val="FFC000"/>
-              </a:solidFill>
-            </a:ln>
-          </p:spPr>
-          <p:style>
-            <a:lnRef idx="2">
-              <a:schemeClr val="accent1">
-                <a:shade val="50000"/>
-              </a:schemeClr>
-            </a:lnRef>
-            <a:fillRef idx="1">
-              <a:schemeClr val="accent1"/>
-            </a:fillRef>
-            <a:effectRef idx="0">
-              <a:schemeClr val="accent1"/>
-            </a:effectRef>
-            <a:fontRef idx="minor">
-              <a:schemeClr val="lt1"/>
-            </a:fontRef>
-          </p:style>
-          <p:txBody>
-            <a:bodyPr rtlCol="0" anchor="ctr"/>
-            <a:lstStyle/>
-            <a:p>
-              <a:pPr algn="ctr"/>
-              <a:r>
-                <a:rPr lang="en-US" altLang="ko-KR" sz="1800">
-                  <a:solidFill>
-                    <a:schemeClr val="tx1"/>
-                  </a:solidFill>
-                  <a:latin typeface="Consolas" panose="020B0609020204030204" pitchFamily="49" charset="0"/>
-                </a:rPr>
-                <a:t>MultiHeadAttention</a:t>
-              </a:r>
-              <a:endParaRPr lang="ko-KR" altLang="en-US" sz="1800">
-                <a:solidFill>
-                  <a:schemeClr val="tx1"/>
-                </a:solidFill>
-                <a:latin typeface="Consolas" panose="020B0609020204030204" pitchFamily="49" charset="0"/>
-              </a:endParaRPr>
-            </a:p>
-          </p:txBody>
-        </p:sp>
-        <p:sp>
-          <p:nvSpPr>
-            <p:cNvPr id="3" name="직사각형 2">
-              <a:extLst>
-                <a:ext uri="{FF2B5EF4-FFF2-40B4-BE49-F238E27FC236}">
-                  <a16:creationId xmlns:a16="http://schemas.microsoft.com/office/drawing/2014/main" id="{F5D091A5-4D53-4B9E-ABAF-4C1D4A00CE93}"/>
-                </a:ext>
-              </a:extLst>
-            </p:cNvPr>
-            <p:cNvSpPr/>
-            <p:nvPr/>
-          </p:nvSpPr>
-          <p:spPr>
-            <a:xfrm>
-              <a:off x="2082296" y="4264936"/>
-              <a:ext cx="2516863" cy="403631"/>
-            </a:xfrm>
-            <a:prstGeom prst="rect">
-              <a:avLst/>
-            </a:prstGeom>
-            <a:solidFill>
-              <a:srgbClr val="FFFFCC"/>
-            </a:solidFill>
-            <a:ln w="19050">
-              <a:solidFill>
-                <a:srgbClr val="FFC000"/>
-              </a:solidFill>
-            </a:ln>
-          </p:spPr>
-          <p:style>
-            <a:lnRef idx="2">
-              <a:schemeClr val="accent1">
-                <a:shade val="50000"/>
-              </a:schemeClr>
-            </a:lnRef>
-            <a:fillRef idx="1">
-              <a:schemeClr val="accent1"/>
-            </a:fillRef>
-            <a:effectRef idx="0">
-              <a:schemeClr val="accent1"/>
-            </a:effectRef>
-            <a:fontRef idx="minor">
-              <a:schemeClr val="lt1"/>
-            </a:fontRef>
-          </p:style>
-          <p:txBody>
-            <a:bodyPr rtlCol="0" anchor="ctr"/>
-            <a:lstStyle/>
-            <a:p>
-              <a:pPr algn="ctr"/>
-              <a:r>
-                <a:rPr lang="en-US" altLang="ko-KR" sz="1800">
-                  <a:solidFill>
-                    <a:schemeClr val="tx1"/>
-                  </a:solidFill>
-                  <a:latin typeface="Consolas" panose="020B0609020204030204" pitchFamily="49" charset="0"/>
-                </a:rPr>
-                <a:t>Dropout</a:t>
-              </a:r>
-              <a:endParaRPr lang="ko-KR" altLang="en-US" sz="1800">
-                <a:solidFill>
-                  <a:schemeClr val="tx1"/>
-                </a:solidFill>
-                <a:latin typeface="Consolas" panose="020B0609020204030204" pitchFamily="49" charset="0"/>
-              </a:endParaRPr>
-            </a:p>
-          </p:txBody>
-        </p:sp>
-        <p:cxnSp>
-          <p:nvCxnSpPr>
-            <p:cNvPr id="5" name="직선 화살표 연결선 4">
-              <a:extLst>
-                <a:ext uri="{FF2B5EF4-FFF2-40B4-BE49-F238E27FC236}">
-                  <a16:creationId xmlns:a16="http://schemas.microsoft.com/office/drawing/2014/main" id="{7E4CE53B-B2B7-4F46-8768-BDB83EA15B99}"/>
-                </a:ext>
-              </a:extLst>
-            </p:cNvPr>
-            <p:cNvCxnSpPr>
-              <a:stCxn id="2" idx="0"/>
-              <a:endCxn id="3" idx="2"/>
-            </p:cNvCxnSpPr>
-            <p:nvPr/>
-          </p:nvCxnSpPr>
-          <p:spPr>
-            <a:xfrm flipV="1">
-              <a:off x="3340728" y="4668566"/>
-              <a:ext cx="0" cy="248386"/>
-            </a:xfrm>
-            <a:prstGeom prst="straightConnector1">
-              <a:avLst/>
-            </a:prstGeom>
-            <a:ln>
-              <a:solidFill>
-                <a:srgbClr val="002060"/>
-              </a:solidFill>
-              <a:headEnd type="none" w="med" len="med"/>
-              <a:tailEnd type="triangle"/>
-            </a:ln>
-          </p:spPr>
-          <p:style>
-            <a:lnRef idx="1">
-              <a:schemeClr val="accent1"/>
-            </a:lnRef>
-            <a:fillRef idx="0">
-              <a:schemeClr val="accent1"/>
-            </a:fillRef>
-            <a:effectRef idx="0">
-              <a:schemeClr val="accent1"/>
-            </a:effectRef>
-            <a:fontRef idx="minor">
-              <a:schemeClr val="tx1"/>
-            </a:fontRef>
-          </p:style>
-        </p:cxnSp>
-        <p:sp>
-          <p:nvSpPr>
-            <p:cNvPr id="7" name="직사각형 6">
-              <a:extLst>
-                <a:ext uri="{FF2B5EF4-FFF2-40B4-BE49-F238E27FC236}">
-                  <a16:creationId xmlns:a16="http://schemas.microsoft.com/office/drawing/2014/main" id="{0E08B603-AE47-4AC9-A8C2-E2FDC812C831}"/>
-                </a:ext>
-              </a:extLst>
-            </p:cNvPr>
-            <p:cNvSpPr/>
-            <p:nvPr/>
-          </p:nvSpPr>
-          <p:spPr>
-            <a:xfrm>
-              <a:off x="2082296" y="3575662"/>
-              <a:ext cx="2516863" cy="403631"/>
-            </a:xfrm>
-            <a:prstGeom prst="rect">
-              <a:avLst/>
-            </a:prstGeom>
-            <a:solidFill>
-              <a:srgbClr val="FFFFCC"/>
-            </a:solidFill>
-            <a:ln w="19050">
-              <a:solidFill>
-                <a:srgbClr val="FFC000"/>
-              </a:solidFill>
-            </a:ln>
-          </p:spPr>
-          <p:style>
-            <a:lnRef idx="2">
-              <a:schemeClr val="accent1">
-                <a:shade val="50000"/>
-              </a:schemeClr>
-            </a:lnRef>
-            <a:fillRef idx="1">
-              <a:schemeClr val="accent1"/>
-            </a:fillRef>
-            <a:effectRef idx="0">
-              <a:schemeClr val="accent1"/>
-            </a:effectRef>
-            <a:fontRef idx="minor">
-              <a:schemeClr val="lt1"/>
-            </a:fontRef>
-          </p:style>
-          <p:txBody>
-            <a:bodyPr rtlCol="0" anchor="ctr"/>
-            <a:lstStyle/>
-            <a:p>
-              <a:pPr algn="ctr"/>
-              <a:r>
-                <a:rPr lang="en-US" altLang="ko-KR" sz="1800">
-                  <a:solidFill>
-                    <a:schemeClr val="tx1"/>
-                  </a:solidFill>
-                  <a:latin typeface="Consolas" panose="020B0609020204030204" pitchFamily="49" charset="0"/>
-                </a:rPr>
-                <a:t>LayerNormalization</a:t>
-              </a:r>
-              <a:endParaRPr lang="ko-KR" altLang="en-US" sz="1800">
-                <a:solidFill>
-                  <a:schemeClr val="tx1"/>
-                </a:solidFill>
-                <a:latin typeface="Consolas" panose="020B0609020204030204" pitchFamily="49" charset="0"/>
-              </a:endParaRPr>
-            </a:p>
-          </p:txBody>
-        </p:sp>
-        <p:sp>
-          <p:nvSpPr>
-            <p:cNvPr id="9" name="직사각형 8">
-              <a:extLst>
-                <a:ext uri="{FF2B5EF4-FFF2-40B4-BE49-F238E27FC236}">
-                  <a16:creationId xmlns:a16="http://schemas.microsoft.com/office/drawing/2014/main" id="{DCEFCD06-0EC9-4F7F-BAC5-E7C559BCE41F}"/>
-                </a:ext>
-              </a:extLst>
-            </p:cNvPr>
-            <p:cNvSpPr/>
-            <p:nvPr/>
-          </p:nvSpPr>
-          <p:spPr>
-            <a:xfrm>
-              <a:off x="2082296" y="5612439"/>
-              <a:ext cx="2516863" cy="403631"/>
-            </a:xfrm>
-            <a:prstGeom prst="rect">
-              <a:avLst/>
-            </a:prstGeom>
-            <a:solidFill>
-              <a:srgbClr val="FFFFCC"/>
-            </a:solidFill>
-            <a:ln w="19050">
-              <a:solidFill>
-                <a:srgbClr val="FFC000"/>
-              </a:solidFill>
-            </a:ln>
-          </p:spPr>
-          <p:style>
-            <a:lnRef idx="2">
-              <a:schemeClr val="accent1">
-                <a:shade val="50000"/>
-              </a:schemeClr>
-            </a:lnRef>
-            <a:fillRef idx="1">
-              <a:schemeClr val="accent1"/>
-            </a:fillRef>
-            <a:effectRef idx="0">
-              <a:schemeClr val="accent1"/>
-            </a:effectRef>
-            <a:fontRef idx="minor">
-              <a:schemeClr val="lt1"/>
-            </a:fontRef>
-          </p:style>
-          <p:txBody>
-            <a:bodyPr rtlCol="0" anchor="ctr"/>
-            <a:lstStyle/>
-            <a:p>
-              <a:pPr algn="ctr"/>
-              <a:r>
-                <a:rPr lang="en-US" altLang="ko-KR" sz="1800">
-                  <a:solidFill>
-                    <a:schemeClr val="tx1"/>
-                  </a:solidFill>
-                  <a:latin typeface="Consolas" panose="020B0609020204030204" pitchFamily="49" charset="0"/>
-                </a:rPr>
-                <a:t>Input</a:t>
-              </a:r>
-              <a:endParaRPr lang="ko-KR" altLang="en-US" sz="1800">
-                <a:solidFill>
-                  <a:schemeClr val="tx1"/>
-                </a:solidFill>
-                <a:latin typeface="Consolas" panose="020B0609020204030204" pitchFamily="49" charset="0"/>
-              </a:endParaRPr>
-            </a:p>
-          </p:txBody>
-        </p:sp>
-        <p:cxnSp>
-          <p:nvCxnSpPr>
-            <p:cNvPr id="10" name="직선 화살표 연결선 9">
-              <a:extLst>
-                <a:ext uri="{FF2B5EF4-FFF2-40B4-BE49-F238E27FC236}">
-                  <a16:creationId xmlns:a16="http://schemas.microsoft.com/office/drawing/2014/main" id="{7CBE176F-A2F9-44A2-B66B-672CA14A88BD}"/>
-                </a:ext>
-              </a:extLst>
-            </p:cNvPr>
-            <p:cNvCxnSpPr>
-              <a:cxnSpLocks/>
-              <a:stCxn id="9" idx="0"/>
-              <a:endCxn id="2" idx="2"/>
-            </p:cNvCxnSpPr>
-            <p:nvPr/>
-          </p:nvCxnSpPr>
-          <p:spPr>
-            <a:xfrm flipV="1">
-              <a:off x="3340728" y="5320583"/>
-              <a:ext cx="0" cy="291856"/>
-            </a:xfrm>
-            <a:prstGeom prst="straightConnector1">
-              <a:avLst/>
-            </a:prstGeom>
-            <a:ln>
-              <a:solidFill>
-                <a:srgbClr val="002060"/>
-              </a:solidFill>
-              <a:headEnd type="none" w="med" len="med"/>
-              <a:tailEnd type="triangle"/>
-            </a:ln>
-          </p:spPr>
-          <p:style>
-            <a:lnRef idx="1">
-              <a:schemeClr val="accent1"/>
-            </a:lnRef>
-            <a:fillRef idx="0">
-              <a:schemeClr val="accent1"/>
-            </a:fillRef>
-            <a:effectRef idx="0">
-              <a:schemeClr val="accent1"/>
-            </a:effectRef>
-            <a:fontRef idx="minor">
-              <a:schemeClr val="tx1"/>
-            </a:fontRef>
-          </p:style>
-        </p:cxnSp>
-        <p:sp>
-          <p:nvSpPr>
-            <p:cNvPr id="13" name="TextBox 12">
-              <a:extLst>
-                <a:ext uri="{FF2B5EF4-FFF2-40B4-BE49-F238E27FC236}">
-                  <a16:creationId xmlns:a16="http://schemas.microsoft.com/office/drawing/2014/main" id="{4B94C3FB-C31A-4AAC-A878-0F9E3BB1BAD9}"/>
-                </a:ext>
-              </a:extLst>
-            </p:cNvPr>
-            <p:cNvSpPr txBox="1"/>
-            <p:nvPr/>
-          </p:nvSpPr>
-          <p:spPr>
-            <a:xfrm>
-              <a:off x="2551889" y="6013510"/>
-              <a:ext cx="1577676" cy="289297"/>
-            </a:xfrm>
-            <a:prstGeom prst="rect">
-              <a:avLst/>
-            </a:prstGeom>
-            <a:noFill/>
-          </p:spPr>
-          <p:txBody>
-            <a:bodyPr wrap="none" rtlCol="0">
-              <a:spAutoFit/>
-            </a:bodyPr>
-            <a:lstStyle/>
-            <a:p>
-              <a:pPr algn="l">
-                <a:lnSpc>
-                  <a:spcPct val="130000"/>
-                </a:lnSpc>
-                <a:buClr>
-                  <a:srgbClr val="C5003D"/>
-                </a:buClr>
-              </a:pPr>
-              <a:r>
-                <a:rPr lang="en-US" altLang="ko-KR" sz="1800">
-                  <a:solidFill>
-                    <a:schemeClr val="tx1"/>
-                  </a:solidFill>
-                  <a:latin typeface="Consolas" panose="020B0609020204030204" pitchFamily="49" charset="0"/>
-                  <a:ea typeface="+mn-ea"/>
-                </a:rPr>
-                <a:t>(11000, 40)</a:t>
-              </a:r>
-              <a:endParaRPr lang="ko-KR" altLang="en-US" sz="1800">
-                <a:solidFill>
-                  <a:schemeClr val="tx1"/>
-                </a:solidFill>
-                <a:latin typeface="Consolas" panose="020B0609020204030204" pitchFamily="49" charset="0"/>
-                <a:ea typeface="+mn-ea"/>
-              </a:endParaRPr>
-            </a:p>
-          </p:txBody>
-        </p:sp>
-        <p:cxnSp>
-          <p:nvCxnSpPr>
-            <p:cNvPr id="14" name="직선 화살표 연결선 13">
-              <a:extLst>
-                <a:ext uri="{FF2B5EF4-FFF2-40B4-BE49-F238E27FC236}">
-                  <a16:creationId xmlns:a16="http://schemas.microsoft.com/office/drawing/2014/main" id="{465673C7-5678-4747-8550-F79DEA8E1BA4}"/>
-                </a:ext>
-              </a:extLst>
-            </p:cNvPr>
-            <p:cNvCxnSpPr>
-              <a:cxnSpLocks/>
-              <a:stCxn id="3" idx="0"/>
-              <a:endCxn id="7" idx="2"/>
-            </p:cNvCxnSpPr>
-            <p:nvPr/>
-          </p:nvCxnSpPr>
-          <p:spPr>
-            <a:xfrm flipV="1">
-              <a:off x="3340728" y="3979292"/>
-              <a:ext cx="0" cy="285644"/>
-            </a:xfrm>
-            <a:prstGeom prst="straightConnector1">
-              <a:avLst/>
-            </a:prstGeom>
-            <a:ln>
-              <a:solidFill>
-                <a:srgbClr val="002060"/>
-              </a:solidFill>
-              <a:headEnd type="none" w="med" len="med"/>
-              <a:tailEnd type="triangle"/>
-            </a:ln>
-          </p:spPr>
-          <p:style>
-            <a:lnRef idx="1">
-              <a:schemeClr val="accent1"/>
-            </a:lnRef>
-            <a:fillRef idx="0">
-              <a:schemeClr val="accent1"/>
-            </a:fillRef>
-            <a:effectRef idx="0">
-              <a:schemeClr val="accent1"/>
-            </a:effectRef>
-            <a:fontRef idx="minor">
-              <a:schemeClr val="tx1"/>
-            </a:fontRef>
-          </p:style>
-        </p:cxnSp>
-        <p:sp>
-          <p:nvSpPr>
-            <p:cNvPr id="17" name="타원 16">
-              <a:extLst>
-                <a:ext uri="{FF2B5EF4-FFF2-40B4-BE49-F238E27FC236}">
-                  <a16:creationId xmlns:a16="http://schemas.microsoft.com/office/drawing/2014/main" id="{AB614B40-FD9D-44C2-8DA0-67A75F56C225}"/>
-                </a:ext>
-              </a:extLst>
-            </p:cNvPr>
-            <p:cNvSpPr/>
-            <p:nvPr/>
-          </p:nvSpPr>
-          <p:spPr>
-            <a:xfrm>
-              <a:off x="3340727" y="4122114"/>
-              <a:ext cx="70163" cy="48124"/>
-            </a:xfrm>
-            <a:prstGeom prst="ellipse">
-              <a:avLst/>
-            </a:prstGeom>
-            <a:noFill/>
-            <a:ln w="19050">
-              <a:noFill/>
-            </a:ln>
-          </p:spPr>
-          <p:style>
-            <a:lnRef idx="2">
-              <a:schemeClr val="accent1">
-                <a:shade val="50000"/>
-              </a:schemeClr>
-            </a:lnRef>
-            <a:fillRef idx="1">
-              <a:schemeClr val="accent1"/>
-            </a:fillRef>
-            <a:effectRef idx="0">
-              <a:schemeClr val="accent1"/>
-            </a:effectRef>
-            <a:fontRef idx="minor">
-              <a:schemeClr val="lt1"/>
-            </a:fontRef>
-          </p:style>
-          <p:txBody>
-            <a:bodyPr rtlCol="0" anchor="ctr"/>
-            <a:lstStyle/>
-            <a:p>
-              <a:pPr algn="ctr"/>
-              <a:endParaRPr lang="ko-KR" altLang="en-US" sz="1800">
-                <a:solidFill>
-                  <a:schemeClr val="tx1"/>
-                </a:solidFill>
-                <a:latin typeface="Consolas" panose="020B0609020204030204" pitchFamily="49" charset="0"/>
-              </a:endParaRPr>
-            </a:p>
-          </p:txBody>
-        </p:sp>
-        <p:sp>
-          <p:nvSpPr>
-            <p:cNvPr id="18" name="타원 17">
-              <a:extLst>
-                <a:ext uri="{FF2B5EF4-FFF2-40B4-BE49-F238E27FC236}">
-                  <a16:creationId xmlns:a16="http://schemas.microsoft.com/office/drawing/2014/main" id="{8B8EFE80-B907-44CC-AE05-07E232F64121}"/>
-                </a:ext>
-              </a:extLst>
-            </p:cNvPr>
-            <p:cNvSpPr/>
-            <p:nvPr/>
-          </p:nvSpPr>
-          <p:spPr>
-            <a:xfrm>
-              <a:off x="3338461" y="5454092"/>
-              <a:ext cx="70163" cy="48124"/>
-            </a:xfrm>
-            <a:prstGeom prst="ellipse">
-              <a:avLst/>
-            </a:prstGeom>
-            <a:noFill/>
-            <a:ln w="19050">
-              <a:noFill/>
-            </a:ln>
-          </p:spPr>
-          <p:style>
-            <a:lnRef idx="2">
-              <a:schemeClr val="accent1">
-                <a:shade val="50000"/>
-              </a:schemeClr>
-            </a:lnRef>
-            <a:fillRef idx="1">
-              <a:schemeClr val="accent1"/>
-            </a:fillRef>
-            <a:effectRef idx="0">
-              <a:schemeClr val="accent1"/>
-            </a:effectRef>
-            <a:fontRef idx="minor">
-              <a:schemeClr val="lt1"/>
-            </a:fontRef>
-          </p:style>
-          <p:txBody>
-            <a:bodyPr rtlCol="0" anchor="ctr"/>
-            <a:lstStyle/>
-            <a:p>
-              <a:pPr algn="ctr"/>
-              <a:endParaRPr lang="ko-KR" altLang="en-US" sz="1800">
-                <a:solidFill>
-                  <a:schemeClr val="tx1"/>
-                </a:solidFill>
-                <a:latin typeface="Consolas" panose="020B0609020204030204" pitchFamily="49" charset="0"/>
-              </a:endParaRPr>
-            </a:p>
-          </p:txBody>
-        </p:sp>
-        <p:cxnSp>
-          <p:nvCxnSpPr>
-            <p:cNvPr id="20" name="연결선: 꺾임 19">
-              <a:extLst>
-                <a:ext uri="{FF2B5EF4-FFF2-40B4-BE49-F238E27FC236}">
-                  <a16:creationId xmlns:a16="http://schemas.microsoft.com/office/drawing/2014/main" id="{158B3832-BC11-490E-ADE2-DE3A9F3D81D8}"/>
-                </a:ext>
-              </a:extLst>
-            </p:cNvPr>
-            <p:cNvCxnSpPr>
-              <a:stCxn id="18" idx="2"/>
-              <a:endCxn id="17" idx="2"/>
-            </p:cNvCxnSpPr>
-            <p:nvPr/>
-          </p:nvCxnSpPr>
-          <p:spPr>
-            <a:xfrm rot="10800000" flipH="1">
-              <a:off x="3338461" y="4146177"/>
-              <a:ext cx="2266" cy="1331978"/>
-            </a:xfrm>
-            <a:prstGeom prst="bentConnector3">
-              <a:avLst>
-                <a:gd name="adj1" fmla="val -64824537"/>
-              </a:avLst>
-            </a:prstGeom>
-            <a:ln>
-              <a:solidFill>
-                <a:srgbClr val="002060"/>
-              </a:solidFill>
-              <a:headEnd type="none" w="med" len="med"/>
-              <a:tailEnd type="none" w="med" len="med"/>
-            </a:ln>
-          </p:spPr>
-          <p:style>
-            <a:lnRef idx="1">
-              <a:schemeClr val="accent1"/>
-            </a:lnRef>
-            <a:fillRef idx="0">
-              <a:schemeClr val="accent1"/>
-            </a:fillRef>
-            <a:effectRef idx="0">
-              <a:schemeClr val="accent1"/>
-            </a:effectRef>
-            <a:fontRef idx="minor">
-              <a:schemeClr val="tx1"/>
-            </a:fontRef>
-          </p:style>
-        </p:cxnSp>
-        <p:sp>
-          <p:nvSpPr>
-            <p:cNvPr id="23" name="직사각형 22">
-              <a:extLst>
-                <a:ext uri="{FF2B5EF4-FFF2-40B4-BE49-F238E27FC236}">
-                  <a16:creationId xmlns:a16="http://schemas.microsoft.com/office/drawing/2014/main" id="{2E19915B-CBDF-40B4-8920-DCB32AC45C81}"/>
-                </a:ext>
-              </a:extLst>
-            </p:cNvPr>
-            <p:cNvSpPr/>
-            <p:nvPr/>
-          </p:nvSpPr>
-          <p:spPr>
-            <a:xfrm>
-              <a:off x="2082296" y="2970216"/>
-              <a:ext cx="2516863" cy="403631"/>
-            </a:xfrm>
-            <a:prstGeom prst="rect">
-              <a:avLst/>
-            </a:prstGeom>
-            <a:solidFill>
-              <a:srgbClr val="FFFFCC"/>
-            </a:solidFill>
-            <a:ln w="19050">
-              <a:solidFill>
-                <a:srgbClr val="FFC000"/>
-              </a:solidFill>
-            </a:ln>
-          </p:spPr>
-          <p:style>
-            <a:lnRef idx="2">
-              <a:schemeClr val="accent1">
-                <a:shade val="50000"/>
-              </a:schemeClr>
-            </a:lnRef>
-            <a:fillRef idx="1">
-              <a:schemeClr val="accent1"/>
-            </a:fillRef>
-            <a:effectRef idx="0">
-              <a:schemeClr val="accent1"/>
-            </a:effectRef>
-            <a:fontRef idx="minor">
-              <a:schemeClr val="lt1"/>
-            </a:fontRef>
-          </p:style>
-          <p:txBody>
-            <a:bodyPr rtlCol="0" anchor="ctr"/>
-            <a:lstStyle/>
-            <a:p>
-              <a:pPr algn="ctr"/>
-              <a:r>
-                <a:rPr lang="en-US" altLang="ko-KR" sz="1800">
-                  <a:solidFill>
-                    <a:schemeClr val="tx1"/>
-                  </a:solidFill>
-                  <a:latin typeface="Consolas" panose="020B0609020204030204" pitchFamily="49" charset="0"/>
-                </a:rPr>
-                <a:t>Dense</a:t>
-              </a:r>
-              <a:endParaRPr lang="ko-KR" altLang="en-US" sz="1800">
-                <a:solidFill>
-                  <a:schemeClr val="tx1"/>
-                </a:solidFill>
-                <a:latin typeface="Consolas" panose="020B0609020204030204" pitchFamily="49" charset="0"/>
-              </a:endParaRPr>
-            </a:p>
-          </p:txBody>
-        </p:sp>
-        <p:cxnSp>
-          <p:nvCxnSpPr>
-            <p:cNvPr id="26" name="직선 화살표 연결선 25">
-              <a:extLst>
-                <a:ext uri="{FF2B5EF4-FFF2-40B4-BE49-F238E27FC236}">
-                  <a16:creationId xmlns:a16="http://schemas.microsoft.com/office/drawing/2014/main" id="{050567E6-A209-40B7-A31A-ADA8C6757DD2}"/>
-                </a:ext>
-              </a:extLst>
-            </p:cNvPr>
-            <p:cNvCxnSpPr>
-              <a:cxnSpLocks/>
-              <a:stCxn id="7" idx="0"/>
-              <a:endCxn id="23" idx="2"/>
-            </p:cNvCxnSpPr>
-            <p:nvPr/>
-          </p:nvCxnSpPr>
-          <p:spPr>
-            <a:xfrm flipV="1">
-              <a:off x="3340728" y="3373846"/>
-              <a:ext cx="0" cy="201815"/>
-            </a:xfrm>
-            <a:prstGeom prst="straightConnector1">
-              <a:avLst/>
-            </a:prstGeom>
-            <a:ln>
-              <a:solidFill>
-                <a:srgbClr val="002060"/>
-              </a:solidFill>
-              <a:headEnd type="none" w="med" len="med"/>
-              <a:tailEnd type="triangle"/>
-            </a:ln>
-          </p:spPr>
-          <p:style>
-            <a:lnRef idx="1">
-              <a:schemeClr val="accent1"/>
-            </a:lnRef>
-            <a:fillRef idx="0">
-              <a:schemeClr val="accent1"/>
-            </a:fillRef>
-            <a:effectRef idx="0">
-              <a:schemeClr val="accent1"/>
-            </a:effectRef>
-            <a:fontRef idx="minor">
-              <a:schemeClr val="tx1"/>
-            </a:fontRef>
-          </p:style>
-        </p:cxnSp>
-        <p:sp>
-          <p:nvSpPr>
-            <p:cNvPr id="31" name="직사각형 30">
-              <a:extLst>
-                <a:ext uri="{FF2B5EF4-FFF2-40B4-BE49-F238E27FC236}">
-                  <a16:creationId xmlns:a16="http://schemas.microsoft.com/office/drawing/2014/main" id="{D6F48FEB-04EC-446E-BB72-7F58A5AD2831}"/>
-                </a:ext>
-              </a:extLst>
-            </p:cNvPr>
-            <p:cNvSpPr/>
-            <p:nvPr/>
-          </p:nvSpPr>
-          <p:spPr>
-            <a:xfrm>
-              <a:off x="2080028" y="2353904"/>
-              <a:ext cx="2516863" cy="403631"/>
-            </a:xfrm>
-            <a:prstGeom prst="rect">
-              <a:avLst/>
-            </a:prstGeom>
-            <a:solidFill>
-              <a:srgbClr val="FFFFCC"/>
-            </a:solidFill>
-            <a:ln w="19050">
-              <a:solidFill>
-                <a:srgbClr val="FFC000"/>
-              </a:solidFill>
-            </a:ln>
-          </p:spPr>
-          <p:style>
-            <a:lnRef idx="2">
-              <a:schemeClr val="accent1">
-                <a:shade val="50000"/>
-              </a:schemeClr>
-            </a:lnRef>
-            <a:fillRef idx="1">
-              <a:schemeClr val="accent1"/>
-            </a:fillRef>
-            <a:effectRef idx="0">
-              <a:schemeClr val="accent1"/>
-            </a:effectRef>
-            <a:fontRef idx="minor">
-              <a:schemeClr val="lt1"/>
-            </a:fontRef>
-          </p:style>
-          <p:txBody>
-            <a:bodyPr rtlCol="0" anchor="ctr"/>
-            <a:lstStyle/>
-            <a:p>
-              <a:pPr algn="ctr"/>
-              <a:r>
-                <a:rPr lang="en-US" altLang="ko-KR" sz="1800">
-                  <a:solidFill>
-                    <a:schemeClr val="tx1"/>
-                  </a:solidFill>
-                  <a:latin typeface="Consolas" panose="020B0609020204030204" pitchFamily="49" charset="0"/>
-                </a:rPr>
-                <a:t>Dense</a:t>
-              </a:r>
-              <a:endParaRPr lang="ko-KR" altLang="en-US" sz="1800">
-                <a:solidFill>
-                  <a:schemeClr val="tx1"/>
-                </a:solidFill>
-                <a:latin typeface="Consolas" panose="020B0609020204030204" pitchFamily="49" charset="0"/>
-              </a:endParaRPr>
-            </a:p>
-          </p:txBody>
-        </p:sp>
-        <p:cxnSp>
-          <p:nvCxnSpPr>
-            <p:cNvPr id="32" name="직선 화살표 연결선 31">
-              <a:extLst>
-                <a:ext uri="{FF2B5EF4-FFF2-40B4-BE49-F238E27FC236}">
-                  <a16:creationId xmlns:a16="http://schemas.microsoft.com/office/drawing/2014/main" id="{EC9E24F4-0957-4DE2-8D17-8F1B821FEDD7}"/>
-                </a:ext>
-              </a:extLst>
-            </p:cNvPr>
-            <p:cNvCxnSpPr>
-              <a:cxnSpLocks/>
-              <a:stCxn id="23" idx="0"/>
-              <a:endCxn id="31" idx="2"/>
-            </p:cNvCxnSpPr>
-            <p:nvPr/>
-          </p:nvCxnSpPr>
-          <p:spPr>
-            <a:xfrm flipH="1" flipV="1">
-              <a:off x="3338460" y="2757535"/>
-              <a:ext cx="2268" cy="212681"/>
-            </a:xfrm>
-            <a:prstGeom prst="straightConnector1">
-              <a:avLst/>
-            </a:prstGeom>
-            <a:ln>
-              <a:solidFill>
-                <a:srgbClr val="002060"/>
-              </a:solidFill>
-              <a:headEnd type="none" w="med" len="med"/>
-              <a:tailEnd type="triangle"/>
-            </a:ln>
-          </p:spPr>
-          <p:style>
-            <a:lnRef idx="1">
-              <a:schemeClr val="accent1"/>
-            </a:lnRef>
-            <a:fillRef idx="0">
-              <a:schemeClr val="accent1"/>
-            </a:fillRef>
-            <a:effectRef idx="0">
-              <a:schemeClr val="accent1"/>
-            </a:effectRef>
-            <a:fontRef idx="minor">
-              <a:schemeClr val="tx1"/>
-            </a:fontRef>
-          </p:style>
-        </p:cxnSp>
-        <p:sp>
-          <p:nvSpPr>
-            <p:cNvPr id="39" name="직사각형 38">
-              <a:extLst>
-                <a:ext uri="{FF2B5EF4-FFF2-40B4-BE49-F238E27FC236}">
-                  <a16:creationId xmlns:a16="http://schemas.microsoft.com/office/drawing/2014/main" id="{A3B7182B-2C32-45CD-97F9-9DA2EA7F3693}"/>
-                </a:ext>
-              </a:extLst>
-            </p:cNvPr>
-            <p:cNvSpPr/>
-            <p:nvPr/>
-          </p:nvSpPr>
-          <p:spPr>
-            <a:xfrm>
-              <a:off x="2080028" y="1657189"/>
-              <a:ext cx="2516863" cy="403631"/>
-            </a:xfrm>
-            <a:prstGeom prst="rect">
-              <a:avLst/>
-            </a:prstGeom>
-            <a:solidFill>
-              <a:srgbClr val="FFFFCC"/>
-            </a:solidFill>
-            <a:ln w="19050">
-              <a:solidFill>
-                <a:srgbClr val="FFC000"/>
-              </a:solidFill>
-            </a:ln>
-          </p:spPr>
-          <p:style>
-            <a:lnRef idx="2">
-              <a:schemeClr val="accent1">
-                <a:shade val="50000"/>
-              </a:schemeClr>
-            </a:lnRef>
-            <a:fillRef idx="1">
-              <a:schemeClr val="accent1"/>
-            </a:fillRef>
-            <a:effectRef idx="0">
-              <a:schemeClr val="accent1"/>
-            </a:effectRef>
-            <a:fontRef idx="minor">
-              <a:schemeClr val="lt1"/>
-            </a:fontRef>
-          </p:style>
-          <p:txBody>
-            <a:bodyPr rtlCol="0" anchor="ctr"/>
-            <a:lstStyle/>
-            <a:p>
-              <a:pPr algn="ctr"/>
-              <a:r>
-                <a:rPr lang="en-US" altLang="ko-KR" sz="1800">
-                  <a:solidFill>
-                    <a:schemeClr val="tx1"/>
-                  </a:solidFill>
-                  <a:latin typeface="Consolas" panose="020B0609020204030204" pitchFamily="49" charset="0"/>
-                </a:rPr>
-                <a:t>Dropout</a:t>
-              </a:r>
-              <a:endParaRPr lang="ko-KR" altLang="en-US" sz="1800">
-                <a:solidFill>
-                  <a:schemeClr val="tx1"/>
-                </a:solidFill>
-                <a:latin typeface="Consolas" panose="020B0609020204030204" pitchFamily="49" charset="0"/>
-              </a:endParaRPr>
-            </a:p>
-          </p:txBody>
-        </p:sp>
-        <p:sp>
-          <p:nvSpPr>
-            <p:cNvPr id="40" name="직사각형 39">
-              <a:extLst>
-                <a:ext uri="{FF2B5EF4-FFF2-40B4-BE49-F238E27FC236}">
-                  <a16:creationId xmlns:a16="http://schemas.microsoft.com/office/drawing/2014/main" id="{6CCD1B6C-A1BB-4823-8074-DDB42A617B0B}"/>
-                </a:ext>
-              </a:extLst>
-            </p:cNvPr>
-            <p:cNvSpPr/>
-            <p:nvPr/>
-          </p:nvSpPr>
-          <p:spPr>
-            <a:xfrm>
-              <a:off x="2080028" y="967915"/>
-              <a:ext cx="2516863" cy="403631"/>
-            </a:xfrm>
-            <a:prstGeom prst="rect">
-              <a:avLst/>
-            </a:prstGeom>
-            <a:solidFill>
-              <a:srgbClr val="FFFFCC"/>
-            </a:solidFill>
-            <a:ln w="19050">
-              <a:solidFill>
-                <a:srgbClr val="FFC000"/>
-              </a:solidFill>
-            </a:ln>
-          </p:spPr>
-          <p:style>
-            <a:lnRef idx="2">
-              <a:schemeClr val="accent1">
-                <a:shade val="50000"/>
-              </a:schemeClr>
-            </a:lnRef>
-            <a:fillRef idx="1">
-              <a:schemeClr val="accent1"/>
-            </a:fillRef>
-            <a:effectRef idx="0">
-              <a:schemeClr val="accent1"/>
-            </a:effectRef>
-            <a:fontRef idx="minor">
-              <a:schemeClr val="lt1"/>
-            </a:fontRef>
-          </p:style>
-          <p:txBody>
-            <a:bodyPr rtlCol="0" anchor="ctr"/>
-            <a:lstStyle/>
-            <a:p>
-              <a:pPr algn="ctr"/>
-              <a:r>
-                <a:rPr lang="en-US" altLang="ko-KR" sz="1800">
-                  <a:solidFill>
-                    <a:schemeClr val="tx1"/>
-                  </a:solidFill>
-                  <a:latin typeface="Consolas" panose="020B0609020204030204" pitchFamily="49" charset="0"/>
-                </a:rPr>
-                <a:t>LayerNormalization</a:t>
-              </a:r>
-              <a:endParaRPr lang="ko-KR" altLang="en-US" sz="1800">
-                <a:solidFill>
-                  <a:schemeClr val="tx1"/>
-                </a:solidFill>
-                <a:latin typeface="Consolas" panose="020B0609020204030204" pitchFamily="49" charset="0"/>
-              </a:endParaRPr>
-            </a:p>
-          </p:txBody>
-        </p:sp>
-        <p:cxnSp>
-          <p:nvCxnSpPr>
-            <p:cNvPr id="41" name="직선 화살표 연결선 40">
-              <a:extLst>
-                <a:ext uri="{FF2B5EF4-FFF2-40B4-BE49-F238E27FC236}">
-                  <a16:creationId xmlns:a16="http://schemas.microsoft.com/office/drawing/2014/main" id="{DBC6452B-6736-4561-8EB9-6590B427D99E}"/>
-                </a:ext>
-              </a:extLst>
-            </p:cNvPr>
-            <p:cNvCxnSpPr>
-              <a:cxnSpLocks/>
-              <a:stCxn id="31" idx="0"/>
-              <a:endCxn id="39" idx="2"/>
-            </p:cNvCxnSpPr>
-            <p:nvPr/>
-          </p:nvCxnSpPr>
-          <p:spPr>
-            <a:xfrm flipV="1">
-              <a:off x="3338460" y="2060820"/>
-              <a:ext cx="0" cy="293084"/>
-            </a:xfrm>
-            <a:prstGeom prst="straightConnector1">
-              <a:avLst/>
-            </a:prstGeom>
-            <a:ln>
-              <a:solidFill>
-                <a:srgbClr val="002060"/>
-              </a:solidFill>
-              <a:headEnd type="none" w="med" len="med"/>
-              <a:tailEnd type="triangle"/>
-            </a:ln>
-          </p:spPr>
-          <p:style>
-            <a:lnRef idx="1">
-              <a:schemeClr val="accent1"/>
-            </a:lnRef>
-            <a:fillRef idx="0">
-              <a:schemeClr val="accent1"/>
-            </a:fillRef>
-            <a:effectRef idx="0">
-              <a:schemeClr val="accent1"/>
-            </a:effectRef>
-            <a:fontRef idx="minor">
-              <a:schemeClr val="tx1"/>
-            </a:fontRef>
-          </p:style>
-        </p:cxnSp>
-        <p:cxnSp>
-          <p:nvCxnSpPr>
-            <p:cNvPr id="45" name="직선 화살표 연결선 44">
-              <a:extLst>
-                <a:ext uri="{FF2B5EF4-FFF2-40B4-BE49-F238E27FC236}">
-                  <a16:creationId xmlns:a16="http://schemas.microsoft.com/office/drawing/2014/main" id="{378DA284-21D4-403F-96AA-4614B4D8DAB4}"/>
-                </a:ext>
-              </a:extLst>
-            </p:cNvPr>
-            <p:cNvCxnSpPr>
-              <a:cxnSpLocks/>
-              <a:stCxn id="39" idx="0"/>
-              <a:endCxn id="40" idx="2"/>
-            </p:cNvCxnSpPr>
-            <p:nvPr/>
-          </p:nvCxnSpPr>
-          <p:spPr>
-            <a:xfrm flipV="1">
-              <a:off x="3338460" y="1371546"/>
-              <a:ext cx="0" cy="285643"/>
-            </a:xfrm>
-            <a:prstGeom prst="straightConnector1">
-              <a:avLst/>
-            </a:prstGeom>
-            <a:ln>
-              <a:solidFill>
-                <a:srgbClr val="002060"/>
-              </a:solidFill>
-              <a:headEnd type="none" w="med" len="med"/>
-              <a:tailEnd type="triangle"/>
-            </a:ln>
-          </p:spPr>
-          <p:style>
-            <a:lnRef idx="1">
-              <a:schemeClr val="accent1"/>
-            </a:lnRef>
-            <a:fillRef idx="0">
-              <a:schemeClr val="accent1"/>
-            </a:fillRef>
-            <a:effectRef idx="0">
-              <a:schemeClr val="accent1"/>
-            </a:effectRef>
-            <a:fontRef idx="minor">
-              <a:schemeClr val="tx1"/>
-            </a:fontRef>
-          </p:style>
-        </p:cxnSp>
-        <p:sp>
-          <p:nvSpPr>
-            <p:cNvPr id="48" name="타원 47">
-              <a:extLst>
-                <a:ext uri="{FF2B5EF4-FFF2-40B4-BE49-F238E27FC236}">
-                  <a16:creationId xmlns:a16="http://schemas.microsoft.com/office/drawing/2014/main" id="{28398DD8-0988-490A-85E9-B61D48FE2B6A}"/>
-                </a:ext>
-              </a:extLst>
-            </p:cNvPr>
-            <p:cNvSpPr/>
-            <p:nvPr/>
-          </p:nvSpPr>
-          <p:spPr>
-            <a:xfrm>
-              <a:off x="3338461" y="1522737"/>
-              <a:ext cx="70163" cy="48124"/>
-            </a:xfrm>
-            <a:prstGeom prst="ellipse">
-              <a:avLst/>
-            </a:prstGeom>
-            <a:noFill/>
-            <a:ln w="19050">
-              <a:noFill/>
-            </a:ln>
-          </p:spPr>
-          <p:style>
-            <a:lnRef idx="2">
-              <a:schemeClr val="accent1">
-                <a:shade val="50000"/>
-              </a:schemeClr>
-            </a:lnRef>
-            <a:fillRef idx="1">
-              <a:schemeClr val="accent1"/>
-            </a:fillRef>
-            <a:effectRef idx="0">
-              <a:schemeClr val="accent1"/>
-            </a:effectRef>
-            <a:fontRef idx="minor">
-              <a:schemeClr val="lt1"/>
-            </a:fontRef>
-          </p:style>
-          <p:txBody>
-            <a:bodyPr rtlCol="0" anchor="ctr"/>
-            <a:lstStyle/>
-            <a:p>
-              <a:pPr algn="ctr"/>
-              <a:endParaRPr lang="ko-KR" altLang="en-US" sz="1800">
-                <a:solidFill>
-                  <a:schemeClr val="tx1"/>
-                </a:solidFill>
-                <a:latin typeface="Consolas" panose="020B0609020204030204" pitchFamily="49" charset="0"/>
-              </a:endParaRPr>
-            </a:p>
-          </p:txBody>
-        </p:sp>
-        <p:cxnSp>
-          <p:nvCxnSpPr>
-            <p:cNvPr id="49" name="연결선: 꺾임 48">
-              <a:extLst>
-                <a:ext uri="{FF2B5EF4-FFF2-40B4-BE49-F238E27FC236}">
-                  <a16:creationId xmlns:a16="http://schemas.microsoft.com/office/drawing/2014/main" id="{4FB90787-5A76-4092-8480-067F63EA7257}"/>
-                </a:ext>
-              </a:extLst>
-            </p:cNvPr>
-            <p:cNvCxnSpPr>
-              <a:cxnSpLocks/>
-              <a:stCxn id="18" idx="2"/>
-              <a:endCxn id="48" idx="2"/>
-            </p:cNvCxnSpPr>
-            <p:nvPr/>
-          </p:nvCxnSpPr>
-          <p:spPr>
-            <a:xfrm rot="10800000">
-              <a:off x="3338461" y="1546800"/>
-              <a:ext cx="12700" cy="3931355"/>
-            </a:xfrm>
-            <a:prstGeom prst="bentConnector3">
-              <a:avLst>
-                <a:gd name="adj1" fmla="val 14916835"/>
-              </a:avLst>
-            </a:prstGeom>
-            <a:ln>
-              <a:solidFill>
-                <a:srgbClr val="002060"/>
-              </a:solidFill>
-              <a:headEnd type="none" w="med" len="med"/>
-              <a:tailEnd type="none" w="med" len="med"/>
-            </a:ln>
-          </p:spPr>
-          <p:style>
-            <a:lnRef idx="1">
-              <a:schemeClr val="accent1"/>
-            </a:lnRef>
-            <a:fillRef idx="0">
-              <a:schemeClr val="accent1"/>
-            </a:fillRef>
-            <a:effectRef idx="0">
-              <a:schemeClr val="accent1"/>
-            </a:effectRef>
-            <a:fontRef idx="minor">
-              <a:schemeClr val="tx1"/>
-            </a:fontRef>
-          </p:style>
-        </p:cxnSp>
-        <p:sp>
-          <p:nvSpPr>
-            <p:cNvPr id="53" name="직사각형 52">
-              <a:extLst>
-                <a:ext uri="{FF2B5EF4-FFF2-40B4-BE49-F238E27FC236}">
-                  <a16:creationId xmlns:a16="http://schemas.microsoft.com/office/drawing/2014/main" id="{59DCAFD3-FDD4-4C94-9D48-AE7AA9C793E8}"/>
-                </a:ext>
-              </a:extLst>
-            </p:cNvPr>
-            <p:cNvSpPr/>
-            <p:nvPr/>
-          </p:nvSpPr>
-          <p:spPr>
-            <a:xfrm>
-              <a:off x="1131683" y="669957"/>
-              <a:ext cx="3811508" cy="5930019"/>
-            </a:xfrm>
-            <a:prstGeom prst="rect">
-              <a:avLst/>
-            </a:prstGeom>
-            <a:noFill/>
-            <a:ln w="19050">
-              <a:solidFill>
-                <a:srgbClr val="FFC000"/>
-              </a:solidFill>
-            </a:ln>
-          </p:spPr>
-          <p:style>
-            <a:lnRef idx="2">
-              <a:schemeClr val="accent1">
-                <a:shade val="50000"/>
-              </a:schemeClr>
-            </a:lnRef>
-            <a:fillRef idx="1">
-              <a:schemeClr val="accent1"/>
-            </a:fillRef>
-            <a:effectRef idx="0">
-              <a:schemeClr val="accent1"/>
-            </a:effectRef>
-            <a:fontRef idx="minor">
-              <a:schemeClr val="lt1"/>
-            </a:fontRef>
-          </p:style>
-          <p:txBody>
-            <a:bodyPr rtlCol="0" anchor="ctr"/>
-            <a:lstStyle/>
-            <a:p>
-              <a:pPr algn="ctr"/>
-              <a:endParaRPr lang="ko-KR" altLang="en-US" sz="1800">
-                <a:solidFill>
-                  <a:schemeClr val="tx1"/>
-                </a:solidFill>
-                <a:latin typeface="Consolas" panose="020B0609020204030204" pitchFamily="49" charset="0"/>
-              </a:endParaRPr>
-            </a:p>
-          </p:txBody>
-        </p:sp>
-      </p:grpSp>
+          </a:xfrm>
+          <a:prstGeom prst="rect">
+            <a:avLst/>
+          </a:prstGeom>
+          <a:noFill/>
+          <a:ln w="19050">
+            <a:solidFill>
+              <a:srgbClr val="FFC000"/>
+            </a:solidFill>
+          </a:ln>
+        </p:spPr>
+        <p:style>
+          <a:lnRef idx="2">
+            <a:schemeClr val="accent1">
+              <a:shade val="50000"/>
+            </a:schemeClr>
+          </a:lnRef>
+          <a:fillRef idx="1">
+            <a:schemeClr val="accent1"/>
+          </a:fillRef>
+          <a:effectRef idx="0">
+            <a:schemeClr val="accent1"/>
+          </a:effectRef>
+          <a:fontRef idx="minor">
+            <a:schemeClr val="lt1"/>
+          </a:fontRef>
+        </p:style>
+        <p:txBody>
+          <a:bodyPr rtlCol="0" anchor="ctr"/>
+          <a:lstStyle/>
+          <a:p>
+            <a:pPr algn="ctr"/>
+            <a:endParaRPr lang="ko-KR" altLang="en-US" sz="1800">
+              <a:solidFill>
+                <a:schemeClr val="tx1"/>
+              </a:solidFill>
+              <a:latin typeface="Consolas" panose="020B0609020204030204" pitchFamily="49" charset="0"/>
+            </a:endParaRPr>
+          </a:p>
+        </p:txBody>
+      </p:sp>
       <p:sp>
         <p:nvSpPr>
           <p:cNvPr id="54" name="TextBox 53">
@@ -30363,6 +30410,6422 @@
     <p:extLst>
       <p:ext uri="{BB962C8B-B14F-4D97-AF65-F5344CB8AC3E}">
         <p14:creationId xmlns:p14="http://schemas.microsoft.com/office/powerpoint/2010/main" val="3457038935"/>
+      </p:ext>
+    </p:extLst>
+  </p:cSld>
+  <p:clrMapOvr>
+    <a:masterClrMapping/>
+  </p:clrMapOvr>
+</p:sld>
+</file>
+
+<file path=ppt/slides/slide20.xml><?xml version="1.0" encoding="utf-8"?>
+<p:sld xmlns:a="http://schemas.openxmlformats.org/drawingml/2006/main" xmlns:r="http://schemas.openxmlformats.org/officeDocument/2006/relationships" xmlns:p="http://schemas.openxmlformats.org/presentationml/2006/main">
+  <p:cSld>
+    <p:spTree>
+      <p:nvGrpSpPr>
+        <p:cNvPr id="1" name=""/>
+        <p:cNvGrpSpPr/>
+        <p:nvPr/>
+      </p:nvGrpSpPr>
+      <p:grpSpPr>
+        <a:xfrm>
+          <a:off x="0" y="0"/>
+          <a:ext cx="0" cy="0"/>
+          <a:chOff x="0" y="0"/>
+          <a:chExt cx="0" cy="0"/>
+        </a:xfrm>
+      </p:grpSpPr>
+      <p:sp>
+        <p:nvSpPr>
+          <p:cNvPr id="2" name="직사각형 1">
+            <a:extLst>
+              <a:ext uri="{FF2B5EF4-FFF2-40B4-BE49-F238E27FC236}">
+                <a16:creationId xmlns:a16="http://schemas.microsoft.com/office/drawing/2014/main" id="{A5FF8CC8-AF7C-42E4-93FF-212F9D0A4257}"/>
+              </a:ext>
+            </a:extLst>
+          </p:cNvPr>
+          <p:cNvSpPr/>
+          <p:nvPr/>
+        </p:nvSpPr>
+        <p:spPr>
+          <a:xfrm>
+            <a:off x="2082296" y="4916952"/>
+            <a:ext cx="2516863" cy="403631"/>
+          </a:xfrm>
+          <a:prstGeom prst="rect">
+            <a:avLst/>
+          </a:prstGeom>
+          <a:solidFill>
+            <a:srgbClr val="FFFFCC"/>
+          </a:solidFill>
+          <a:ln w="19050">
+            <a:solidFill>
+              <a:srgbClr val="FFC000"/>
+            </a:solidFill>
+          </a:ln>
+        </p:spPr>
+        <p:style>
+          <a:lnRef idx="2">
+            <a:schemeClr val="accent1">
+              <a:shade val="50000"/>
+            </a:schemeClr>
+          </a:lnRef>
+          <a:fillRef idx="1">
+            <a:schemeClr val="accent1"/>
+          </a:fillRef>
+          <a:effectRef idx="0">
+            <a:schemeClr val="accent1"/>
+          </a:effectRef>
+          <a:fontRef idx="minor">
+            <a:schemeClr val="lt1"/>
+          </a:fontRef>
+        </p:style>
+        <p:txBody>
+          <a:bodyPr rtlCol="0" anchor="ctr"/>
+          <a:lstStyle/>
+          <a:p>
+            <a:pPr algn="ctr"/>
+            <a:r>
+              <a:rPr lang="en-US" altLang="ko-KR" sz="1200">
+                <a:solidFill>
+                  <a:schemeClr val="tx1"/>
+                </a:solidFill>
+                <a:latin typeface="Consolas" panose="020B0609020204030204" pitchFamily="49" charset="0"/>
+              </a:rPr>
+              <a:t>MultiHeadAttention(Masked)</a:t>
+            </a:r>
+            <a:endParaRPr lang="ko-KR" altLang="en-US" sz="1200">
+              <a:solidFill>
+                <a:schemeClr val="tx1"/>
+              </a:solidFill>
+              <a:latin typeface="Consolas" panose="020B0609020204030204" pitchFamily="49" charset="0"/>
+            </a:endParaRPr>
+          </a:p>
+        </p:txBody>
+      </p:sp>
+      <p:sp>
+        <p:nvSpPr>
+          <p:cNvPr id="7" name="직사각형 6">
+            <a:extLst>
+              <a:ext uri="{FF2B5EF4-FFF2-40B4-BE49-F238E27FC236}">
+                <a16:creationId xmlns:a16="http://schemas.microsoft.com/office/drawing/2014/main" id="{0E08B603-AE47-4AC9-A8C2-E2FDC812C831}"/>
+              </a:ext>
+            </a:extLst>
+          </p:cNvPr>
+          <p:cNvSpPr/>
+          <p:nvPr/>
+        </p:nvSpPr>
+        <p:spPr>
+          <a:xfrm>
+            <a:off x="2082296" y="4217345"/>
+            <a:ext cx="2516863" cy="403631"/>
+          </a:xfrm>
+          <a:prstGeom prst="rect">
+            <a:avLst/>
+          </a:prstGeom>
+          <a:solidFill>
+            <a:srgbClr val="FFFFCC"/>
+          </a:solidFill>
+          <a:ln w="19050">
+            <a:solidFill>
+              <a:srgbClr val="FFC000"/>
+            </a:solidFill>
+          </a:ln>
+        </p:spPr>
+        <p:style>
+          <a:lnRef idx="2">
+            <a:schemeClr val="accent1">
+              <a:shade val="50000"/>
+            </a:schemeClr>
+          </a:lnRef>
+          <a:fillRef idx="1">
+            <a:schemeClr val="accent1"/>
+          </a:fillRef>
+          <a:effectRef idx="0">
+            <a:schemeClr val="accent1"/>
+          </a:effectRef>
+          <a:fontRef idx="minor">
+            <a:schemeClr val="lt1"/>
+          </a:fontRef>
+        </p:style>
+        <p:txBody>
+          <a:bodyPr rtlCol="0" anchor="ctr"/>
+          <a:lstStyle/>
+          <a:p>
+            <a:pPr algn="ctr"/>
+            <a:r>
+              <a:rPr lang="en-US" altLang="ko-KR" sz="1800">
+                <a:solidFill>
+                  <a:schemeClr val="tx1"/>
+                </a:solidFill>
+                <a:latin typeface="Consolas" panose="020B0609020204030204" pitchFamily="49" charset="0"/>
+              </a:rPr>
+              <a:t>LayerNormalization</a:t>
+            </a:r>
+            <a:endParaRPr lang="ko-KR" altLang="en-US" sz="1800">
+              <a:solidFill>
+                <a:schemeClr val="tx1"/>
+              </a:solidFill>
+              <a:latin typeface="Consolas" panose="020B0609020204030204" pitchFamily="49" charset="0"/>
+            </a:endParaRPr>
+          </a:p>
+        </p:txBody>
+      </p:sp>
+      <p:sp>
+        <p:nvSpPr>
+          <p:cNvPr id="9" name="직사각형 8">
+            <a:extLst>
+              <a:ext uri="{FF2B5EF4-FFF2-40B4-BE49-F238E27FC236}">
+                <a16:creationId xmlns:a16="http://schemas.microsoft.com/office/drawing/2014/main" id="{DCEFCD06-0EC9-4F7F-BAC5-E7C559BCE41F}"/>
+              </a:ext>
+            </a:extLst>
+          </p:cNvPr>
+          <p:cNvSpPr/>
+          <p:nvPr/>
+        </p:nvSpPr>
+        <p:spPr>
+          <a:xfrm>
+            <a:off x="2082296" y="5612439"/>
+            <a:ext cx="2516863" cy="403631"/>
+          </a:xfrm>
+          <a:prstGeom prst="rect">
+            <a:avLst/>
+          </a:prstGeom>
+          <a:solidFill>
+            <a:srgbClr val="FFFFCC"/>
+          </a:solidFill>
+          <a:ln w="19050">
+            <a:solidFill>
+              <a:srgbClr val="FFC000"/>
+            </a:solidFill>
+          </a:ln>
+        </p:spPr>
+        <p:style>
+          <a:lnRef idx="2">
+            <a:schemeClr val="accent1">
+              <a:shade val="50000"/>
+            </a:schemeClr>
+          </a:lnRef>
+          <a:fillRef idx="1">
+            <a:schemeClr val="accent1"/>
+          </a:fillRef>
+          <a:effectRef idx="0">
+            <a:schemeClr val="accent1"/>
+          </a:effectRef>
+          <a:fontRef idx="minor">
+            <a:schemeClr val="lt1"/>
+          </a:fontRef>
+        </p:style>
+        <p:txBody>
+          <a:bodyPr rtlCol="0" anchor="ctr"/>
+          <a:lstStyle/>
+          <a:p>
+            <a:pPr algn="ctr"/>
+            <a:r>
+              <a:rPr lang="en-US" altLang="ko-KR" sz="1800">
+                <a:solidFill>
+                  <a:schemeClr val="tx1"/>
+                </a:solidFill>
+                <a:latin typeface="Consolas" panose="020B0609020204030204" pitchFamily="49" charset="0"/>
+              </a:rPr>
+              <a:t>Input</a:t>
+            </a:r>
+            <a:endParaRPr lang="ko-KR" altLang="en-US" sz="1800">
+              <a:solidFill>
+                <a:schemeClr val="tx1"/>
+              </a:solidFill>
+              <a:latin typeface="Consolas" panose="020B0609020204030204" pitchFamily="49" charset="0"/>
+            </a:endParaRPr>
+          </a:p>
+        </p:txBody>
+      </p:sp>
+      <p:cxnSp>
+        <p:nvCxnSpPr>
+          <p:cNvPr id="10" name="직선 화살표 연결선 9">
+            <a:extLst>
+              <a:ext uri="{FF2B5EF4-FFF2-40B4-BE49-F238E27FC236}">
+                <a16:creationId xmlns:a16="http://schemas.microsoft.com/office/drawing/2014/main" id="{7CBE176F-A2F9-44A2-B66B-672CA14A88BD}"/>
+              </a:ext>
+            </a:extLst>
+          </p:cNvPr>
+          <p:cNvCxnSpPr>
+            <a:cxnSpLocks/>
+            <a:stCxn id="9" idx="0"/>
+            <a:endCxn id="2" idx="2"/>
+          </p:cNvCxnSpPr>
+          <p:nvPr/>
+        </p:nvCxnSpPr>
+        <p:spPr>
+          <a:xfrm flipV="1">
+            <a:off x="3340728" y="5320583"/>
+            <a:ext cx="0" cy="291856"/>
+          </a:xfrm>
+          <a:prstGeom prst="straightConnector1">
+            <a:avLst/>
+          </a:prstGeom>
+          <a:ln>
+            <a:solidFill>
+              <a:srgbClr val="002060"/>
+            </a:solidFill>
+            <a:headEnd type="none" w="med" len="med"/>
+            <a:tailEnd type="triangle"/>
+          </a:ln>
+        </p:spPr>
+        <p:style>
+          <a:lnRef idx="1">
+            <a:schemeClr val="accent1"/>
+          </a:lnRef>
+          <a:fillRef idx="0">
+            <a:schemeClr val="accent1"/>
+          </a:fillRef>
+          <a:effectRef idx="0">
+            <a:schemeClr val="accent1"/>
+          </a:effectRef>
+          <a:fontRef idx="minor">
+            <a:schemeClr val="tx1"/>
+          </a:fontRef>
+        </p:style>
+      </p:cxnSp>
+      <p:sp>
+        <p:nvSpPr>
+          <p:cNvPr id="13" name="TextBox 12">
+            <a:extLst>
+              <a:ext uri="{FF2B5EF4-FFF2-40B4-BE49-F238E27FC236}">
+                <a16:creationId xmlns:a16="http://schemas.microsoft.com/office/drawing/2014/main" id="{4B94C3FB-C31A-4AAC-A878-0F9E3BB1BAD9}"/>
+              </a:ext>
+            </a:extLst>
+          </p:cNvPr>
+          <p:cNvSpPr txBox="1"/>
+          <p:nvPr/>
+        </p:nvSpPr>
+        <p:spPr>
+          <a:xfrm>
+            <a:off x="2551889" y="6013510"/>
+            <a:ext cx="1577676" cy="289297"/>
+          </a:xfrm>
+          <a:prstGeom prst="rect">
+            <a:avLst/>
+          </a:prstGeom>
+          <a:noFill/>
+        </p:spPr>
+        <p:txBody>
+          <a:bodyPr wrap="none" rtlCol="0">
+            <a:spAutoFit/>
+          </a:bodyPr>
+          <a:lstStyle/>
+          <a:p>
+            <a:pPr algn="l">
+              <a:lnSpc>
+                <a:spcPct val="130000"/>
+              </a:lnSpc>
+              <a:buClr>
+                <a:srgbClr val="C5003D"/>
+              </a:buClr>
+            </a:pPr>
+            <a:r>
+              <a:rPr lang="en-US" altLang="ko-KR" sz="1800">
+                <a:solidFill>
+                  <a:schemeClr val="tx1"/>
+                </a:solidFill>
+                <a:latin typeface="Consolas" panose="020B0609020204030204" pitchFamily="49" charset="0"/>
+                <a:ea typeface="+mn-ea"/>
+              </a:rPr>
+              <a:t>(11000, 40)</a:t>
+            </a:r>
+            <a:endParaRPr lang="ko-KR" altLang="en-US" sz="1800">
+              <a:solidFill>
+                <a:schemeClr val="tx1"/>
+              </a:solidFill>
+              <a:latin typeface="Consolas" panose="020B0609020204030204" pitchFamily="49" charset="0"/>
+              <a:ea typeface="+mn-ea"/>
+            </a:endParaRPr>
+          </a:p>
+        </p:txBody>
+      </p:sp>
+      <p:cxnSp>
+        <p:nvCxnSpPr>
+          <p:cNvPr id="14" name="직선 화살표 연결선 13">
+            <a:extLst>
+              <a:ext uri="{FF2B5EF4-FFF2-40B4-BE49-F238E27FC236}">
+                <a16:creationId xmlns:a16="http://schemas.microsoft.com/office/drawing/2014/main" id="{465673C7-5678-4747-8550-F79DEA8E1BA4}"/>
+              </a:ext>
+            </a:extLst>
+          </p:cNvPr>
+          <p:cNvCxnSpPr>
+            <a:cxnSpLocks/>
+            <a:stCxn id="2" idx="0"/>
+            <a:endCxn id="7" idx="2"/>
+          </p:cNvCxnSpPr>
+          <p:nvPr/>
+        </p:nvCxnSpPr>
+        <p:spPr>
+          <a:xfrm flipV="1">
+            <a:off x="3340728" y="4620976"/>
+            <a:ext cx="0" cy="295976"/>
+          </a:xfrm>
+          <a:prstGeom prst="straightConnector1">
+            <a:avLst/>
+          </a:prstGeom>
+          <a:ln>
+            <a:solidFill>
+              <a:srgbClr val="002060"/>
+            </a:solidFill>
+            <a:headEnd type="none" w="med" len="med"/>
+            <a:tailEnd type="triangle"/>
+          </a:ln>
+        </p:spPr>
+        <p:style>
+          <a:lnRef idx="1">
+            <a:schemeClr val="accent1"/>
+          </a:lnRef>
+          <a:fillRef idx="0">
+            <a:schemeClr val="accent1"/>
+          </a:fillRef>
+          <a:effectRef idx="0">
+            <a:schemeClr val="accent1"/>
+          </a:effectRef>
+          <a:fontRef idx="minor">
+            <a:schemeClr val="tx1"/>
+          </a:fontRef>
+        </p:style>
+      </p:cxnSp>
+      <p:sp>
+        <p:nvSpPr>
+          <p:cNvPr id="17" name="타원 16">
+            <a:extLst>
+              <a:ext uri="{FF2B5EF4-FFF2-40B4-BE49-F238E27FC236}">
+                <a16:creationId xmlns:a16="http://schemas.microsoft.com/office/drawing/2014/main" id="{AB614B40-FD9D-44C2-8DA0-67A75F56C225}"/>
+              </a:ext>
+            </a:extLst>
+          </p:cNvPr>
+          <p:cNvSpPr/>
+          <p:nvPr/>
+        </p:nvSpPr>
+        <p:spPr>
+          <a:xfrm>
+            <a:off x="3340727" y="4763797"/>
+            <a:ext cx="70163" cy="48124"/>
+          </a:xfrm>
+          <a:prstGeom prst="ellipse">
+            <a:avLst/>
+          </a:prstGeom>
+          <a:noFill/>
+          <a:ln w="19050">
+            <a:noFill/>
+          </a:ln>
+        </p:spPr>
+        <p:style>
+          <a:lnRef idx="2">
+            <a:schemeClr val="accent1">
+              <a:shade val="50000"/>
+            </a:schemeClr>
+          </a:lnRef>
+          <a:fillRef idx="1">
+            <a:schemeClr val="accent1"/>
+          </a:fillRef>
+          <a:effectRef idx="0">
+            <a:schemeClr val="accent1"/>
+          </a:effectRef>
+          <a:fontRef idx="minor">
+            <a:schemeClr val="lt1"/>
+          </a:fontRef>
+        </p:style>
+        <p:txBody>
+          <a:bodyPr rtlCol="0" anchor="ctr"/>
+          <a:lstStyle/>
+          <a:p>
+            <a:pPr algn="ctr"/>
+            <a:endParaRPr lang="ko-KR" altLang="en-US" sz="1800">
+              <a:solidFill>
+                <a:schemeClr val="tx1"/>
+              </a:solidFill>
+              <a:latin typeface="Consolas" panose="020B0609020204030204" pitchFamily="49" charset="0"/>
+            </a:endParaRPr>
+          </a:p>
+        </p:txBody>
+      </p:sp>
+      <p:sp>
+        <p:nvSpPr>
+          <p:cNvPr id="18" name="타원 17">
+            <a:extLst>
+              <a:ext uri="{FF2B5EF4-FFF2-40B4-BE49-F238E27FC236}">
+                <a16:creationId xmlns:a16="http://schemas.microsoft.com/office/drawing/2014/main" id="{8B8EFE80-B907-44CC-AE05-07E232F64121}"/>
+              </a:ext>
+            </a:extLst>
+          </p:cNvPr>
+          <p:cNvSpPr/>
+          <p:nvPr/>
+        </p:nvSpPr>
+        <p:spPr>
+          <a:xfrm>
+            <a:off x="3338461" y="5454092"/>
+            <a:ext cx="70163" cy="48124"/>
+          </a:xfrm>
+          <a:prstGeom prst="ellipse">
+            <a:avLst/>
+          </a:prstGeom>
+          <a:noFill/>
+          <a:ln w="19050">
+            <a:noFill/>
+          </a:ln>
+        </p:spPr>
+        <p:style>
+          <a:lnRef idx="2">
+            <a:schemeClr val="accent1">
+              <a:shade val="50000"/>
+            </a:schemeClr>
+          </a:lnRef>
+          <a:fillRef idx="1">
+            <a:schemeClr val="accent1"/>
+          </a:fillRef>
+          <a:effectRef idx="0">
+            <a:schemeClr val="accent1"/>
+          </a:effectRef>
+          <a:fontRef idx="minor">
+            <a:schemeClr val="lt1"/>
+          </a:fontRef>
+        </p:style>
+        <p:txBody>
+          <a:bodyPr rtlCol="0" anchor="ctr"/>
+          <a:lstStyle/>
+          <a:p>
+            <a:pPr algn="ctr"/>
+            <a:endParaRPr lang="ko-KR" altLang="en-US" sz="1800">
+              <a:solidFill>
+                <a:schemeClr val="tx1"/>
+              </a:solidFill>
+              <a:latin typeface="Consolas" panose="020B0609020204030204" pitchFamily="49" charset="0"/>
+            </a:endParaRPr>
+          </a:p>
+        </p:txBody>
+      </p:sp>
+      <p:cxnSp>
+        <p:nvCxnSpPr>
+          <p:cNvPr id="20" name="연결선: 꺾임 19">
+            <a:extLst>
+              <a:ext uri="{FF2B5EF4-FFF2-40B4-BE49-F238E27FC236}">
+                <a16:creationId xmlns:a16="http://schemas.microsoft.com/office/drawing/2014/main" id="{158B3832-BC11-490E-ADE2-DE3A9F3D81D8}"/>
+              </a:ext>
+            </a:extLst>
+          </p:cNvPr>
+          <p:cNvCxnSpPr>
+            <a:stCxn id="18" idx="2"/>
+            <a:endCxn id="17" idx="2"/>
+          </p:cNvCxnSpPr>
+          <p:nvPr/>
+        </p:nvCxnSpPr>
+        <p:spPr>
+          <a:xfrm rot="10800000" flipH="1">
+            <a:off x="3338461" y="4787860"/>
+            <a:ext cx="2266" cy="690295"/>
+          </a:xfrm>
+          <a:prstGeom prst="bentConnector3">
+            <a:avLst>
+              <a:gd name="adj1" fmla="val -61591483"/>
+            </a:avLst>
+          </a:prstGeom>
+          <a:ln>
+            <a:solidFill>
+              <a:srgbClr val="002060"/>
+            </a:solidFill>
+            <a:headEnd type="none" w="med" len="med"/>
+            <a:tailEnd type="none" w="med" len="med"/>
+          </a:ln>
+        </p:spPr>
+        <p:style>
+          <a:lnRef idx="1">
+            <a:schemeClr val="accent1"/>
+          </a:lnRef>
+          <a:fillRef idx="0">
+            <a:schemeClr val="accent1"/>
+          </a:fillRef>
+          <a:effectRef idx="0">
+            <a:schemeClr val="accent1"/>
+          </a:effectRef>
+          <a:fontRef idx="minor">
+            <a:schemeClr val="tx1"/>
+          </a:fontRef>
+        </p:style>
+      </p:cxnSp>
+      <p:cxnSp>
+        <p:nvCxnSpPr>
+          <p:cNvPr id="26" name="직선 화살표 연결선 25">
+            <a:extLst>
+              <a:ext uri="{FF2B5EF4-FFF2-40B4-BE49-F238E27FC236}">
+                <a16:creationId xmlns:a16="http://schemas.microsoft.com/office/drawing/2014/main" id="{050567E6-A209-40B7-A31A-ADA8C6757DD2}"/>
+              </a:ext>
+            </a:extLst>
+          </p:cNvPr>
+          <p:cNvCxnSpPr>
+            <a:cxnSpLocks/>
+          </p:cNvCxnSpPr>
+          <p:nvPr/>
+        </p:nvCxnSpPr>
+        <p:spPr>
+          <a:xfrm flipV="1">
+            <a:off x="3990434" y="4007321"/>
+            <a:ext cx="0" cy="201815"/>
+          </a:xfrm>
+          <a:prstGeom prst="straightConnector1">
+            <a:avLst/>
+          </a:prstGeom>
+          <a:ln>
+            <a:solidFill>
+              <a:srgbClr val="002060"/>
+            </a:solidFill>
+            <a:headEnd type="none" w="med" len="med"/>
+            <a:tailEnd type="triangle"/>
+          </a:ln>
+        </p:spPr>
+        <p:style>
+          <a:lnRef idx="1">
+            <a:schemeClr val="accent1"/>
+          </a:lnRef>
+          <a:fillRef idx="0">
+            <a:schemeClr val="accent1"/>
+          </a:fillRef>
+          <a:effectRef idx="0">
+            <a:schemeClr val="accent1"/>
+          </a:effectRef>
+          <a:fontRef idx="minor">
+            <a:schemeClr val="tx1"/>
+          </a:fontRef>
+        </p:style>
+      </p:cxnSp>
+      <p:sp>
+        <p:nvSpPr>
+          <p:cNvPr id="23" name="직사각형 22">
+            <a:extLst>
+              <a:ext uri="{FF2B5EF4-FFF2-40B4-BE49-F238E27FC236}">
+                <a16:creationId xmlns:a16="http://schemas.microsoft.com/office/drawing/2014/main" id="{2E19915B-CBDF-40B4-8920-DCB32AC45C81}"/>
+              </a:ext>
+            </a:extLst>
+          </p:cNvPr>
+          <p:cNvSpPr/>
+          <p:nvPr/>
+        </p:nvSpPr>
+        <p:spPr>
+          <a:xfrm>
+            <a:off x="2084891" y="1829227"/>
+            <a:ext cx="2516863" cy="403631"/>
+          </a:xfrm>
+          <a:prstGeom prst="rect">
+            <a:avLst/>
+          </a:prstGeom>
+          <a:solidFill>
+            <a:srgbClr val="FFFFCC"/>
+          </a:solidFill>
+          <a:ln w="19050">
+            <a:solidFill>
+              <a:srgbClr val="FFC000"/>
+            </a:solidFill>
+          </a:ln>
+        </p:spPr>
+        <p:style>
+          <a:lnRef idx="2">
+            <a:schemeClr val="accent1">
+              <a:shade val="50000"/>
+            </a:schemeClr>
+          </a:lnRef>
+          <a:fillRef idx="1">
+            <a:schemeClr val="accent1"/>
+          </a:fillRef>
+          <a:effectRef idx="0">
+            <a:schemeClr val="accent1"/>
+          </a:effectRef>
+          <a:fontRef idx="minor">
+            <a:schemeClr val="lt1"/>
+          </a:fontRef>
+        </p:style>
+        <p:txBody>
+          <a:bodyPr rtlCol="0" anchor="ctr"/>
+          <a:lstStyle/>
+          <a:p>
+            <a:pPr algn="ctr"/>
+            <a:r>
+              <a:rPr lang="en-US" altLang="ko-KR" sz="1800">
+                <a:solidFill>
+                  <a:schemeClr val="tx1"/>
+                </a:solidFill>
+                <a:latin typeface="Consolas" panose="020B0609020204030204" pitchFamily="49" charset="0"/>
+              </a:rPr>
+              <a:t>Dense</a:t>
+            </a:r>
+            <a:endParaRPr lang="ko-KR" altLang="en-US" sz="1800">
+              <a:solidFill>
+                <a:schemeClr val="tx1"/>
+              </a:solidFill>
+              <a:latin typeface="Consolas" panose="020B0609020204030204" pitchFamily="49" charset="0"/>
+            </a:endParaRPr>
+          </a:p>
+        </p:txBody>
+      </p:sp>
+      <p:sp>
+        <p:nvSpPr>
+          <p:cNvPr id="31" name="직사각형 30">
+            <a:extLst>
+              <a:ext uri="{FF2B5EF4-FFF2-40B4-BE49-F238E27FC236}">
+                <a16:creationId xmlns:a16="http://schemas.microsoft.com/office/drawing/2014/main" id="{D6F48FEB-04EC-446E-BB72-7F58A5AD2831}"/>
+              </a:ext>
+            </a:extLst>
+          </p:cNvPr>
+          <p:cNvSpPr/>
+          <p:nvPr/>
+        </p:nvSpPr>
+        <p:spPr>
+          <a:xfrm>
+            <a:off x="2084891" y="1253025"/>
+            <a:ext cx="2516863" cy="403631"/>
+          </a:xfrm>
+          <a:prstGeom prst="rect">
+            <a:avLst/>
+          </a:prstGeom>
+          <a:solidFill>
+            <a:srgbClr val="FFFFCC"/>
+          </a:solidFill>
+          <a:ln w="19050">
+            <a:solidFill>
+              <a:srgbClr val="FFC000"/>
+            </a:solidFill>
+          </a:ln>
+        </p:spPr>
+        <p:style>
+          <a:lnRef idx="2">
+            <a:schemeClr val="accent1">
+              <a:shade val="50000"/>
+            </a:schemeClr>
+          </a:lnRef>
+          <a:fillRef idx="1">
+            <a:schemeClr val="accent1"/>
+          </a:fillRef>
+          <a:effectRef idx="0">
+            <a:schemeClr val="accent1"/>
+          </a:effectRef>
+          <a:fontRef idx="minor">
+            <a:schemeClr val="lt1"/>
+          </a:fontRef>
+        </p:style>
+        <p:txBody>
+          <a:bodyPr rtlCol="0" anchor="ctr"/>
+          <a:lstStyle/>
+          <a:p>
+            <a:pPr algn="ctr"/>
+            <a:r>
+              <a:rPr lang="en-US" altLang="ko-KR" sz="1800">
+                <a:solidFill>
+                  <a:schemeClr val="tx1"/>
+                </a:solidFill>
+                <a:latin typeface="Consolas" panose="020B0609020204030204" pitchFamily="49" charset="0"/>
+              </a:rPr>
+              <a:t>Dense</a:t>
+            </a:r>
+            <a:endParaRPr lang="ko-KR" altLang="en-US" sz="1800">
+              <a:solidFill>
+                <a:schemeClr val="tx1"/>
+              </a:solidFill>
+              <a:latin typeface="Consolas" panose="020B0609020204030204" pitchFamily="49" charset="0"/>
+            </a:endParaRPr>
+          </a:p>
+        </p:txBody>
+      </p:sp>
+      <p:cxnSp>
+        <p:nvCxnSpPr>
+          <p:cNvPr id="32" name="직선 화살표 연결선 31">
+            <a:extLst>
+              <a:ext uri="{FF2B5EF4-FFF2-40B4-BE49-F238E27FC236}">
+                <a16:creationId xmlns:a16="http://schemas.microsoft.com/office/drawing/2014/main" id="{EC9E24F4-0957-4DE2-8D17-8F1B821FEDD7}"/>
+              </a:ext>
+            </a:extLst>
+          </p:cNvPr>
+          <p:cNvCxnSpPr>
+            <a:cxnSpLocks/>
+            <a:stCxn id="23" idx="0"/>
+            <a:endCxn id="31" idx="2"/>
+          </p:cNvCxnSpPr>
+          <p:nvPr/>
+        </p:nvCxnSpPr>
+        <p:spPr>
+          <a:xfrm flipV="1">
+            <a:off x="3343323" y="1656656"/>
+            <a:ext cx="0" cy="172571"/>
+          </a:xfrm>
+          <a:prstGeom prst="straightConnector1">
+            <a:avLst/>
+          </a:prstGeom>
+          <a:ln>
+            <a:solidFill>
+              <a:srgbClr val="002060"/>
+            </a:solidFill>
+            <a:headEnd type="none" w="med" len="med"/>
+            <a:tailEnd type="triangle"/>
+          </a:ln>
+        </p:spPr>
+        <p:style>
+          <a:lnRef idx="1">
+            <a:schemeClr val="accent1"/>
+          </a:lnRef>
+          <a:fillRef idx="0">
+            <a:schemeClr val="accent1"/>
+          </a:fillRef>
+          <a:effectRef idx="0">
+            <a:schemeClr val="accent1"/>
+          </a:effectRef>
+          <a:fontRef idx="minor">
+            <a:schemeClr val="tx1"/>
+          </a:fontRef>
+        </p:style>
+      </p:cxnSp>
+      <p:sp>
+        <p:nvSpPr>
+          <p:cNvPr id="39" name="직사각형 38">
+            <a:extLst>
+              <a:ext uri="{FF2B5EF4-FFF2-40B4-BE49-F238E27FC236}">
+                <a16:creationId xmlns:a16="http://schemas.microsoft.com/office/drawing/2014/main" id="{A3B7182B-2C32-45CD-97F9-9DA2EA7F3693}"/>
+              </a:ext>
+            </a:extLst>
+          </p:cNvPr>
+          <p:cNvSpPr/>
+          <p:nvPr/>
+        </p:nvSpPr>
+        <p:spPr>
+          <a:xfrm>
+            <a:off x="2082296" y="684805"/>
+            <a:ext cx="2516863" cy="403631"/>
+          </a:xfrm>
+          <a:prstGeom prst="rect">
+            <a:avLst/>
+          </a:prstGeom>
+          <a:solidFill>
+            <a:srgbClr val="FFFFCC"/>
+          </a:solidFill>
+          <a:ln w="19050">
+            <a:solidFill>
+              <a:srgbClr val="FFC000"/>
+            </a:solidFill>
+          </a:ln>
+        </p:spPr>
+        <p:style>
+          <a:lnRef idx="2">
+            <a:schemeClr val="accent1">
+              <a:shade val="50000"/>
+            </a:schemeClr>
+          </a:lnRef>
+          <a:fillRef idx="1">
+            <a:schemeClr val="accent1"/>
+          </a:fillRef>
+          <a:effectRef idx="0">
+            <a:schemeClr val="accent1"/>
+          </a:effectRef>
+          <a:fontRef idx="minor">
+            <a:schemeClr val="lt1"/>
+          </a:fontRef>
+        </p:style>
+        <p:txBody>
+          <a:bodyPr rtlCol="0" anchor="ctr"/>
+          <a:lstStyle/>
+          <a:p>
+            <a:pPr algn="ctr"/>
+            <a:r>
+              <a:rPr lang="en-US" altLang="ko-KR" sz="1800">
+                <a:solidFill>
+                  <a:schemeClr val="tx1"/>
+                </a:solidFill>
+                <a:latin typeface="Consolas" panose="020B0609020204030204" pitchFamily="49" charset="0"/>
+              </a:rPr>
+              <a:t>Dropout</a:t>
+            </a:r>
+            <a:endParaRPr lang="ko-KR" altLang="en-US" sz="1800">
+              <a:solidFill>
+                <a:schemeClr val="tx1"/>
+              </a:solidFill>
+              <a:latin typeface="Consolas" panose="020B0609020204030204" pitchFamily="49" charset="0"/>
+            </a:endParaRPr>
+          </a:p>
+        </p:txBody>
+      </p:sp>
+      <p:sp>
+        <p:nvSpPr>
+          <p:cNvPr id="40" name="직사각형 39">
+            <a:extLst>
+              <a:ext uri="{FF2B5EF4-FFF2-40B4-BE49-F238E27FC236}">
+                <a16:creationId xmlns:a16="http://schemas.microsoft.com/office/drawing/2014/main" id="{6CCD1B6C-A1BB-4823-8074-DDB42A617B0B}"/>
+              </a:ext>
+            </a:extLst>
+          </p:cNvPr>
+          <p:cNvSpPr/>
+          <p:nvPr/>
+        </p:nvSpPr>
+        <p:spPr>
+          <a:xfrm>
+            <a:off x="2082296" y="22251"/>
+            <a:ext cx="2516863" cy="403631"/>
+          </a:xfrm>
+          <a:prstGeom prst="rect">
+            <a:avLst/>
+          </a:prstGeom>
+          <a:solidFill>
+            <a:srgbClr val="FFFFCC"/>
+          </a:solidFill>
+          <a:ln w="19050">
+            <a:solidFill>
+              <a:srgbClr val="FFC000"/>
+            </a:solidFill>
+          </a:ln>
+        </p:spPr>
+        <p:style>
+          <a:lnRef idx="2">
+            <a:schemeClr val="accent1">
+              <a:shade val="50000"/>
+            </a:schemeClr>
+          </a:lnRef>
+          <a:fillRef idx="1">
+            <a:schemeClr val="accent1"/>
+          </a:fillRef>
+          <a:effectRef idx="0">
+            <a:schemeClr val="accent1"/>
+          </a:effectRef>
+          <a:fontRef idx="minor">
+            <a:schemeClr val="lt1"/>
+          </a:fontRef>
+        </p:style>
+        <p:txBody>
+          <a:bodyPr rtlCol="0" anchor="ctr"/>
+          <a:lstStyle/>
+          <a:p>
+            <a:pPr algn="ctr"/>
+            <a:r>
+              <a:rPr lang="en-US" altLang="ko-KR" sz="1800">
+                <a:solidFill>
+                  <a:schemeClr val="tx1"/>
+                </a:solidFill>
+                <a:latin typeface="Consolas" panose="020B0609020204030204" pitchFamily="49" charset="0"/>
+              </a:rPr>
+              <a:t>LayerNormalization</a:t>
+            </a:r>
+            <a:endParaRPr lang="ko-KR" altLang="en-US" sz="1800">
+              <a:solidFill>
+                <a:schemeClr val="tx1"/>
+              </a:solidFill>
+              <a:latin typeface="Consolas" panose="020B0609020204030204" pitchFamily="49" charset="0"/>
+            </a:endParaRPr>
+          </a:p>
+        </p:txBody>
+      </p:sp>
+      <p:cxnSp>
+        <p:nvCxnSpPr>
+          <p:cNvPr id="41" name="직선 화살표 연결선 40">
+            <a:extLst>
+              <a:ext uri="{FF2B5EF4-FFF2-40B4-BE49-F238E27FC236}">
+                <a16:creationId xmlns:a16="http://schemas.microsoft.com/office/drawing/2014/main" id="{DBC6452B-6736-4561-8EB9-6590B427D99E}"/>
+              </a:ext>
+            </a:extLst>
+          </p:cNvPr>
+          <p:cNvCxnSpPr>
+            <a:cxnSpLocks/>
+            <a:stCxn id="31" idx="0"/>
+            <a:endCxn id="39" idx="2"/>
+          </p:cNvCxnSpPr>
+          <p:nvPr/>
+        </p:nvCxnSpPr>
+        <p:spPr>
+          <a:xfrm flipH="1" flipV="1">
+            <a:off x="3340728" y="1088436"/>
+            <a:ext cx="2595" cy="164589"/>
+          </a:xfrm>
+          <a:prstGeom prst="straightConnector1">
+            <a:avLst/>
+          </a:prstGeom>
+          <a:ln>
+            <a:solidFill>
+              <a:srgbClr val="002060"/>
+            </a:solidFill>
+            <a:headEnd type="none" w="med" len="med"/>
+            <a:tailEnd type="triangle"/>
+          </a:ln>
+        </p:spPr>
+        <p:style>
+          <a:lnRef idx="1">
+            <a:schemeClr val="accent1"/>
+          </a:lnRef>
+          <a:fillRef idx="0">
+            <a:schemeClr val="accent1"/>
+          </a:fillRef>
+          <a:effectRef idx="0">
+            <a:schemeClr val="accent1"/>
+          </a:effectRef>
+          <a:fontRef idx="minor">
+            <a:schemeClr val="tx1"/>
+          </a:fontRef>
+        </p:style>
+      </p:cxnSp>
+      <p:cxnSp>
+        <p:nvCxnSpPr>
+          <p:cNvPr id="45" name="직선 화살표 연결선 44">
+            <a:extLst>
+              <a:ext uri="{FF2B5EF4-FFF2-40B4-BE49-F238E27FC236}">
+                <a16:creationId xmlns:a16="http://schemas.microsoft.com/office/drawing/2014/main" id="{378DA284-21D4-403F-96AA-4614B4D8DAB4}"/>
+              </a:ext>
+            </a:extLst>
+          </p:cNvPr>
+          <p:cNvCxnSpPr>
+            <a:cxnSpLocks/>
+            <a:stCxn id="39" idx="0"/>
+            <a:endCxn id="40" idx="2"/>
+          </p:cNvCxnSpPr>
+          <p:nvPr/>
+        </p:nvCxnSpPr>
+        <p:spPr>
+          <a:xfrm flipV="1">
+            <a:off x="3340728" y="425882"/>
+            <a:ext cx="0" cy="258923"/>
+          </a:xfrm>
+          <a:prstGeom prst="straightConnector1">
+            <a:avLst/>
+          </a:prstGeom>
+          <a:ln>
+            <a:solidFill>
+              <a:srgbClr val="002060"/>
+            </a:solidFill>
+            <a:headEnd type="none" w="med" len="med"/>
+            <a:tailEnd type="triangle"/>
+          </a:ln>
+        </p:spPr>
+        <p:style>
+          <a:lnRef idx="1">
+            <a:schemeClr val="accent1"/>
+          </a:lnRef>
+          <a:fillRef idx="0">
+            <a:schemeClr val="accent1"/>
+          </a:fillRef>
+          <a:effectRef idx="0">
+            <a:schemeClr val="accent1"/>
+          </a:effectRef>
+          <a:fontRef idx="minor">
+            <a:schemeClr val="tx1"/>
+          </a:fontRef>
+        </p:style>
+      </p:cxnSp>
+      <p:sp>
+        <p:nvSpPr>
+          <p:cNvPr id="48" name="타원 47">
+            <a:extLst>
+              <a:ext uri="{FF2B5EF4-FFF2-40B4-BE49-F238E27FC236}">
+                <a16:creationId xmlns:a16="http://schemas.microsoft.com/office/drawing/2014/main" id="{28398DD8-0988-490A-85E9-B61D48FE2B6A}"/>
+              </a:ext>
+            </a:extLst>
+          </p:cNvPr>
+          <p:cNvSpPr/>
+          <p:nvPr/>
+        </p:nvSpPr>
+        <p:spPr>
+          <a:xfrm>
+            <a:off x="3372409" y="305544"/>
+            <a:ext cx="70163" cy="48124"/>
+          </a:xfrm>
+          <a:prstGeom prst="ellipse">
+            <a:avLst/>
+          </a:prstGeom>
+          <a:noFill/>
+          <a:ln w="19050">
+            <a:noFill/>
+          </a:ln>
+        </p:spPr>
+        <p:style>
+          <a:lnRef idx="2">
+            <a:schemeClr val="accent1">
+              <a:shade val="50000"/>
+            </a:schemeClr>
+          </a:lnRef>
+          <a:fillRef idx="1">
+            <a:schemeClr val="accent1"/>
+          </a:fillRef>
+          <a:effectRef idx="0">
+            <a:schemeClr val="accent1"/>
+          </a:effectRef>
+          <a:fontRef idx="minor">
+            <a:schemeClr val="lt1"/>
+          </a:fontRef>
+        </p:style>
+        <p:txBody>
+          <a:bodyPr rtlCol="0" anchor="ctr"/>
+          <a:lstStyle/>
+          <a:p>
+            <a:pPr algn="ctr"/>
+            <a:endParaRPr lang="ko-KR" altLang="en-US" sz="1800">
+              <a:solidFill>
+                <a:schemeClr val="tx1"/>
+              </a:solidFill>
+              <a:latin typeface="Consolas" panose="020B0609020204030204" pitchFamily="49" charset="0"/>
+            </a:endParaRPr>
+          </a:p>
+        </p:txBody>
+      </p:sp>
+      <p:sp>
+        <p:nvSpPr>
+          <p:cNvPr id="53" name="직사각형 52">
+            <a:extLst>
+              <a:ext uri="{FF2B5EF4-FFF2-40B4-BE49-F238E27FC236}">
+                <a16:creationId xmlns:a16="http://schemas.microsoft.com/office/drawing/2014/main" id="{59DCAFD3-FDD4-4C94-9D48-AE7AA9C793E8}"/>
+              </a:ext>
+            </a:extLst>
+          </p:cNvPr>
+          <p:cNvSpPr/>
+          <p:nvPr/>
+        </p:nvSpPr>
+        <p:spPr>
+          <a:xfrm>
+            <a:off x="1131683" y="-60153"/>
+            <a:ext cx="3811508" cy="6660130"/>
+          </a:xfrm>
+          <a:prstGeom prst="rect">
+            <a:avLst/>
+          </a:prstGeom>
+          <a:noFill/>
+          <a:ln w="19050">
+            <a:solidFill>
+              <a:srgbClr val="FFC000"/>
+            </a:solidFill>
+          </a:ln>
+        </p:spPr>
+        <p:style>
+          <a:lnRef idx="2">
+            <a:schemeClr val="accent1">
+              <a:shade val="50000"/>
+            </a:schemeClr>
+          </a:lnRef>
+          <a:fillRef idx="1">
+            <a:schemeClr val="accent1"/>
+          </a:fillRef>
+          <a:effectRef idx="0">
+            <a:schemeClr val="accent1"/>
+          </a:effectRef>
+          <a:fontRef idx="minor">
+            <a:schemeClr val="lt1"/>
+          </a:fontRef>
+        </p:style>
+        <p:txBody>
+          <a:bodyPr rtlCol="0" anchor="ctr"/>
+          <a:lstStyle/>
+          <a:p>
+            <a:pPr algn="ctr"/>
+            <a:endParaRPr lang="ko-KR" altLang="en-US" sz="1800">
+              <a:solidFill>
+                <a:schemeClr val="tx1"/>
+              </a:solidFill>
+              <a:latin typeface="Consolas" panose="020B0609020204030204" pitchFamily="49" charset="0"/>
+            </a:endParaRPr>
+          </a:p>
+        </p:txBody>
+      </p:sp>
+      <p:sp>
+        <p:nvSpPr>
+          <p:cNvPr id="54" name="TextBox 53">
+            <a:extLst>
+              <a:ext uri="{FF2B5EF4-FFF2-40B4-BE49-F238E27FC236}">
+                <a16:creationId xmlns:a16="http://schemas.microsoft.com/office/drawing/2014/main" id="{7329C122-D03D-49E2-BB6B-CA013DF9946B}"/>
+              </a:ext>
+            </a:extLst>
+          </p:cNvPr>
+          <p:cNvSpPr txBox="1"/>
+          <p:nvPr/>
+        </p:nvSpPr>
+        <p:spPr>
+          <a:xfrm>
+            <a:off x="-435641" y="118715"/>
+            <a:ext cx="1830950" cy="421782"/>
+          </a:xfrm>
+          <a:prstGeom prst="rect">
+            <a:avLst/>
+          </a:prstGeom>
+          <a:noFill/>
+        </p:spPr>
+        <p:txBody>
+          <a:bodyPr wrap="none" rtlCol="0">
+            <a:spAutoFit/>
+          </a:bodyPr>
+          <a:lstStyle/>
+          <a:p>
+            <a:pPr algn="l">
+              <a:lnSpc>
+                <a:spcPct val="130000"/>
+              </a:lnSpc>
+              <a:buClr>
+                <a:srgbClr val="C5003D"/>
+              </a:buClr>
+            </a:pPr>
+            <a:r>
+              <a:rPr lang="en-US" altLang="ko-KR" sz="1800">
+                <a:solidFill>
+                  <a:schemeClr val="tx1"/>
+                </a:solidFill>
+                <a:latin typeface="Consolas" panose="020B0609020204030204" pitchFamily="49" charset="0"/>
+                <a:ea typeface="+mn-ea"/>
+              </a:rPr>
+              <a:t>decoder_layer</a:t>
+            </a:r>
+            <a:endParaRPr lang="ko-KR" altLang="en-US" sz="1800">
+              <a:solidFill>
+                <a:schemeClr val="tx1"/>
+              </a:solidFill>
+              <a:latin typeface="Consolas" panose="020B0609020204030204" pitchFamily="49" charset="0"/>
+              <a:ea typeface="+mn-ea"/>
+            </a:endParaRPr>
+          </a:p>
+        </p:txBody>
+      </p:sp>
+      <p:sp>
+        <p:nvSpPr>
+          <p:cNvPr id="63" name="TextBox 62">
+            <a:extLst>
+              <a:ext uri="{FF2B5EF4-FFF2-40B4-BE49-F238E27FC236}">
+                <a16:creationId xmlns:a16="http://schemas.microsoft.com/office/drawing/2014/main" id="{A326C23A-41BF-42C0-AE8B-B687D07226DD}"/>
+              </a:ext>
+            </a:extLst>
+          </p:cNvPr>
+          <p:cNvSpPr txBox="1"/>
+          <p:nvPr/>
+        </p:nvSpPr>
+        <p:spPr>
+          <a:xfrm>
+            <a:off x="7459250" y="6601697"/>
+            <a:ext cx="1577676" cy="421782"/>
+          </a:xfrm>
+          <a:prstGeom prst="rect">
+            <a:avLst/>
+          </a:prstGeom>
+          <a:noFill/>
+        </p:spPr>
+        <p:txBody>
+          <a:bodyPr wrap="none" rtlCol="0">
+            <a:spAutoFit/>
+          </a:bodyPr>
+          <a:lstStyle/>
+          <a:p>
+            <a:pPr algn="l">
+              <a:lnSpc>
+                <a:spcPct val="130000"/>
+              </a:lnSpc>
+              <a:buClr>
+                <a:srgbClr val="C5003D"/>
+              </a:buClr>
+            </a:pPr>
+            <a:r>
+              <a:rPr lang="en-US" altLang="ko-KR" sz="1800">
+                <a:solidFill>
+                  <a:schemeClr val="tx1"/>
+                </a:solidFill>
+                <a:latin typeface="Consolas" panose="020B0609020204030204" pitchFamily="49" charset="0"/>
+                <a:ea typeface="+mn-ea"/>
+              </a:rPr>
+              <a:t>(11000, 40)</a:t>
+            </a:r>
+            <a:endParaRPr lang="ko-KR" altLang="en-US" sz="1800">
+              <a:solidFill>
+                <a:schemeClr val="tx1"/>
+              </a:solidFill>
+              <a:latin typeface="Consolas" panose="020B0609020204030204" pitchFamily="49" charset="0"/>
+              <a:ea typeface="+mn-ea"/>
+            </a:endParaRPr>
+          </a:p>
+        </p:txBody>
+      </p:sp>
+      <p:cxnSp>
+        <p:nvCxnSpPr>
+          <p:cNvPr id="152" name="직선 연결선 151">
+            <a:extLst>
+              <a:ext uri="{FF2B5EF4-FFF2-40B4-BE49-F238E27FC236}">
+                <a16:creationId xmlns:a16="http://schemas.microsoft.com/office/drawing/2014/main" id="{206E9481-5646-4174-A60F-C85FF6C38BC4}"/>
+              </a:ext>
+            </a:extLst>
+          </p:cNvPr>
+          <p:cNvCxnSpPr>
+            <a:cxnSpLocks/>
+          </p:cNvCxnSpPr>
+          <p:nvPr/>
+        </p:nvCxnSpPr>
+        <p:spPr>
+          <a:xfrm flipH="1" flipV="1">
+            <a:off x="4952911" y="-65466"/>
+            <a:ext cx="1515858" cy="5700979"/>
+          </a:xfrm>
+          <a:prstGeom prst="line">
+            <a:avLst/>
+          </a:prstGeom>
+          <a:ln>
+            <a:solidFill>
+              <a:srgbClr val="002060"/>
+            </a:solidFill>
+            <a:headEnd type="none" w="med" len="med"/>
+            <a:tailEnd type="none" w="med" len="med"/>
+          </a:ln>
+        </p:spPr>
+        <p:style>
+          <a:lnRef idx="1">
+            <a:schemeClr val="accent1"/>
+          </a:lnRef>
+          <a:fillRef idx="0">
+            <a:schemeClr val="accent1"/>
+          </a:fillRef>
+          <a:effectRef idx="0">
+            <a:schemeClr val="accent1"/>
+          </a:effectRef>
+          <a:fontRef idx="minor">
+            <a:schemeClr val="tx1"/>
+          </a:fontRef>
+        </p:style>
+      </p:cxnSp>
+      <p:cxnSp>
+        <p:nvCxnSpPr>
+          <p:cNvPr id="153" name="직선 연결선 152">
+            <a:extLst>
+              <a:ext uri="{FF2B5EF4-FFF2-40B4-BE49-F238E27FC236}">
+                <a16:creationId xmlns:a16="http://schemas.microsoft.com/office/drawing/2014/main" id="{18E71F5B-2679-4112-9BE3-7365EE8308FA}"/>
+              </a:ext>
+            </a:extLst>
+          </p:cNvPr>
+          <p:cNvCxnSpPr>
+            <a:cxnSpLocks/>
+          </p:cNvCxnSpPr>
+          <p:nvPr/>
+        </p:nvCxnSpPr>
+        <p:spPr>
+          <a:xfrm flipH="1" flipV="1">
+            <a:off x="4920842" y="6594663"/>
+            <a:ext cx="1547927" cy="1"/>
+          </a:xfrm>
+          <a:prstGeom prst="line">
+            <a:avLst/>
+          </a:prstGeom>
+          <a:ln>
+            <a:solidFill>
+              <a:srgbClr val="002060"/>
+            </a:solidFill>
+            <a:headEnd type="none" w="med" len="med"/>
+            <a:tailEnd type="none" w="med" len="med"/>
+          </a:ln>
+        </p:spPr>
+        <p:style>
+          <a:lnRef idx="1">
+            <a:schemeClr val="accent1"/>
+          </a:lnRef>
+          <a:fillRef idx="0">
+            <a:schemeClr val="accent1"/>
+          </a:fillRef>
+          <a:effectRef idx="0">
+            <a:schemeClr val="accent1"/>
+          </a:effectRef>
+          <a:fontRef idx="minor">
+            <a:schemeClr val="tx1"/>
+          </a:fontRef>
+        </p:style>
+      </p:cxnSp>
+      <p:pic>
+        <p:nvPicPr>
+          <p:cNvPr id="1026" name="Picture 2">
+            <a:extLst>
+              <a:ext uri="{FF2B5EF4-FFF2-40B4-BE49-F238E27FC236}">
+                <a16:creationId xmlns:a16="http://schemas.microsoft.com/office/drawing/2014/main" id="{481023FB-F663-4186-8B67-3B1ECE5A2221}"/>
+              </a:ext>
+            </a:extLst>
+          </p:cNvPr>
+          <p:cNvPicPr>
+            <a:picLocks noChangeAspect="1" noChangeArrowheads="1"/>
+          </p:cNvPicPr>
+          <p:nvPr/>
+        </p:nvPicPr>
+        <p:blipFill>
+          <a:blip r:embed="rId2">
+            <a:extLst>
+              <a:ext uri="{28A0092B-C50C-407E-A947-70E740481C1C}">
+                <a14:useLocalDpi xmlns:a14="http://schemas.microsoft.com/office/drawing/2010/main" val="0"/>
+              </a:ext>
+            </a:extLst>
+          </a:blip>
+          <a:srcRect/>
+          <a:stretch>
+            <a:fillRect/>
+          </a:stretch>
+        </p:blipFill>
+        <p:spPr bwMode="auto">
+          <a:xfrm>
+            <a:off x="9587790" y="1438485"/>
+            <a:ext cx="2752725" cy="3419475"/>
+          </a:xfrm>
+          <a:prstGeom prst="rect">
+            <a:avLst/>
+          </a:prstGeom>
+          <a:noFill/>
+          <a:extLst>
+            <a:ext uri="{909E8E84-426E-40DD-AFC4-6F175D3DCCD1}">
+              <a14:hiddenFill xmlns:a14="http://schemas.microsoft.com/office/drawing/2010/main">
+                <a:solidFill>
+                  <a:srgbClr val="FFFFFF"/>
+                </a:solidFill>
+              </a14:hiddenFill>
+            </a:ext>
+          </a:extLst>
+        </p:spPr>
+      </p:pic>
+      <p:sp>
+        <p:nvSpPr>
+          <p:cNvPr id="148" name="직사각형 147">
+            <a:extLst>
+              <a:ext uri="{FF2B5EF4-FFF2-40B4-BE49-F238E27FC236}">
+                <a16:creationId xmlns:a16="http://schemas.microsoft.com/office/drawing/2014/main" id="{67D458F5-C158-47EE-9473-BA4B8B2DFC03}"/>
+              </a:ext>
+            </a:extLst>
+          </p:cNvPr>
+          <p:cNvSpPr/>
+          <p:nvPr/>
+        </p:nvSpPr>
+        <p:spPr>
+          <a:xfrm>
+            <a:off x="2082296" y="3593309"/>
+            <a:ext cx="2516863" cy="403631"/>
+          </a:xfrm>
+          <a:prstGeom prst="rect">
+            <a:avLst/>
+          </a:prstGeom>
+          <a:solidFill>
+            <a:srgbClr val="FFFFCC"/>
+          </a:solidFill>
+          <a:ln w="19050">
+            <a:solidFill>
+              <a:srgbClr val="FFC000"/>
+            </a:solidFill>
+          </a:ln>
+        </p:spPr>
+        <p:style>
+          <a:lnRef idx="2">
+            <a:schemeClr val="accent1">
+              <a:shade val="50000"/>
+            </a:schemeClr>
+          </a:lnRef>
+          <a:fillRef idx="1">
+            <a:schemeClr val="accent1"/>
+          </a:fillRef>
+          <a:effectRef idx="0">
+            <a:schemeClr val="accent1"/>
+          </a:effectRef>
+          <a:fontRef idx="minor">
+            <a:schemeClr val="lt1"/>
+          </a:fontRef>
+        </p:style>
+        <p:txBody>
+          <a:bodyPr rtlCol="0" anchor="ctr"/>
+          <a:lstStyle/>
+          <a:p>
+            <a:pPr algn="ctr"/>
+            <a:r>
+              <a:rPr lang="en-US" altLang="ko-KR">
+                <a:solidFill>
+                  <a:schemeClr val="tx1"/>
+                </a:solidFill>
+                <a:latin typeface="Consolas" panose="020B0609020204030204" pitchFamily="49" charset="0"/>
+              </a:rPr>
+              <a:t>MultiHeadAttention</a:t>
+            </a:r>
+            <a:endParaRPr lang="ko-KR" altLang="en-US">
+              <a:solidFill>
+                <a:schemeClr val="tx1"/>
+              </a:solidFill>
+              <a:latin typeface="Consolas" panose="020B0609020204030204" pitchFamily="49" charset="0"/>
+            </a:endParaRPr>
+          </a:p>
+        </p:txBody>
+      </p:sp>
+      <p:cxnSp>
+        <p:nvCxnSpPr>
+          <p:cNvPr id="149" name="직선 화살표 연결선 148">
+            <a:extLst>
+              <a:ext uri="{FF2B5EF4-FFF2-40B4-BE49-F238E27FC236}">
+                <a16:creationId xmlns:a16="http://schemas.microsoft.com/office/drawing/2014/main" id="{D3800A78-3A67-4EC2-B026-97597279B494}"/>
+              </a:ext>
+            </a:extLst>
+          </p:cNvPr>
+          <p:cNvCxnSpPr>
+            <a:cxnSpLocks/>
+          </p:cNvCxnSpPr>
+          <p:nvPr/>
+        </p:nvCxnSpPr>
+        <p:spPr>
+          <a:xfrm flipV="1">
+            <a:off x="3156244" y="3986222"/>
+            <a:ext cx="0" cy="122007"/>
+          </a:xfrm>
+          <a:prstGeom prst="straightConnector1">
+            <a:avLst/>
+          </a:prstGeom>
+          <a:ln>
+            <a:solidFill>
+              <a:srgbClr val="002060"/>
+            </a:solidFill>
+            <a:headEnd type="none" w="med" len="med"/>
+            <a:tailEnd type="triangle"/>
+          </a:ln>
+        </p:spPr>
+        <p:style>
+          <a:lnRef idx="1">
+            <a:schemeClr val="accent1"/>
+          </a:lnRef>
+          <a:fillRef idx="0">
+            <a:schemeClr val="accent1"/>
+          </a:fillRef>
+          <a:effectRef idx="0">
+            <a:schemeClr val="accent1"/>
+          </a:effectRef>
+          <a:fontRef idx="minor">
+            <a:schemeClr val="tx1"/>
+          </a:fontRef>
+        </p:style>
+      </p:cxnSp>
+      <p:cxnSp>
+        <p:nvCxnSpPr>
+          <p:cNvPr id="151" name="직선 화살표 연결선 150">
+            <a:extLst>
+              <a:ext uri="{FF2B5EF4-FFF2-40B4-BE49-F238E27FC236}">
+                <a16:creationId xmlns:a16="http://schemas.microsoft.com/office/drawing/2014/main" id="{937CFD59-1512-48FE-AB61-C08364E6006F}"/>
+              </a:ext>
+            </a:extLst>
+          </p:cNvPr>
+          <p:cNvCxnSpPr>
+            <a:cxnSpLocks/>
+          </p:cNvCxnSpPr>
+          <p:nvPr/>
+        </p:nvCxnSpPr>
+        <p:spPr>
+          <a:xfrm flipV="1">
+            <a:off x="2370181" y="3977612"/>
+            <a:ext cx="0" cy="130617"/>
+          </a:xfrm>
+          <a:prstGeom prst="straightConnector1">
+            <a:avLst/>
+          </a:prstGeom>
+          <a:ln>
+            <a:solidFill>
+              <a:srgbClr val="002060"/>
+            </a:solidFill>
+            <a:headEnd type="none" w="med" len="med"/>
+            <a:tailEnd type="triangle"/>
+          </a:ln>
+        </p:spPr>
+        <p:style>
+          <a:lnRef idx="1">
+            <a:schemeClr val="accent1"/>
+          </a:lnRef>
+          <a:fillRef idx="0">
+            <a:schemeClr val="accent1"/>
+          </a:fillRef>
+          <a:effectRef idx="0">
+            <a:schemeClr val="accent1"/>
+          </a:effectRef>
+          <a:fontRef idx="minor">
+            <a:schemeClr val="tx1"/>
+          </a:fontRef>
+        </p:style>
+      </p:cxnSp>
+      <p:cxnSp>
+        <p:nvCxnSpPr>
+          <p:cNvPr id="19" name="직선 연결선 18">
+            <a:extLst>
+              <a:ext uri="{FF2B5EF4-FFF2-40B4-BE49-F238E27FC236}">
+                <a16:creationId xmlns:a16="http://schemas.microsoft.com/office/drawing/2014/main" id="{8FA21353-6E6F-40FB-8866-9973141FE3C6}"/>
+              </a:ext>
+            </a:extLst>
+          </p:cNvPr>
+          <p:cNvCxnSpPr/>
+          <p:nvPr/>
+        </p:nvCxnSpPr>
+        <p:spPr>
+          <a:xfrm>
+            <a:off x="665747" y="4111103"/>
+            <a:ext cx="2490497" cy="0"/>
+          </a:xfrm>
+          <a:prstGeom prst="line">
+            <a:avLst/>
+          </a:prstGeom>
+          <a:ln>
+            <a:solidFill>
+              <a:srgbClr val="002060"/>
+            </a:solidFill>
+            <a:headEnd type="none" w="med" len="med"/>
+            <a:tailEnd type="none" w="med" len="med"/>
+          </a:ln>
+        </p:spPr>
+        <p:style>
+          <a:lnRef idx="1">
+            <a:schemeClr val="accent1"/>
+          </a:lnRef>
+          <a:fillRef idx="0">
+            <a:schemeClr val="accent1"/>
+          </a:fillRef>
+          <a:effectRef idx="0">
+            <a:schemeClr val="accent1"/>
+          </a:effectRef>
+          <a:fontRef idx="minor">
+            <a:schemeClr val="tx1"/>
+          </a:fontRef>
+        </p:style>
+      </p:cxnSp>
+      <p:sp>
+        <p:nvSpPr>
+          <p:cNvPr id="154" name="TextBox 153">
+            <a:extLst>
+              <a:ext uri="{FF2B5EF4-FFF2-40B4-BE49-F238E27FC236}">
+                <a16:creationId xmlns:a16="http://schemas.microsoft.com/office/drawing/2014/main" id="{25362868-63DC-4854-BD8B-F66D856068CC}"/>
+              </a:ext>
+            </a:extLst>
+          </p:cNvPr>
+          <p:cNvSpPr txBox="1"/>
+          <p:nvPr/>
+        </p:nvSpPr>
+        <p:spPr>
+          <a:xfrm>
+            <a:off x="-42350" y="3721860"/>
+            <a:ext cx="1577676" cy="421782"/>
+          </a:xfrm>
+          <a:prstGeom prst="rect">
+            <a:avLst/>
+          </a:prstGeom>
+          <a:noFill/>
+        </p:spPr>
+        <p:txBody>
+          <a:bodyPr wrap="none" rtlCol="0">
+            <a:spAutoFit/>
+          </a:bodyPr>
+          <a:lstStyle/>
+          <a:p>
+            <a:pPr algn="l">
+              <a:lnSpc>
+                <a:spcPct val="130000"/>
+              </a:lnSpc>
+              <a:buClr>
+                <a:srgbClr val="C5003D"/>
+              </a:buClr>
+            </a:pPr>
+            <a:r>
+              <a:rPr lang="en-US" altLang="ko-KR" sz="1800">
+                <a:solidFill>
+                  <a:schemeClr val="tx1"/>
+                </a:solidFill>
+                <a:latin typeface="Consolas" panose="020B0609020204030204" pitchFamily="49" charset="0"/>
+                <a:ea typeface="+mn-ea"/>
+              </a:rPr>
+              <a:t>enc_outputs</a:t>
+            </a:r>
+            <a:endParaRPr lang="ko-KR" altLang="en-US" sz="1800">
+              <a:solidFill>
+                <a:schemeClr val="tx1"/>
+              </a:solidFill>
+              <a:latin typeface="Consolas" panose="020B0609020204030204" pitchFamily="49" charset="0"/>
+              <a:ea typeface="+mn-ea"/>
+            </a:endParaRPr>
+          </a:p>
+        </p:txBody>
+      </p:sp>
+      <p:sp>
+        <p:nvSpPr>
+          <p:cNvPr id="155" name="직사각형 154">
+            <a:extLst>
+              <a:ext uri="{FF2B5EF4-FFF2-40B4-BE49-F238E27FC236}">
+                <a16:creationId xmlns:a16="http://schemas.microsoft.com/office/drawing/2014/main" id="{44C5370A-0AF8-4703-9422-C1DBFC09C2A5}"/>
+              </a:ext>
+            </a:extLst>
+          </p:cNvPr>
+          <p:cNvSpPr/>
+          <p:nvPr/>
+        </p:nvSpPr>
+        <p:spPr>
+          <a:xfrm>
+            <a:off x="2082296" y="3009403"/>
+            <a:ext cx="2516863" cy="403631"/>
+          </a:xfrm>
+          <a:prstGeom prst="rect">
+            <a:avLst/>
+          </a:prstGeom>
+          <a:solidFill>
+            <a:srgbClr val="FFFFCC"/>
+          </a:solidFill>
+          <a:ln w="19050">
+            <a:solidFill>
+              <a:srgbClr val="FFC000"/>
+            </a:solidFill>
+          </a:ln>
+        </p:spPr>
+        <p:style>
+          <a:lnRef idx="2">
+            <a:schemeClr val="accent1">
+              <a:shade val="50000"/>
+            </a:schemeClr>
+          </a:lnRef>
+          <a:fillRef idx="1">
+            <a:schemeClr val="accent1"/>
+          </a:fillRef>
+          <a:effectRef idx="0">
+            <a:schemeClr val="accent1"/>
+          </a:effectRef>
+          <a:fontRef idx="minor">
+            <a:schemeClr val="lt1"/>
+          </a:fontRef>
+        </p:style>
+        <p:txBody>
+          <a:bodyPr rtlCol="0" anchor="ctr"/>
+          <a:lstStyle/>
+          <a:p>
+            <a:pPr algn="ctr"/>
+            <a:r>
+              <a:rPr lang="en-US" altLang="ko-KR">
+                <a:solidFill>
+                  <a:schemeClr val="tx1"/>
+                </a:solidFill>
+                <a:latin typeface="Consolas" panose="020B0609020204030204" pitchFamily="49" charset="0"/>
+              </a:rPr>
+              <a:t>Dropout</a:t>
+            </a:r>
+            <a:endParaRPr lang="ko-KR" altLang="en-US">
+              <a:solidFill>
+                <a:schemeClr val="tx1"/>
+              </a:solidFill>
+              <a:latin typeface="Consolas" panose="020B0609020204030204" pitchFamily="49" charset="0"/>
+            </a:endParaRPr>
+          </a:p>
+        </p:txBody>
+      </p:sp>
+      <p:sp>
+        <p:nvSpPr>
+          <p:cNvPr id="157" name="직사각형 156">
+            <a:extLst>
+              <a:ext uri="{FF2B5EF4-FFF2-40B4-BE49-F238E27FC236}">
+                <a16:creationId xmlns:a16="http://schemas.microsoft.com/office/drawing/2014/main" id="{5AE43537-BA1E-4D97-8521-F72CD1D0319D}"/>
+              </a:ext>
+            </a:extLst>
+          </p:cNvPr>
+          <p:cNvSpPr/>
+          <p:nvPr/>
+        </p:nvSpPr>
+        <p:spPr>
+          <a:xfrm>
+            <a:off x="2084891" y="2425497"/>
+            <a:ext cx="2516863" cy="403631"/>
+          </a:xfrm>
+          <a:prstGeom prst="rect">
+            <a:avLst/>
+          </a:prstGeom>
+          <a:solidFill>
+            <a:srgbClr val="FFFFCC"/>
+          </a:solidFill>
+          <a:ln w="19050">
+            <a:solidFill>
+              <a:srgbClr val="FFC000"/>
+            </a:solidFill>
+          </a:ln>
+        </p:spPr>
+        <p:style>
+          <a:lnRef idx="2">
+            <a:schemeClr val="accent1">
+              <a:shade val="50000"/>
+            </a:schemeClr>
+          </a:lnRef>
+          <a:fillRef idx="1">
+            <a:schemeClr val="accent1"/>
+          </a:fillRef>
+          <a:effectRef idx="0">
+            <a:schemeClr val="accent1"/>
+          </a:effectRef>
+          <a:fontRef idx="minor">
+            <a:schemeClr val="lt1"/>
+          </a:fontRef>
+        </p:style>
+        <p:txBody>
+          <a:bodyPr rtlCol="0" anchor="ctr"/>
+          <a:lstStyle/>
+          <a:p>
+            <a:pPr algn="ctr"/>
+            <a:r>
+              <a:rPr lang="en-US" altLang="ko-KR" sz="1600">
+                <a:solidFill>
+                  <a:schemeClr val="tx1"/>
+                </a:solidFill>
+                <a:latin typeface="Consolas" panose="020B0609020204030204" pitchFamily="49" charset="0"/>
+              </a:rPr>
+              <a:t>LayerNormalization</a:t>
+            </a:r>
+            <a:endParaRPr lang="ko-KR" altLang="en-US">
+              <a:solidFill>
+                <a:schemeClr val="tx1"/>
+              </a:solidFill>
+              <a:latin typeface="Consolas" panose="020B0609020204030204" pitchFamily="49" charset="0"/>
+            </a:endParaRPr>
+          </a:p>
+        </p:txBody>
+      </p:sp>
+      <p:cxnSp>
+        <p:nvCxnSpPr>
+          <p:cNvPr id="158" name="직선 화살표 연결선 157">
+            <a:extLst>
+              <a:ext uri="{FF2B5EF4-FFF2-40B4-BE49-F238E27FC236}">
+                <a16:creationId xmlns:a16="http://schemas.microsoft.com/office/drawing/2014/main" id="{CE71DDC2-5B94-4E4F-8111-406844E88511}"/>
+              </a:ext>
+            </a:extLst>
+          </p:cNvPr>
+          <p:cNvCxnSpPr>
+            <a:cxnSpLocks/>
+            <a:stCxn id="148" idx="0"/>
+            <a:endCxn id="155" idx="2"/>
+          </p:cNvCxnSpPr>
+          <p:nvPr/>
+        </p:nvCxnSpPr>
+        <p:spPr>
+          <a:xfrm flipV="1">
+            <a:off x="3340728" y="3413034"/>
+            <a:ext cx="0" cy="180275"/>
+          </a:xfrm>
+          <a:prstGeom prst="straightConnector1">
+            <a:avLst/>
+          </a:prstGeom>
+          <a:ln>
+            <a:solidFill>
+              <a:srgbClr val="002060"/>
+            </a:solidFill>
+            <a:headEnd type="none" w="med" len="med"/>
+            <a:tailEnd type="triangle"/>
+          </a:ln>
+        </p:spPr>
+        <p:style>
+          <a:lnRef idx="1">
+            <a:schemeClr val="accent1"/>
+          </a:lnRef>
+          <a:fillRef idx="0">
+            <a:schemeClr val="accent1"/>
+          </a:fillRef>
+          <a:effectRef idx="0">
+            <a:schemeClr val="accent1"/>
+          </a:effectRef>
+          <a:fontRef idx="minor">
+            <a:schemeClr val="tx1"/>
+          </a:fontRef>
+        </p:style>
+      </p:cxnSp>
+      <p:cxnSp>
+        <p:nvCxnSpPr>
+          <p:cNvPr id="159" name="직선 화살표 연결선 158">
+            <a:extLst>
+              <a:ext uri="{FF2B5EF4-FFF2-40B4-BE49-F238E27FC236}">
+                <a16:creationId xmlns:a16="http://schemas.microsoft.com/office/drawing/2014/main" id="{D9EEB195-D37A-4DF2-8703-81D754328A8B}"/>
+              </a:ext>
+            </a:extLst>
+          </p:cNvPr>
+          <p:cNvCxnSpPr>
+            <a:cxnSpLocks/>
+            <a:stCxn id="155" idx="0"/>
+            <a:endCxn id="157" idx="2"/>
+          </p:cNvCxnSpPr>
+          <p:nvPr/>
+        </p:nvCxnSpPr>
+        <p:spPr>
+          <a:xfrm flipV="1">
+            <a:off x="3340728" y="2829128"/>
+            <a:ext cx="2595" cy="180275"/>
+          </a:xfrm>
+          <a:prstGeom prst="straightConnector1">
+            <a:avLst/>
+          </a:prstGeom>
+          <a:ln>
+            <a:solidFill>
+              <a:srgbClr val="002060"/>
+            </a:solidFill>
+            <a:headEnd type="none" w="med" len="med"/>
+            <a:tailEnd type="triangle"/>
+          </a:ln>
+        </p:spPr>
+        <p:style>
+          <a:lnRef idx="1">
+            <a:schemeClr val="accent1"/>
+          </a:lnRef>
+          <a:fillRef idx="0">
+            <a:schemeClr val="accent1"/>
+          </a:fillRef>
+          <a:effectRef idx="0">
+            <a:schemeClr val="accent1"/>
+          </a:effectRef>
+          <a:fontRef idx="minor">
+            <a:schemeClr val="tx1"/>
+          </a:fontRef>
+        </p:style>
+      </p:cxnSp>
+      <p:sp>
+        <p:nvSpPr>
+          <p:cNvPr id="160" name="타원 159">
+            <a:extLst>
+              <a:ext uri="{FF2B5EF4-FFF2-40B4-BE49-F238E27FC236}">
+                <a16:creationId xmlns:a16="http://schemas.microsoft.com/office/drawing/2014/main" id="{1D745132-4CA4-4F94-AB3D-DD914B3A0DF0}"/>
+              </a:ext>
+            </a:extLst>
+          </p:cNvPr>
+          <p:cNvSpPr/>
+          <p:nvPr/>
+        </p:nvSpPr>
+        <p:spPr>
+          <a:xfrm>
+            <a:off x="3270530" y="2914182"/>
+            <a:ext cx="70163" cy="48124"/>
+          </a:xfrm>
+          <a:prstGeom prst="ellipse">
+            <a:avLst/>
+          </a:prstGeom>
+          <a:noFill/>
+          <a:ln w="19050">
+            <a:noFill/>
+          </a:ln>
+        </p:spPr>
+        <p:style>
+          <a:lnRef idx="2">
+            <a:schemeClr val="accent1">
+              <a:shade val="50000"/>
+            </a:schemeClr>
+          </a:lnRef>
+          <a:fillRef idx="1">
+            <a:schemeClr val="accent1"/>
+          </a:fillRef>
+          <a:effectRef idx="0">
+            <a:schemeClr val="accent1"/>
+          </a:effectRef>
+          <a:fontRef idx="minor">
+            <a:schemeClr val="lt1"/>
+          </a:fontRef>
+        </p:style>
+        <p:txBody>
+          <a:bodyPr rtlCol="0" anchor="ctr"/>
+          <a:lstStyle/>
+          <a:p>
+            <a:pPr algn="ctr"/>
+            <a:endParaRPr lang="ko-KR" altLang="en-US" sz="1800">
+              <a:solidFill>
+                <a:schemeClr val="tx1"/>
+              </a:solidFill>
+              <a:latin typeface="Consolas" panose="020B0609020204030204" pitchFamily="49" charset="0"/>
+            </a:endParaRPr>
+          </a:p>
+        </p:txBody>
+      </p:sp>
+      <p:sp>
+        <p:nvSpPr>
+          <p:cNvPr id="161" name="타원 160">
+            <a:extLst>
+              <a:ext uri="{FF2B5EF4-FFF2-40B4-BE49-F238E27FC236}">
+                <a16:creationId xmlns:a16="http://schemas.microsoft.com/office/drawing/2014/main" id="{045FCA9B-ACBF-4465-9AEC-42F4756C5F06}"/>
+              </a:ext>
+            </a:extLst>
+          </p:cNvPr>
+          <p:cNvSpPr/>
+          <p:nvPr/>
+        </p:nvSpPr>
+        <p:spPr>
+          <a:xfrm>
+            <a:off x="3920903" y="4108830"/>
+            <a:ext cx="70163" cy="48124"/>
+          </a:xfrm>
+          <a:prstGeom prst="ellipse">
+            <a:avLst/>
+          </a:prstGeom>
+          <a:noFill/>
+          <a:ln w="19050">
+            <a:noFill/>
+          </a:ln>
+        </p:spPr>
+        <p:style>
+          <a:lnRef idx="2">
+            <a:schemeClr val="accent1">
+              <a:shade val="50000"/>
+            </a:schemeClr>
+          </a:lnRef>
+          <a:fillRef idx="1">
+            <a:schemeClr val="accent1"/>
+          </a:fillRef>
+          <a:effectRef idx="0">
+            <a:schemeClr val="accent1"/>
+          </a:effectRef>
+          <a:fontRef idx="minor">
+            <a:schemeClr val="lt1"/>
+          </a:fontRef>
+        </p:style>
+        <p:txBody>
+          <a:bodyPr rtlCol="0" anchor="ctr"/>
+          <a:lstStyle/>
+          <a:p>
+            <a:pPr algn="ctr"/>
+            <a:endParaRPr lang="ko-KR" altLang="en-US" sz="1800">
+              <a:solidFill>
+                <a:schemeClr val="tx1"/>
+              </a:solidFill>
+              <a:latin typeface="Consolas" panose="020B0609020204030204" pitchFamily="49" charset="0"/>
+            </a:endParaRPr>
+          </a:p>
+        </p:txBody>
+      </p:sp>
+      <p:cxnSp>
+        <p:nvCxnSpPr>
+          <p:cNvPr id="162" name="연결선: 꺾임 161">
+            <a:extLst>
+              <a:ext uri="{FF2B5EF4-FFF2-40B4-BE49-F238E27FC236}">
+                <a16:creationId xmlns:a16="http://schemas.microsoft.com/office/drawing/2014/main" id="{E59BB3A7-5AF8-49AB-A80B-967A75CFB6FE}"/>
+              </a:ext>
+            </a:extLst>
+          </p:cNvPr>
+          <p:cNvCxnSpPr>
+            <a:cxnSpLocks/>
+            <a:stCxn id="160" idx="6"/>
+            <a:endCxn id="161" idx="6"/>
+          </p:cNvCxnSpPr>
+          <p:nvPr/>
+        </p:nvCxnSpPr>
+        <p:spPr>
+          <a:xfrm>
+            <a:off x="3340693" y="2938244"/>
+            <a:ext cx="650373" cy="1194648"/>
+          </a:xfrm>
+          <a:prstGeom prst="bentConnector3">
+            <a:avLst>
+              <a:gd name="adj1" fmla="val 211614"/>
+            </a:avLst>
+          </a:prstGeom>
+          <a:ln>
+            <a:solidFill>
+              <a:srgbClr val="002060"/>
+            </a:solidFill>
+            <a:headEnd type="none" w="med" len="med"/>
+            <a:tailEnd type="none" w="med" len="med"/>
+          </a:ln>
+        </p:spPr>
+        <p:style>
+          <a:lnRef idx="1">
+            <a:schemeClr val="accent1"/>
+          </a:lnRef>
+          <a:fillRef idx="0">
+            <a:schemeClr val="accent1"/>
+          </a:fillRef>
+          <a:effectRef idx="0">
+            <a:schemeClr val="accent1"/>
+          </a:effectRef>
+          <a:fontRef idx="minor">
+            <a:schemeClr val="tx1"/>
+          </a:fontRef>
+        </p:style>
+      </p:cxnSp>
+      <p:cxnSp>
+        <p:nvCxnSpPr>
+          <p:cNvPr id="163" name="직선 화살표 연결선 162">
+            <a:extLst>
+              <a:ext uri="{FF2B5EF4-FFF2-40B4-BE49-F238E27FC236}">
+                <a16:creationId xmlns:a16="http://schemas.microsoft.com/office/drawing/2014/main" id="{2B6D35A2-CDE2-4658-9454-43032A7B56FD}"/>
+              </a:ext>
+            </a:extLst>
+          </p:cNvPr>
+          <p:cNvCxnSpPr>
+            <a:cxnSpLocks/>
+            <a:stCxn id="157" idx="0"/>
+            <a:endCxn id="23" idx="2"/>
+          </p:cNvCxnSpPr>
+          <p:nvPr/>
+        </p:nvCxnSpPr>
+        <p:spPr>
+          <a:xfrm flipV="1">
+            <a:off x="3343323" y="2232858"/>
+            <a:ext cx="0" cy="192639"/>
+          </a:xfrm>
+          <a:prstGeom prst="straightConnector1">
+            <a:avLst/>
+          </a:prstGeom>
+          <a:ln>
+            <a:solidFill>
+              <a:srgbClr val="002060"/>
+            </a:solidFill>
+            <a:headEnd type="none" w="med" len="med"/>
+            <a:tailEnd type="triangle"/>
+          </a:ln>
+        </p:spPr>
+        <p:style>
+          <a:lnRef idx="1">
+            <a:schemeClr val="accent1"/>
+          </a:lnRef>
+          <a:fillRef idx="0">
+            <a:schemeClr val="accent1"/>
+          </a:fillRef>
+          <a:effectRef idx="0">
+            <a:schemeClr val="accent1"/>
+          </a:effectRef>
+          <a:fontRef idx="minor">
+            <a:schemeClr val="tx1"/>
+          </a:fontRef>
+        </p:style>
+      </p:cxnSp>
+      <p:sp>
+        <p:nvSpPr>
+          <p:cNvPr id="164" name="타원 163">
+            <a:extLst>
+              <a:ext uri="{FF2B5EF4-FFF2-40B4-BE49-F238E27FC236}">
+                <a16:creationId xmlns:a16="http://schemas.microsoft.com/office/drawing/2014/main" id="{4CFCA790-7982-4119-99B4-6434564A1A89}"/>
+              </a:ext>
+            </a:extLst>
+          </p:cNvPr>
+          <p:cNvSpPr/>
+          <p:nvPr/>
+        </p:nvSpPr>
+        <p:spPr>
+          <a:xfrm>
+            <a:off x="3345654" y="551457"/>
+            <a:ext cx="70163" cy="48124"/>
+          </a:xfrm>
+          <a:prstGeom prst="ellipse">
+            <a:avLst/>
+          </a:prstGeom>
+          <a:noFill/>
+          <a:ln w="19050">
+            <a:noFill/>
+          </a:ln>
+        </p:spPr>
+        <p:style>
+          <a:lnRef idx="2">
+            <a:schemeClr val="accent1">
+              <a:shade val="50000"/>
+            </a:schemeClr>
+          </a:lnRef>
+          <a:fillRef idx="1">
+            <a:schemeClr val="accent1"/>
+          </a:fillRef>
+          <a:effectRef idx="0">
+            <a:schemeClr val="accent1"/>
+          </a:effectRef>
+          <a:fontRef idx="minor">
+            <a:schemeClr val="lt1"/>
+          </a:fontRef>
+        </p:style>
+        <p:txBody>
+          <a:bodyPr rtlCol="0" anchor="ctr"/>
+          <a:lstStyle/>
+          <a:p>
+            <a:pPr algn="ctr"/>
+            <a:endParaRPr lang="ko-KR" altLang="en-US" sz="1800">
+              <a:solidFill>
+                <a:schemeClr val="tx1"/>
+              </a:solidFill>
+              <a:latin typeface="Consolas" panose="020B0609020204030204" pitchFamily="49" charset="0"/>
+            </a:endParaRPr>
+          </a:p>
+        </p:txBody>
+      </p:sp>
+      <p:sp>
+        <p:nvSpPr>
+          <p:cNvPr id="165" name="타원 164">
+            <a:extLst>
+              <a:ext uri="{FF2B5EF4-FFF2-40B4-BE49-F238E27FC236}">
+                <a16:creationId xmlns:a16="http://schemas.microsoft.com/office/drawing/2014/main" id="{966A7E0B-BA31-4073-8AF4-F38030FCB2E1}"/>
+              </a:ext>
+            </a:extLst>
+          </p:cNvPr>
+          <p:cNvSpPr/>
+          <p:nvPr/>
+        </p:nvSpPr>
+        <p:spPr>
+          <a:xfrm>
+            <a:off x="3335935" y="3501971"/>
+            <a:ext cx="70163" cy="48124"/>
+          </a:xfrm>
+          <a:prstGeom prst="ellipse">
+            <a:avLst/>
+          </a:prstGeom>
+          <a:noFill/>
+          <a:ln w="19050">
+            <a:noFill/>
+          </a:ln>
+        </p:spPr>
+        <p:style>
+          <a:lnRef idx="2">
+            <a:schemeClr val="accent1">
+              <a:shade val="50000"/>
+            </a:schemeClr>
+          </a:lnRef>
+          <a:fillRef idx="1">
+            <a:schemeClr val="accent1"/>
+          </a:fillRef>
+          <a:effectRef idx="0">
+            <a:schemeClr val="accent1"/>
+          </a:effectRef>
+          <a:fontRef idx="minor">
+            <a:schemeClr val="lt1"/>
+          </a:fontRef>
+        </p:style>
+        <p:txBody>
+          <a:bodyPr rtlCol="0" anchor="ctr"/>
+          <a:lstStyle/>
+          <a:p>
+            <a:pPr algn="ctr"/>
+            <a:endParaRPr lang="ko-KR" altLang="en-US" sz="1800">
+              <a:solidFill>
+                <a:schemeClr val="tx1"/>
+              </a:solidFill>
+              <a:latin typeface="Consolas" panose="020B0609020204030204" pitchFamily="49" charset="0"/>
+            </a:endParaRPr>
+          </a:p>
+        </p:txBody>
+      </p:sp>
+      <p:cxnSp>
+        <p:nvCxnSpPr>
+          <p:cNvPr id="166" name="연결선: 꺾임 165">
+            <a:extLst>
+              <a:ext uri="{FF2B5EF4-FFF2-40B4-BE49-F238E27FC236}">
+                <a16:creationId xmlns:a16="http://schemas.microsoft.com/office/drawing/2014/main" id="{BC578DB9-FECA-4A29-A34E-3842A052E492}"/>
+              </a:ext>
+            </a:extLst>
+          </p:cNvPr>
+          <p:cNvCxnSpPr>
+            <a:cxnSpLocks/>
+            <a:stCxn id="164" idx="2"/>
+            <a:endCxn id="165" idx="2"/>
+          </p:cNvCxnSpPr>
+          <p:nvPr/>
+        </p:nvCxnSpPr>
+        <p:spPr>
+          <a:xfrm rot="10800000" flipV="1">
+            <a:off x="3335936" y="575519"/>
+            <a:ext cx="9719" cy="2950514"/>
+          </a:xfrm>
+          <a:prstGeom prst="bentConnector3">
+            <a:avLst>
+              <a:gd name="adj1" fmla="val 14914065"/>
+            </a:avLst>
+          </a:prstGeom>
+          <a:ln>
+            <a:solidFill>
+              <a:srgbClr val="002060"/>
+            </a:solidFill>
+            <a:headEnd type="none" w="med" len="med"/>
+            <a:tailEnd type="none" w="med" len="med"/>
+          </a:ln>
+        </p:spPr>
+        <p:style>
+          <a:lnRef idx="1">
+            <a:schemeClr val="accent1"/>
+          </a:lnRef>
+          <a:fillRef idx="0">
+            <a:schemeClr val="accent1"/>
+          </a:fillRef>
+          <a:effectRef idx="0">
+            <a:schemeClr val="accent1"/>
+          </a:effectRef>
+          <a:fontRef idx="minor">
+            <a:schemeClr val="tx1"/>
+          </a:fontRef>
+        </p:style>
+      </p:cxnSp>
+      <p:sp>
+        <p:nvSpPr>
+          <p:cNvPr id="78" name="직사각형 77">
+            <a:extLst>
+              <a:ext uri="{FF2B5EF4-FFF2-40B4-BE49-F238E27FC236}">
+                <a16:creationId xmlns:a16="http://schemas.microsoft.com/office/drawing/2014/main" id="{10FE6895-9078-430D-93BF-5FBED7EA391F}"/>
+              </a:ext>
+            </a:extLst>
+          </p:cNvPr>
+          <p:cNvSpPr/>
+          <p:nvPr/>
+        </p:nvSpPr>
+        <p:spPr>
+          <a:xfrm>
+            <a:off x="6447338" y="5650046"/>
+            <a:ext cx="3096286" cy="949368"/>
+          </a:xfrm>
+          <a:prstGeom prst="rect">
+            <a:avLst/>
+          </a:prstGeom>
+          <a:noFill/>
+          <a:ln w="19050">
+            <a:solidFill>
+              <a:srgbClr val="FFC000"/>
+            </a:solidFill>
+          </a:ln>
+        </p:spPr>
+        <p:style>
+          <a:lnRef idx="2">
+            <a:schemeClr val="accent1">
+              <a:shade val="50000"/>
+            </a:schemeClr>
+          </a:lnRef>
+          <a:fillRef idx="1">
+            <a:schemeClr val="accent1"/>
+          </a:fillRef>
+          <a:effectRef idx="0">
+            <a:schemeClr val="accent1"/>
+          </a:effectRef>
+          <a:fontRef idx="minor">
+            <a:schemeClr val="lt1"/>
+          </a:fontRef>
+        </p:style>
+        <p:txBody>
+          <a:bodyPr rtlCol="0" anchor="ctr"/>
+          <a:lstStyle/>
+          <a:p>
+            <a:pPr algn="ctr"/>
+            <a:endParaRPr lang="ko-KR" altLang="en-US" sz="900">
+              <a:solidFill>
+                <a:schemeClr val="tx1"/>
+              </a:solidFill>
+              <a:latin typeface="Consolas" panose="020B0609020204030204" pitchFamily="49" charset="0"/>
+            </a:endParaRPr>
+          </a:p>
+        </p:txBody>
+      </p:sp>
+      <p:sp>
+        <p:nvSpPr>
+          <p:cNvPr id="167" name="직사각형 166">
+            <a:extLst>
+              <a:ext uri="{FF2B5EF4-FFF2-40B4-BE49-F238E27FC236}">
+                <a16:creationId xmlns:a16="http://schemas.microsoft.com/office/drawing/2014/main" id="{DA03DF5F-D7BE-47F0-BEE9-10001B9280E3}"/>
+              </a:ext>
+            </a:extLst>
+          </p:cNvPr>
+          <p:cNvSpPr/>
+          <p:nvPr/>
+        </p:nvSpPr>
+        <p:spPr>
+          <a:xfrm>
+            <a:off x="6447338" y="4624619"/>
+            <a:ext cx="3096286" cy="949368"/>
+          </a:xfrm>
+          <a:prstGeom prst="rect">
+            <a:avLst/>
+          </a:prstGeom>
+          <a:noFill/>
+          <a:ln w="19050">
+            <a:solidFill>
+              <a:srgbClr val="FFC000"/>
+            </a:solidFill>
+          </a:ln>
+        </p:spPr>
+        <p:style>
+          <a:lnRef idx="2">
+            <a:schemeClr val="accent1">
+              <a:shade val="50000"/>
+            </a:schemeClr>
+          </a:lnRef>
+          <a:fillRef idx="1">
+            <a:schemeClr val="accent1"/>
+          </a:fillRef>
+          <a:effectRef idx="0">
+            <a:schemeClr val="accent1"/>
+          </a:effectRef>
+          <a:fontRef idx="minor">
+            <a:schemeClr val="lt1"/>
+          </a:fontRef>
+        </p:style>
+        <p:txBody>
+          <a:bodyPr rtlCol="0" anchor="ctr"/>
+          <a:lstStyle/>
+          <a:p>
+            <a:pPr algn="ctr"/>
+            <a:endParaRPr lang="ko-KR" altLang="en-US" sz="900">
+              <a:solidFill>
+                <a:schemeClr val="tx1"/>
+              </a:solidFill>
+              <a:latin typeface="Consolas" panose="020B0609020204030204" pitchFamily="49" charset="0"/>
+            </a:endParaRPr>
+          </a:p>
+        </p:txBody>
+      </p:sp>
+      <p:sp>
+        <p:nvSpPr>
+          <p:cNvPr id="168" name="직사각형 167">
+            <a:extLst>
+              <a:ext uri="{FF2B5EF4-FFF2-40B4-BE49-F238E27FC236}">
+                <a16:creationId xmlns:a16="http://schemas.microsoft.com/office/drawing/2014/main" id="{1BB04D7B-85CD-43DD-BFE0-C2DCB85E74FE}"/>
+              </a:ext>
+            </a:extLst>
+          </p:cNvPr>
+          <p:cNvSpPr/>
+          <p:nvPr/>
+        </p:nvSpPr>
+        <p:spPr>
+          <a:xfrm>
+            <a:off x="6447338" y="3613725"/>
+            <a:ext cx="3096286" cy="949368"/>
+          </a:xfrm>
+          <a:prstGeom prst="rect">
+            <a:avLst/>
+          </a:prstGeom>
+          <a:noFill/>
+          <a:ln w="19050">
+            <a:solidFill>
+              <a:srgbClr val="FFC000"/>
+            </a:solidFill>
+          </a:ln>
+        </p:spPr>
+        <p:style>
+          <a:lnRef idx="2">
+            <a:schemeClr val="accent1">
+              <a:shade val="50000"/>
+            </a:schemeClr>
+          </a:lnRef>
+          <a:fillRef idx="1">
+            <a:schemeClr val="accent1"/>
+          </a:fillRef>
+          <a:effectRef idx="0">
+            <a:schemeClr val="accent1"/>
+          </a:effectRef>
+          <a:fontRef idx="minor">
+            <a:schemeClr val="lt1"/>
+          </a:fontRef>
+        </p:style>
+        <p:txBody>
+          <a:bodyPr rtlCol="0" anchor="ctr"/>
+          <a:lstStyle/>
+          <a:p>
+            <a:pPr algn="ctr"/>
+            <a:endParaRPr lang="ko-KR" altLang="en-US" sz="900">
+              <a:solidFill>
+                <a:schemeClr val="tx1"/>
+              </a:solidFill>
+              <a:latin typeface="Consolas" panose="020B0609020204030204" pitchFamily="49" charset="0"/>
+            </a:endParaRPr>
+          </a:p>
+        </p:txBody>
+      </p:sp>
+      <p:sp>
+        <p:nvSpPr>
+          <p:cNvPr id="169" name="직사각형 168">
+            <a:extLst>
+              <a:ext uri="{FF2B5EF4-FFF2-40B4-BE49-F238E27FC236}">
+                <a16:creationId xmlns:a16="http://schemas.microsoft.com/office/drawing/2014/main" id="{AE9BEBCC-ACF9-49D2-BD9A-A9D828CD5D0F}"/>
+              </a:ext>
+            </a:extLst>
+          </p:cNvPr>
+          <p:cNvSpPr/>
+          <p:nvPr/>
+        </p:nvSpPr>
+        <p:spPr>
+          <a:xfrm>
+            <a:off x="6447338" y="2602831"/>
+            <a:ext cx="3096286" cy="949368"/>
+          </a:xfrm>
+          <a:prstGeom prst="rect">
+            <a:avLst/>
+          </a:prstGeom>
+          <a:noFill/>
+          <a:ln w="19050">
+            <a:solidFill>
+              <a:srgbClr val="FFC000"/>
+            </a:solidFill>
+          </a:ln>
+        </p:spPr>
+        <p:style>
+          <a:lnRef idx="2">
+            <a:schemeClr val="accent1">
+              <a:shade val="50000"/>
+            </a:schemeClr>
+          </a:lnRef>
+          <a:fillRef idx="1">
+            <a:schemeClr val="accent1"/>
+          </a:fillRef>
+          <a:effectRef idx="0">
+            <a:schemeClr val="accent1"/>
+          </a:effectRef>
+          <a:fontRef idx="minor">
+            <a:schemeClr val="lt1"/>
+          </a:fontRef>
+        </p:style>
+        <p:txBody>
+          <a:bodyPr rtlCol="0" anchor="ctr"/>
+          <a:lstStyle/>
+          <a:p>
+            <a:pPr algn="ctr"/>
+            <a:endParaRPr lang="ko-KR" altLang="en-US" sz="900">
+              <a:solidFill>
+                <a:schemeClr val="tx1"/>
+              </a:solidFill>
+              <a:latin typeface="Consolas" panose="020B0609020204030204" pitchFamily="49" charset="0"/>
+            </a:endParaRPr>
+          </a:p>
+        </p:txBody>
+      </p:sp>
+      <p:sp>
+        <p:nvSpPr>
+          <p:cNvPr id="170" name="TextBox 169">
+            <a:extLst>
+              <a:ext uri="{FF2B5EF4-FFF2-40B4-BE49-F238E27FC236}">
+                <a16:creationId xmlns:a16="http://schemas.microsoft.com/office/drawing/2014/main" id="{E60DA893-D61F-4FED-BE5D-D44DC75A30CC}"/>
+              </a:ext>
+            </a:extLst>
+          </p:cNvPr>
+          <p:cNvSpPr txBox="1"/>
+          <p:nvPr/>
+        </p:nvSpPr>
+        <p:spPr>
+          <a:xfrm>
+            <a:off x="7490553" y="2118286"/>
+            <a:ext cx="1071127" cy="421782"/>
+          </a:xfrm>
+          <a:prstGeom prst="rect">
+            <a:avLst/>
+          </a:prstGeom>
+          <a:noFill/>
+        </p:spPr>
+        <p:txBody>
+          <a:bodyPr wrap="none" rtlCol="0">
+            <a:spAutoFit/>
+          </a:bodyPr>
+          <a:lstStyle/>
+          <a:p>
+            <a:pPr algn="l">
+              <a:lnSpc>
+                <a:spcPct val="130000"/>
+              </a:lnSpc>
+              <a:buClr>
+                <a:srgbClr val="C5003D"/>
+              </a:buClr>
+            </a:pPr>
+            <a:r>
+              <a:rPr lang="en-US" altLang="ko-KR" sz="1800">
+                <a:solidFill>
+                  <a:schemeClr val="tx1"/>
+                </a:solidFill>
+                <a:latin typeface="Consolas" panose="020B0609020204030204" pitchFamily="49" charset="0"/>
+                <a:ea typeface="+mn-ea"/>
+              </a:rPr>
+              <a:t>decoder</a:t>
+            </a:r>
+            <a:endParaRPr lang="ko-KR" altLang="en-US" sz="1800">
+              <a:solidFill>
+                <a:schemeClr val="tx1"/>
+              </a:solidFill>
+              <a:latin typeface="Consolas" panose="020B0609020204030204" pitchFamily="49" charset="0"/>
+              <a:ea typeface="+mn-ea"/>
+            </a:endParaRPr>
+          </a:p>
+        </p:txBody>
+      </p:sp>
+    </p:spTree>
+    <p:extLst>
+      <p:ext uri="{BB962C8B-B14F-4D97-AF65-F5344CB8AC3E}">
+        <p14:creationId xmlns:p14="http://schemas.microsoft.com/office/powerpoint/2010/main" val="1562311616"/>
+      </p:ext>
+    </p:extLst>
+  </p:cSld>
+  <p:clrMapOvr>
+    <a:masterClrMapping/>
+  </p:clrMapOvr>
+</p:sld>
+</file>
+
+<file path=ppt/slides/slide21.xml><?xml version="1.0" encoding="utf-8"?>
+<p:sld xmlns:a="http://schemas.openxmlformats.org/drawingml/2006/main" xmlns:r="http://schemas.openxmlformats.org/officeDocument/2006/relationships" xmlns:p="http://schemas.openxmlformats.org/presentationml/2006/main">
+  <p:cSld>
+    <p:spTree>
+      <p:nvGrpSpPr>
+        <p:cNvPr id="1" name=""/>
+        <p:cNvGrpSpPr/>
+        <p:nvPr/>
+      </p:nvGrpSpPr>
+      <p:grpSpPr>
+        <a:xfrm>
+          <a:off x="0" y="0"/>
+          <a:ext cx="0" cy="0"/>
+          <a:chOff x="0" y="0"/>
+          <a:chExt cx="0" cy="0"/>
+        </a:xfrm>
+      </p:grpSpPr>
+      <p:sp>
+        <p:nvSpPr>
+          <p:cNvPr id="2" name="직사각형 1">
+            <a:extLst>
+              <a:ext uri="{FF2B5EF4-FFF2-40B4-BE49-F238E27FC236}">
+                <a16:creationId xmlns:a16="http://schemas.microsoft.com/office/drawing/2014/main" id="{A5FF8CC8-AF7C-42E4-93FF-212F9D0A4257}"/>
+              </a:ext>
+            </a:extLst>
+          </p:cNvPr>
+          <p:cNvSpPr/>
+          <p:nvPr/>
+        </p:nvSpPr>
+        <p:spPr>
+          <a:xfrm>
+            <a:off x="2082296" y="4916952"/>
+            <a:ext cx="2516863" cy="403631"/>
+          </a:xfrm>
+          <a:prstGeom prst="rect">
+            <a:avLst/>
+          </a:prstGeom>
+          <a:solidFill>
+            <a:srgbClr val="FFFFCC"/>
+          </a:solidFill>
+          <a:ln w="19050">
+            <a:solidFill>
+              <a:srgbClr val="FFC000"/>
+            </a:solidFill>
+          </a:ln>
+        </p:spPr>
+        <p:style>
+          <a:lnRef idx="2">
+            <a:schemeClr val="accent1">
+              <a:shade val="50000"/>
+            </a:schemeClr>
+          </a:lnRef>
+          <a:fillRef idx="1">
+            <a:schemeClr val="accent1"/>
+          </a:fillRef>
+          <a:effectRef idx="0">
+            <a:schemeClr val="accent1"/>
+          </a:effectRef>
+          <a:fontRef idx="minor">
+            <a:schemeClr val="lt1"/>
+          </a:fontRef>
+        </p:style>
+        <p:txBody>
+          <a:bodyPr rtlCol="0" anchor="ctr"/>
+          <a:lstStyle/>
+          <a:p>
+            <a:pPr algn="ctr"/>
+            <a:r>
+              <a:rPr lang="en-US" altLang="ko-KR" sz="1800">
+                <a:solidFill>
+                  <a:schemeClr val="tx1"/>
+                </a:solidFill>
+                <a:latin typeface="Consolas" panose="020B0609020204030204" pitchFamily="49" charset="0"/>
+              </a:rPr>
+              <a:t>MultiHeadAttention</a:t>
+            </a:r>
+            <a:endParaRPr lang="ko-KR" altLang="en-US" sz="1800">
+              <a:solidFill>
+                <a:schemeClr val="tx1"/>
+              </a:solidFill>
+              <a:latin typeface="Consolas" panose="020B0609020204030204" pitchFamily="49" charset="0"/>
+            </a:endParaRPr>
+          </a:p>
+        </p:txBody>
+      </p:sp>
+      <p:sp>
+        <p:nvSpPr>
+          <p:cNvPr id="3" name="직사각형 2">
+            <a:extLst>
+              <a:ext uri="{FF2B5EF4-FFF2-40B4-BE49-F238E27FC236}">
+                <a16:creationId xmlns:a16="http://schemas.microsoft.com/office/drawing/2014/main" id="{F5D091A5-4D53-4B9E-ABAF-4C1D4A00CE93}"/>
+              </a:ext>
+            </a:extLst>
+          </p:cNvPr>
+          <p:cNvSpPr/>
+          <p:nvPr/>
+        </p:nvSpPr>
+        <p:spPr>
+          <a:xfrm>
+            <a:off x="2082296" y="4264936"/>
+            <a:ext cx="2516863" cy="403631"/>
+          </a:xfrm>
+          <a:prstGeom prst="rect">
+            <a:avLst/>
+          </a:prstGeom>
+          <a:solidFill>
+            <a:srgbClr val="FFFFCC"/>
+          </a:solidFill>
+          <a:ln w="19050">
+            <a:solidFill>
+              <a:srgbClr val="FFC000"/>
+            </a:solidFill>
+          </a:ln>
+        </p:spPr>
+        <p:style>
+          <a:lnRef idx="2">
+            <a:schemeClr val="accent1">
+              <a:shade val="50000"/>
+            </a:schemeClr>
+          </a:lnRef>
+          <a:fillRef idx="1">
+            <a:schemeClr val="accent1"/>
+          </a:fillRef>
+          <a:effectRef idx="0">
+            <a:schemeClr val="accent1"/>
+          </a:effectRef>
+          <a:fontRef idx="minor">
+            <a:schemeClr val="lt1"/>
+          </a:fontRef>
+        </p:style>
+        <p:txBody>
+          <a:bodyPr rtlCol="0" anchor="ctr"/>
+          <a:lstStyle/>
+          <a:p>
+            <a:pPr algn="ctr"/>
+            <a:r>
+              <a:rPr lang="en-US" altLang="ko-KR" sz="1800">
+                <a:solidFill>
+                  <a:schemeClr val="tx1"/>
+                </a:solidFill>
+                <a:latin typeface="Consolas" panose="020B0609020204030204" pitchFamily="49" charset="0"/>
+              </a:rPr>
+              <a:t>Dropout</a:t>
+            </a:r>
+            <a:endParaRPr lang="ko-KR" altLang="en-US" sz="1800">
+              <a:solidFill>
+                <a:schemeClr val="tx1"/>
+              </a:solidFill>
+              <a:latin typeface="Consolas" panose="020B0609020204030204" pitchFamily="49" charset="0"/>
+            </a:endParaRPr>
+          </a:p>
+        </p:txBody>
+      </p:sp>
+      <p:cxnSp>
+        <p:nvCxnSpPr>
+          <p:cNvPr id="5" name="직선 화살표 연결선 4">
+            <a:extLst>
+              <a:ext uri="{FF2B5EF4-FFF2-40B4-BE49-F238E27FC236}">
+                <a16:creationId xmlns:a16="http://schemas.microsoft.com/office/drawing/2014/main" id="{7E4CE53B-B2B7-4F46-8768-BDB83EA15B99}"/>
+              </a:ext>
+            </a:extLst>
+          </p:cNvPr>
+          <p:cNvCxnSpPr>
+            <a:cxnSpLocks/>
+            <a:stCxn id="2" idx="0"/>
+            <a:endCxn id="3" idx="2"/>
+          </p:cNvCxnSpPr>
+          <p:nvPr/>
+        </p:nvCxnSpPr>
+        <p:spPr>
+          <a:xfrm flipV="1">
+            <a:off x="3340728" y="4668566"/>
+            <a:ext cx="0" cy="248386"/>
+          </a:xfrm>
+          <a:prstGeom prst="straightConnector1">
+            <a:avLst/>
+          </a:prstGeom>
+          <a:ln>
+            <a:solidFill>
+              <a:srgbClr val="002060"/>
+            </a:solidFill>
+            <a:headEnd type="none" w="med" len="med"/>
+            <a:tailEnd type="triangle"/>
+          </a:ln>
+        </p:spPr>
+        <p:style>
+          <a:lnRef idx="1">
+            <a:schemeClr val="accent1"/>
+          </a:lnRef>
+          <a:fillRef idx="0">
+            <a:schemeClr val="accent1"/>
+          </a:fillRef>
+          <a:effectRef idx="0">
+            <a:schemeClr val="accent1"/>
+          </a:effectRef>
+          <a:fontRef idx="minor">
+            <a:schemeClr val="tx1"/>
+          </a:fontRef>
+        </p:style>
+      </p:cxnSp>
+      <p:sp>
+        <p:nvSpPr>
+          <p:cNvPr id="7" name="직사각형 6">
+            <a:extLst>
+              <a:ext uri="{FF2B5EF4-FFF2-40B4-BE49-F238E27FC236}">
+                <a16:creationId xmlns:a16="http://schemas.microsoft.com/office/drawing/2014/main" id="{0E08B603-AE47-4AC9-A8C2-E2FDC812C831}"/>
+              </a:ext>
+            </a:extLst>
+          </p:cNvPr>
+          <p:cNvSpPr/>
+          <p:nvPr/>
+        </p:nvSpPr>
+        <p:spPr>
+          <a:xfrm>
+            <a:off x="2082296" y="3575662"/>
+            <a:ext cx="2516863" cy="403631"/>
+          </a:xfrm>
+          <a:prstGeom prst="rect">
+            <a:avLst/>
+          </a:prstGeom>
+          <a:solidFill>
+            <a:srgbClr val="FFFFCC"/>
+          </a:solidFill>
+          <a:ln w="19050">
+            <a:solidFill>
+              <a:srgbClr val="FFC000"/>
+            </a:solidFill>
+          </a:ln>
+        </p:spPr>
+        <p:style>
+          <a:lnRef idx="2">
+            <a:schemeClr val="accent1">
+              <a:shade val="50000"/>
+            </a:schemeClr>
+          </a:lnRef>
+          <a:fillRef idx="1">
+            <a:schemeClr val="accent1"/>
+          </a:fillRef>
+          <a:effectRef idx="0">
+            <a:schemeClr val="accent1"/>
+          </a:effectRef>
+          <a:fontRef idx="minor">
+            <a:schemeClr val="lt1"/>
+          </a:fontRef>
+        </p:style>
+        <p:txBody>
+          <a:bodyPr rtlCol="0" anchor="ctr"/>
+          <a:lstStyle/>
+          <a:p>
+            <a:pPr algn="ctr"/>
+            <a:r>
+              <a:rPr lang="en-US" altLang="ko-KR" sz="1800">
+                <a:solidFill>
+                  <a:schemeClr val="tx1"/>
+                </a:solidFill>
+                <a:latin typeface="Consolas" panose="020B0609020204030204" pitchFamily="49" charset="0"/>
+              </a:rPr>
+              <a:t>LayerNormalization</a:t>
+            </a:r>
+            <a:endParaRPr lang="ko-KR" altLang="en-US" sz="1800">
+              <a:solidFill>
+                <a:schemeClr val="tx1"/>
+              </a:solidFill>
+              <a:latin typeface="Consolas" panose="020B0609020204030204" pitchFamily="49" charset="0"/>
+            </a:endParaRPr>
+          </a:p>
+        </p:txBody>
+      </p:sp>
+      <p:cxnSp>
+        <p:nvCxnSpPr>
+          <p:cNvPr id="10" name="직선 화살표 연결선 9">
+            <a:extLst>
+              <a:ext uri="{FF2B5EF4-FFF2-40B4-BE49-F238E27FC236}">
+                <a16:creationId xmlns:a16="http://schemas.microsoft.com/office/drawing/2014/main" id="{7CBE176F-A2F9-44A2-B66B-672CA14A88BD}"/>
+              </a:ext>
+            </a:extLst>
+          </p:cNvPr>
+          <p:cNvCxnSpPr>
+            <a:cxnSpLocks/>
+            <a:stCxn id="73" idx="0"/>
+            <a:endCxn id="2" idx="2"/>
+          </p:cNvCxnSpPr>
+          <p:nvPr/>
+        </p:nvCxnSpPr>
+        <p:spPr>
+          <a:xfrm flipV="1">
+            <a:off x="3338460" y="5320583"/>
+            <a:ext cx="2268" cy="352920"/>
+          </a:xfrm>
+          <a:prstGeom prst="straightConnector1">
+            <a:avLst/>
+          </a:prstGeom>
+          <a:ln>
+            <a:solidFill>
+              <a:srgbClr val="002060"/>
+            </a:solidFill>
+            <a:headEnd type="none" w="med" len="med"/>
+            <a:tailEnd type="triangle"/>
+          </a:ln>
+        </p:spPr>
+        <p:style>
+          <a:lnRef idx="1">
+            <a:schemeClr val="accent1"/>
+          </a:lnRef>
+          <a:fillRef idx="0">
+            <a:schemeClr val="accent1"/>
+          </a:fillRef>
+          <a:effectRef idx="0">
+            <a:schemeClr val="accent1"/>
+          </a:effectRef>
+          <a:fontRef idx="minor">
+            <a:schemeClr val="tx1"/>
+          </a:fontRef>
+        </p:style>
+      </p:cxnSp>
+      <p:sp>
+        <p:nvSpPr>
+          <p:cNvPr id="13" name="TextBox 12">
+            <a:extLst>
+              <a:ext uri="{FF2B5EF4-FFF2-40B4-BE49-F238E27FC236}">
+                <a16:creationId xmlns:a16="http://schemas.microsoft.com/office/drawing/2014/main" id="{4B94C3FB-C31A-4AAC-A878-0F9E3BB1BAD9}"/>
+              </a:ext>
+            </a:extLst>
+          </p:cNvPr>
+          <p:cNvSpPr txBox="1"/>
+          <p:nvPr/>
+        </p:nvSpPr>
+        <p:spPr>
+          <a:xfrm>
+            <a:off x="505162" y="6685375"/>
+            <a:ext cx="1577676" cy="289297"/>
+          </a:xfrm>
+          <a:prstGeom prst="rect">
+            <a:avLst/>
+          </a:prstGeom>
+          <a:noFill/>
+        </p:spPr>
+        <p:txBody>
+          <a:bodyPr wrap="none" rtlCol="0">
+            <a:spAutoFit/>
+          </a:bodyPr>
+          <a:lstStyle/>
+          <a:p>
+            <a:pPr algn="l">
+              <a:lnSpc>
+                <a:spcPct val="130000"/>
+              </a:lnSpc>
+              <a:buClr>
+                <a:srgbClr val="C5003D"/>
+              </a:buClr>
+            </a:pPr>
+            <a:r>
+              <a:rPr lang="en-US" altLang="ko-KR" sz="1800">
+                <a:solidFill>
+                  <a:schemeClr val="tx1"/>
+                </a:solidFill>
+                <a:latin typeface="Consolas" panose="020B0609020204030204" pitchFamily="49" charset="0"/>
+                <a:ea typeface="+mn-ea"/>
+              </a:rPr>
+              <a:t>(11000, 40)</a:t>
+            </a:r>
+            <a:endParaRPr lang="ko-KR" altLang="en-US" sz="1800">
+              <a:solidFill>
+                <a:schemeClr val="tx1"/>
+              </a:solidFill>
+              <a:latin typeface="Consolas" panose="020B0609020204030204" pitchFamily="49" charset="0"/>
+              <a:ea typeface="+mn-ea"/>
+            </a:endParaRPr>
+          </a:p>
+        </p:txBody>
+      </p:sp>
+      <p:cxnSp>
+        <p:nvCxnSpPr>
+          <p:cNvPr id="14" name="직선 화살표 연결선 13">
+            <a:extLst>
+              <a:ext uri="{FF2B5EF4-FFF2-40B4-BE49-F238E27FC236}">
+                <a16:creationId xmlns:a16="http://schemas.microsoft.com/office/drawing/2014/main" id="{465673C7-5678-4747-8550-F79DEA8E1BA4}"/>
+              </a:ext>
+            </a:extLst>
+          </p:cNvPr>
+          <p:cNvCxnSpPr>
+            <a:cxnSpLocks/>
+            <a:stCxn id="3" idx="0"/>
+            <a:endCxn id="7" idx="2"/>
+          </p:cNvCxnSpPr>
+          <p:nvPr/>
+        </p:nvCxnSpPr>
+        <p:spPr>
+          <a:xfrm flipV="1">
+            <a:off x="3340728" y="3979292"/>
+            <a:ext cx="0" cy="285644"/>
+          </a:xfrm>
+          <a:prstGeom prst="straightConnector1">
+            <a:avLst/>
+          </a:prstGeom>
+          <a:ln>
+            <a:solidFill>
+              <a:srgbClr val="002060"/>
+            </a:solidFill>
+            <a:headEnd type="none" w="med" len="med"/>
+            <a:tailEnd type="triangle"/>
+          </a:ln>
+        </p:spPr>
+        <p:style>
+          <a:lnRef idx="1">
+            <a:schemeClr val="accent1"/>
+          </a:lnRef>
+          <a:fillRef idx="0">
+            <a:schemeClr val="accent1"/>
+          </a:fillRef>
+          <a:effectRef idx="0">
+            <a:schemeClr val="accent1"/>
+          </a:effectRef>
+          <a:fontRef idx="minor">
+            <a:schemeClr val="tx1"/>
+          </a:fontRef>
+        </p:style>
+      </p:cxnSp>
+      <p:sp>
+        <p:nvSpPr>
+          <p:cNvPr id="17" name="타원 16">
+            <a:extLst>
+              <a:ext uri="{FF2B5EF4-FFF2-40B4-BE49-F238E27FC236}">
+                <a16:creationId xmlns:a16="http://schemas.microsoft.com/office/drawing/2014/main" id="{AB614B40-FD9D-44C2-8DA0-67A75F56C225}"/>
+              </a:ext>
+            </a:extLst>
+          </p:cNvPr>
+          <p:cNvSpPr/>
+          <p:nvPr/>
+        </p:nvSpPr>
+        <p:spPr>
+          <a:xfrm>
+            <a:off x="3340727" y="4122114"/>
+            <a:ext cx="70163" cy="48124"/>
+          </a:xfrm>
+          <a:prstGeom prst="ellipse">
+            <a:avLst/>
+          </a:prstGeom>
+          <a:noFill/>
+          <a:ln w="19050">
+            <a:noFill/>
+          </a:ln>
+        </p:spPr>
+        <p:style>
+          <a:lnRef idx="2">
+            <a:schemeClr val="accent1">
+              <a:shade val="50000"/>
+            </a:schemeClr>
+          </a:lnRef>
+          <a:fillRef idx="1">
+            <a:schemeClr val="accent1"/>
+          </a:fillRef>
+          <a:effectRef idx="0">
+            <a:schemeClr val="accent1"/>
+          </a:effectRef>
+          <a:fontRef idx="minor">
+            <a:schemeClr val="lt1"/>
+          </a:fontRef>
+        </p:style>
+        <p:txBody>
+          <a:bodyPr rtlCol="0" anchor="ctr"/>
+          <a:lstStyle/>
+          <a:p>
+            <a:pPr algn="ctr"/>
+            <a:endParaRPr lang="ko-KR" altLang="en-US" sz="1800">
+              <a:solidFill>
+                <a:schemeClr val="tx1"/>
+              </a:solidFill>
+              <a:latin typeface="Consolas" panose="020B0609020204030204" pitchFamily="49" charset="0"/>
+            </a:endParaRPr>
+          </a:p>
+        </p:txBody>
+      </p:sp>
+      <p:sp>
+        <p:nvSpPr>
+          <p:cNvPr id="18" name="타원 17">
+            <a:extLst>
+              <a:ext uri="{FF2B5EF4-FFF2-40B4-BE49-F238E27FC236}">
+                <a16:creationId xmlns:a16="http://schemas.microsoft.com/office/drawing/2014/main" id="{8B8EFE80-B907-44CC-AE05-07E232F64121}"/>
+              </a:ext>
+            </a:extLst>
+          </p:cNvPr>
+          <p:cNvSpPr/>
+          <p:nvPr/>
+        </p:nvSpPr>
+        <p:spPr>
+          <a:xfrm>
+            <a:off x="3338461" y="5454092"/>
+            <a:ext cx="70163" cy="48124"/>
+          </a:xfrm>
+          <a:prstGeom prst="ellipse">
+            <a:avLst/>
+          </a:prstGeom>
+          <a:noFill/>
+          <a:ln w="19050">
+            <a:noFill/>
+          </a:ln>
+        </p:spPr>
+        <p:style>
+          <a:lnRef idx="2">
+            <a:schemeClr val="accent1">
+              <a:shade val="50000"/>
+            </a:schemeClr>
+          </a:lnRef>
+          <a:fillRef idx="1">
+            <a:schemeClr val="accent1"/>
+          </a:fillRef>
+          <a:effectRef idx="0">
+            <a:schemeClr val="accent1"/>
+          </a:effectRef>
+          <a:fontRef idx="minor">
+            <a:schemeClr val="lt1"/>
+          </a:fontRef>
+        </p:style>
+        <p:txBody>
+          <a:bodyPr rtlCol="0" anchor="ctr"/>
+          <a:lstStyle/>
+          <a:p>
+            <a:pPr algn="ctr"/>
+            <a:endParaRPr lang="ko-KR" altLang="en-US" sz="1800">
+              <a:solidFill>
+                <a:schemeClr val="tx1"/>
+              </a:solidFill>
+              <a:latin typeface="Consolas" panose="020B0609020204030204" pitchFamily="49" charset="0"/>
+            </a:endParaRPr>
+          </a:p>
+        </p:txBody>
+      </p:sp>
+      <p:cxnSp>
+        <p:nvCxnSpPr>
+          <p:cNvPr id="20" name="연결선: 꺾임 19">
+            <a:extLst>
+              <a:ext uri="{FF2B5EF4-FFF2-40B4-BE49-F238E27FC236}">
+                <a16:creationId xmlns:a16="http://schemas.microsoft.com/office/drawing/2014/main" id="{158B3832-BC11-490E-ADE2-DE3A9F3D81D8}"/>
+              </a:ext>
+            </a:extLst>
+          </p:cNvPr>
+          <p:cNvCxnSpPr>
+            <a:cxnSpLocks/>
+            <a:stCxn id="18" idx="2"/>
+            <a:endCxn id="17" idx="2"/>
+          </p:cNvCxnSpPr>
+          <p:nvPr/>
+        </p:nvCxnSpPr>
+        <p:spPr>
+          <a:xfrm rot="10800000" flipH="1">
+            <a:off x="3338461" y="4146177"/>
+            <a:ext cx="2266" cy="1331978"/>
+          </a:xfrm>
+          <a:prstGeom prst="bentConnector3">
+            <a:avLst>
+              <a:gd name="adj1" fmla="val -64824537"/>
+            </a:avLst>
+          </a:prstGeom>
+          <a:ln>
+            <a:solidFill>
+              <a:srgbClr val="002060"/>
+            </a:solidFill>
+            <a:headEnd type="none" w="med" len="med"/>
+            <a:tailEnd type="none" w="med" len="med"/>
+          </a:ln>
+        </p:spPr>
+        <p:style>
+          <a:lnRef idx="1">
+            <a:schemeClr val="accent1"/>
+          </a:lnRef>
+          <a:fillRef idx="0">
+            <a:schemeClr val="accent1"/>
+          </a:fillRef>
+          <a:effectRef idx="0">
+            <a:schemeClr val="accent1"/>
+          </a:effectRef>
+          <a:fontRef idx="minor">
+            <a:schemeClr val="tx1"/>
+          </a:fontRef>
+        </p:style>
+      </p:cxnSp>
+      <p:sp>
+        <p:nvSpPr>
+          <p:cNvPr id="23" name="직사각형 22">
+            <a:extLst>
+              <a:ext uri="{FF2B5EF4-FFF2-40B4-BE49-F238E27FC236}">
+                <a16:creationId xmlns:a16="http://schemas.microsoft.com/office/drawing/2014/main" id="{2E19915B-CBDF-40B4-8920-DCB32AC45C81}"/>
+              </a:ext>
+            </a:extLst>
+          </p:cNvPr>
+          <p:cNvSpPr/>
+          <p:nvPr/>
+        </p:nvSpPr>
+        <p:spPr>
+          <a:xfrm>
+            <a:off x="2082296" y="2970216"/>
+            <a:ext cx="2516863" cy="403631"/>
+          </a:xfrm>
+          <a:prstGeom prst="rect">
+            <a:avLst/>
+          </a:prstGeom>
+          <a:solidFill>
+            <a:srgbClr val="FFFFCC"/>
+          </a:solidFill>
+          <a:ln w="19050">
+            <a:solidFill>
+              <a:srgbClr val="FFC000"/>
+            </a:solidFill>
+          </a:ln>
+        </p:spPr>
+        <p:style>
+          <a:lnRef idx="2">
+            <a:schemeClr val="accent1">
+              <a:shade val="50000"/>
+            </a:schemeClr>
+          </a:lnRef>
+          <a:fillRef idx="1">
+            <a:schemeClr val="accent1"/>
+          </a:fillRef>
+          <a:effectRef idx="0">
+            <a:schemeClr val="accent1"/>
+          </a:effectRef>
+          <a:fontRef idx="minor">
+            <a:schemeClr val="lt1"/>
+          </a:fontRef>
+        </p:style>
+        <p:txBody>
+          <a:bodyPr rtlCol="0" anchor="ctr"/>
+          <a:lstStyle/>
+          <a:p>
+            <a:pPr algn="ctr"/>
+            <a:r>
+              <a:rPr lang="en-US" altLang="ko-KR" sz="1800">
+                <a:solidFill>
+                  <a:schemeClr val="tx1"/>
+                </a:solidFill>
+                <a:latin typeface="Consolas" panose="020B0609020204030204" pitchFamily="49" charset="0"/>
+              </a:rPr>
+              <a:t>Dense</a:t>
+            </a:r>
+            <a:endParaRPr lang="ko-KR" altLang="en-US" sz="1800">
+              <a:solidFill>
+                <a:schemeClr val="tx1"/>
+              </a:solidFill>
+              <a:latin typeface="Consolas" panose="020B0609020204030204" pitchFamily="49" charset="0"/>
+            </a:endParaRPr>
+          </a:p>
+        </p:txBody>
+      </p:sp>
+      <p:cxnSp>
+        <p:nvCxnSpPr>
+          <p:cNvPr id="26" name="직선 화살표 연결선 25">
+            <a:extLst>
+              <a:ext uri="{FF2B5EF4-FFF2-40B4-BE49-F238E27FC236}">
+                <a16:creationId xmlns:a16="http://schemas.microsoft.com/office/drawing/2014/main" id="{050567E6-A209-40B7-A31A-ADA8C6757DD2}"/>
+              </a:ext>
+            </a:extLst>
+          </p:cNvPr>
+          <p:cNvCxnSpPr>
+            <a:cxnSpLocks/>
+            <a:stCxn id="7" idx="0"/>
+            <a:endCxn id="23" idx="2"/>
+          </p:cNvCxnSpPr>
+          <p:nvPr/>
+        </p:nvCxnSpPr>
+        <p:spPr>
+          <a:xfrm flipV="1">
+            <a:off x="3340728" y="3373846"/>
+            <a:ext cx="0" cy="201815"/>
+          </a:xfrm>
+          <a:prstGeom prst="straightConnector1">
+            <a:avLst/>
+          </a:prstGeom>
+          <a:ln>
+            <a:solidFill>
+              <a:srgbClr val="002060"/>
+            </a:solidFill>
+            <a:headEnd type="none" w="med" len="med"/>
+            <a:tailEnd type="triangle"/>
+          </a:ln>
+        </p:spPr>
+        <p:style>
+          <a:lnRef idx="1">
+            <a:schemeClr val="accent1"/>
+          </a:lnRef>
+          <a:fillRef idx="0">
+            <a:schemeClr val="accent1"/>
+          </a:fillRef>
+          <a:effectRef idx="0">
+            <a:schemeClr val="accent1"/>
+          </a:effectRef>
+          <a:fontRef idx="minor">
+            <a:schemeClr val="tx1"/>
+          </a:fontRef>
+        </p:style>
+      </p:cxnSp>
+      <p:sp>
+        <p:nvSpPr>
+          <p:cNvPr id="31" name="직사각형 30">
+            <a:extLst>
+              <a:ext uri="{FF2B5EF4-FFF2-40B4-BE49-F238E27FC236}">
+                <a16:creationId xmlns:a16="http://schemas.microsoft.com/office/drawing/2014/main" id="{D6F48FEB-04EC-446E-BB72-7F58A5AD2831}"/>
+              </a:ext>
+            </a:extLst>
+          </p:cNvPr>
+          <p:cNvSpPr/>
+          <p:nvPr/>
+        </p:nvSpPr>
+        <p:spPr>
+          <a:xfrm>
+            <a:off x="2080028" y="2353904"/>
+            <a:ext cx="2516863" cy="403631"/>
+          </a:xfrm>
+          <a:prstGeom prst="rect">
+            <a:avLst/>
+          </a:prstGeom>
+          <a:solidFill>
+            <a:srgbClr val="FFFFCC"/>
+          </a:solidFill>
+          <a:ln w="19050">
+            <a:solidFill>
+              <a:srgbClr val="FFC000"/>
+            </a:solidFill>
+          </a:ln>
+        </p:spPr>
+        <p:style>
+          <a:lnRef idx="2">
+            <a:schemeClr val="accent1">
+              <a:shade val="50000"/>
+            </a:schemeClr>
+          </a:lnRef>
+          <a:fillRef idx="1">
+            <a:schemeClr val="accent1"/>
+          </a:fillRef>
+          <a:effectRef idx="0">
+            <a:schemeClr val="accent1"/>
+          </a:effectRef>
+          <a:fontRef idx="minor">
+            <a:schemeClr val="lt1"/>
+          </a:fontRef>
+        </p:style>
+        <p:txBody>
+          <a:bodyPr rtlCol="0" anchor="ctr"/>
+          <a:lstStyle/>
+          <a:p>
+            <a:pPr algn="ctr"/>
+            <a:r>
+              <a:rPr lang="en-US" altLang="ko-KR" sz="1800">
+                <a:solidFill>
+                  <a:schemeClr val="tx1"/>
+                </a:solidFill>
+                <a:latin typeface="Consolas" panose="020B0609020204030204" pitchFamily="49" charset="0"/>
+              </a:rPr>
+              <a:t>Dense</a:t>
+            </a:r>
+            <a:endParaRPr lang="ko-KR" altLang="en-US" sz="1800">
+              <a:solidFill>
+                <a:schemeClr val="tx1"/>
+              </a:solidFill>
+              <a:latin typeface="Consolas" panose="020B0609020204030204" pitchFamily="49" charset="0"/>
+            </a:endParaRPr>
+          </a:p>
+        </p:txBody>
+      </p:sp>
+      <p:cxnSp>
+        <p:nvCxnSpPr>
+          <p:cNvPr id="32" name="직선 화살표 연결선 31">
+            <a:extLst>
+              <a:ext uri="{FF2B5EF4-FFF2-40B4-BE49-F238E27FC236}">
+                <a16:creationId xmlns:a16="http://schemas.microsoft.com/office/drawing/2014/main" id="{EC9E24F4-0957-4DE2-8D17-8F1B821FEDD7}"/>
+              </a:ext>
+            </a:extLst>
+          </p:cNvPr>
+          <p:cNvCxnSpPr>
+            <a:cxnSpLocks/>
+            <a:stCxn id="23" idx="0"/>
+            <a:endCxn id="31" idx="2"/>
+          </p:cNvCxnSpPr>
+          <p:nvPr/>
+        </p:nvCxnSpPr>
+        <p:spPr>
+          <a:xfrm flipH="1" flipV="1">
+            <a:off x="3338460" y="2757535"/>
+            <a:ext cx="2268" cy="212681"/>
+          </a:xfrm>
+          <a:prstGeom prst="straightConnector1">
+            <a:avLst/>
+          </a:prstGeom>
+          <a:ln>
+            <a:solidFill>
+              <a:srgbClr val="002060"/>
+            </a:solidFill>
+            <a:headEnd type="none" w="med" len="med"/>
+            <a:tailEnd type="triangle"/>
+          </a:ln>
+        </p:spPr>
+        <p:style>
+          <a:lnRef idx="1">
+            <a:schemeClr val="accent1"/>
+          </a:lnRef>
+          <a:fillRef idx="0">
+            <a:schemeClr val="accent1"/>
+          </a:fillRef>
+          <a:effectRef idx="0">
+            <a:schemeClr val="accent1"/>
+          </a:effectRef>
+          <a:fontRef idx="minor">
+            <a:schemeClr val="tx1"/>
+          </a:fontRef>
+        </p:style>
+      </p:cxnSp>
+      <p:sp>
+        <p:nvSpPr>
+          <p:cNvPr id="39" name="직사각형 38">
+            <a:extLst>
+              <a:ext uri="{FF2B5EF4-FFF2-40B4-BE49-F238E27FC236}">
+                <a16:creationId xmlns:a16="http://schemas.microsoft.com/office/drawing/2014/main" id="{A3B7182B-2C32-45CD-97F9-9DA2EA7F3693}"/>
+              </a:ext>
+            </a:extLst>
+          </p:cNvPr>
+          <p:cNvSpPr/>
+          <p:nvPr/>
+        </p:nvSpPr>
+        <p:spPr>
+          <a:xfrm>
+            <a:off x="2080028" y="1657189"/>
+            <a:ext cx="2516863" cy="403631"/>
+          </a:xfrm>
+          <a:prstGeom prst="rect">
+            <a:avLst/>
+          </a:prstGeom>
+          <a:solidFill>
+            <a:srgbClr val="FFFFCC"/>
+          </a:solidFill>
+          <a:ln w="19050">
+            <a:solidFill>
+              <a:srgbClr val="FFC000"/>
+            </a:solidFill>
+          </a:ln>
+        </p:spPr>
+        <p:style>
+          <a:lnRef idx="2">
+            <a:schemeClr val="accent1">
+              <a:shade val="50000"/>
+            </a:schemeClr>
+          </a:lnRef>
+          <a:fillRef idx="1">
+            <a:schemeClr val="accent1"/>
+          </a:fillRef>
+          <a:effectRef idx="0">
+            <a:schemeClr val="accent1"/>
+          </a:effectRef>
+          <a:fontRef idx="minor">
+            <a:schemeClr val="lt1"/>
+          </a:fontRef>
+        </p:style>
+        <p:txBody>
+          <a:bodyPr rtlCol="0" anchor="ctr"/>
+          <a:lstStyle/>
+          <a:p>
+            <a:pPr algn="ctr"/>
+            <a:r>
+              <a:rPr lang="en-US" altLang="ko-KR" sz="1800">
+                <a:solidFill>
+                  <a:schemeClr val="tx1"/>
+                </a:solidFill>
+                <a:latin typeface="Consolas" panose="020B0609020204030204" pitchFamily="49" charset="0"/>
+              </a:rPr>
+              <a:t>Dropout</a:t>
+            </a:r>
+            <a:endParaRPr lang="ko-KR" altLang="en-US" sz="1800">
+              <a:solidFill>
+                <a:schemeClr val="tx1"/>
+              </a:solidFill>
+              <a:latin typeface="Consolas" panose="020B0609020204030204" pitchFamily="49" charset="0"/>
+            </a:endParaRPr>
+          </a:p>
+        </p:txBody>
+      </p:sp>
+      <p:sp>
+        <p:nvSpPr>
+          <p:cNvPr id="40" name="직사각형 39">
+            <a:extLst>
+              <a:ext uri="{FF2B5EF4-FFF2-40B4-BE49-F238E27FC236}">
+                <a16:creationId xmlns:a16="http://schemas.microsoft.com/office/drawing/2014/main" id="{6CCD1B6C-A1BB-4823-8074-DDB42A617B0B}"/>
+              </a:ext>
+            </a:extLst>
+          </p:cNvPr>
+          <p:cNvSpPr/>
+          <p:nvPr/>
+        </p:nvSpPr>
+        <p:spPr>
+          <a:xfrm>
+            <a:off x="2080028" y="967915"/>
+            <a:ext cx="2516863" cy="403631"/>
+          </a:xfrm>
+          <a:prstGeom prst="rect">
+            <a:avLst/>
+          </a:prstGeom>
+          <a:solidFill>
+            <a:srgbClr val="FFFFCC"/>
+          </a:solidFill>
+          <a:ln w="19050">
+            <a:solidFill>
+              <a:srgbClr val="FFC000"/>
+            </a:solidFill>
+          </a:ln>
+        </p:spPr>
+        <p:style>
+          <a:lnRef idx="2">
+            <a:schemeClr val="accent1">
+              <a:shade val="50000"/>
+            </a:schemeClr>
+          </a:lnRef>
+          <a:fillRef idx="1">
+            <a:schemeClr val="accent1"/>
+          </a:fillRef>
+          <a:effectRef idx="0">
+            <a:schemeClr val="accent1"/>
+          </a:effectRef>
+          <a:fontRef idx="minor">
+            <a:schemeClr val="lt1"/>
+          </a:fontRef>
+        </p:style>
+        <p:txBody>
+          <a:bodyPr rtlCol="0" anchor="ctr"/>
+          <a:lstStyle/>
+          <a:p>
+            <a:pPr algn="ctr"/>
+            <a:r>
+              <a:rPr lang="en-US" altLang="ko-KR" sz="1800">
+                <a:solidFill>
+                  <a:schemeClr val="tx1"/>
+                </a:solidFill>
+                <a:latin typeface="Consolas" panose="020B0609020204030204" pitchFamily="49" charset="0"/>
+              </a:rPr>
+              <a:t>LayerNormalization</a:t>
+            </a:r>
+            <a:endParaRPr lang="ko-KR" altLang="en-US" sz="1800">
+              <a:solidFill>
+                <a:schemeClr val="tx1"/>
+              </a:solidFill>
+              <a:latin typeface="Consolas" panose="020B0609020204030204" pitchFamily="49" charset="0"/>
+            </a:endParaRPr>
+          </a:p>
+        </p:txBody>
+      </p:sp>
+      <p:cxnSp>
+        <p:nvCxnSpPr>
+          <p:cNvPr id="41" name="직선 화살표 연결선 40">
+            <a:extLst>
+              <a:ext uri="{FF2B5EF4-FFF2-40B4-BE49-F238E27FC236}">
+                <a16:creationId xmlns:a16="http://schemas.microsoft.com/office/drawing/2014/main" id="{DBC6452B-6736-4561-8EB9-6590B427D99E}"/>
+              </a:ext>
+            </a:extLst>
+          </p:cNvPr>
+          <p:cNvCxnSpPr>
+            <a:cxnSpLocks/>
+            <a:stCxn id="31" idx="0"/>
+            <a:endCxn id="39" idx="2"/>
+          </p:cNvCxnSpPr>
+          <p:nvPr/>
+        </p:nvCxnSpPr>
+        <p:spPr>
+          <a:xfrm flipV="1">
+            <a:off x="3338460" y="2060820"/>
+            <a:ext cx="0" cy="293084"/>
+          </a:xfrm>
+          <a:prstGeom prst="straightConnector1">
+            <a:avLst/>
+          </a:prstGeom>
+          <a:ln>
+            <a:solidFill>
+              <a:srgbClr val="002060"/>
+            </a:solidFill>
+            <a:headEnd type="none" w="med" len="med"/>
+            <a:tailEnd type="triangle"/>
+          </a:ln>
+        </p:spPr>
+        <p:style>
+          <a:lnRef idx="1">
+            <a:schemeClr val="accent1"/>
+          </a:lnRef>
+          <a:fillRef idx="0">
+            <a:schemeClr val="accent1"/>
+          </a:fillRef>
+          <a:effectRef idx="0">
+            <a:schemeClr val="accent1"/>
+          </a:effectRef>
+          <a:fontRef idx="minor">
+            <a:schemeClr val="tx1"/>
+          </a:fontRef>
+        </p:style>
+      </p:cxnSp>
+      <p:cxnSp>
+        <p:nvCxnSpPr>
+          <p:cNvPr id="45" name="직선 화살표 연결선 44">
+            <a:extLst>
+              <a:ext uri="{FF2B5EF4-FFF2-40B4-BE49-F238E27FC236}">
+                <a16:creationId xmlns:a16="http://schemas.microsoft.com/office/drawing/2014/main" id="{378DA284-21D4-403F-96AA-4614B4D8DAB4}"/>
+              </a:ext>
+            </a:extLst>
+          </p:cNvPr>
+          <p:cNvCxnSpPr>
+            <a:cxnSpLocks/>
+            <a:stCxn id="39" idx="0"/>
+            <a:endCxn id="40" idx="2"/>
+          </p:cNvCxnSpPr>
+          <p:nvPr/>
+        </p:nvCxnSpPr>
+        <p:spPr>
+          <a:xfrm flipV="1">
+            <a:off x="3338460" y="1371546"/>
+            <a:ext cx="0" cy="285643"/>
+          </a:xfrm>
+          <a:prstGeom prst="straightConnector1">
+            <a:avLst/>
+          </a:prstGeom>
+          <a:ln>
+            <a:solidFill>
+              <a:srgbClr val="002060"/>
+            </a:solidFill>
+            <a:headEnd type="none" w="med" len="med"/>
+            <a:tailEnd type="triangle"/>
+          </a:ln>
+        </p:spPr>
+        <p:style>
+          <a:lnRef idx="1">
+            <a:schemeClr val="accent1"/>
+          </a:lnRef>
+          <a:fillRef idx="0">
+            <a:schemeClr val="accent1"/>
+          </a:fillRef>
+          <a:effectRef idx="0">
+            <a:schemeClr val="accent1"/>
+          </a:effectRef>
+          <a:fontRef idx="minor">
+            <a:schemeClr val="tx1"/>
+          </a:fontRef>
+        </p:style>
+      </p:cxnSp>
+      <p:sp>
+        <p:nvSpPr>
+          <p:cNvPr id="48" name="타원 47">
+            <a:extLst>
+              <a:ext uri="{FF2B5EF4-FFF2-40B4-BE49-F238E27FC236}">
+                <a16:creationId xmlns:a16="http://schemas.microsoft.com/office/drawing/2014/main" id="{28398DD8-0988-490A-85E9-B61D48FE2B6A}"/>
+              </a:ext>
+            </a:extLst>
+          </p:cNvPr>
+          <p:cNvSpPr/>
+          <p:nvPr/>
+        </p:nvSpPr>
+        <p:spPr>
+          <a:xfrm>
+            <a:off x="3338461" y="1522737"/>
+            <a:ext cx="70163" cy="48124"/>
+          </a:xfrm>
+          <a:prstGeom prst="ellipse">
+            <a:avLst/>
+          </a:prstGeom>
+          <a:noFill/>
+          <a:ln w="19050">
+            <a:noFill/>
+          </a:ln>
+        </p:spPr>
+        <p:style>
+          <a:lnRef idx="2">
+            <a:schemeClr val="accent1">
+              <a:shade val="50000"/>
+            </a:schemeClr>
+          </a:lnRef>
+          <a:fillRef idx="1">
+            <a:schemeClr val="accent1"/>
+          </a:fillRef>
+          <a:effectRef idx="0">
+            <a:schemeClr val="accent1"/>
+          </a:effectRef>
+          <a:fontRef idx="minor">
+            <a:schemeClr val="lt1"/>
+          </a:fontRef>
+        </p:style>
+        <p:txBody>
+          <a:bodyPr rtlCol="0" anchor="ctr"/>
+          <a:lstStyle/>
+          <a:p>
+            <a:pPr algn="ctr"/>
+            <a:endParaRPr lang="ko-KR" altLang="en-US" sz="1800">
+              <a:solidFill>
+                <a:schemeClr val="tx1"/>
+              </a:solidFill>
+              <a:latin typeface="Consolas" panose="020B0609020204030204" pitchFamily="49" charset="0"/>
+            </a:endParaRPr>
+          </a:p>
+        </p:txBody>
+      </p:sp>
+      <p:cxnSp>
+        <p:nvCxnSpPr>
+          <p:cNvPr id="49" name="연결선: 꺾임 48">
+            <a:extLst>
+              <a:ext uri="{FF2B5EF4-FFF2-40B4-BE49-F238E27FC236}">
+                <a16:creationId xmlns:a16="http://schemas.microsoft.com/office/drawing/2014/main" id="{4FB90787-5A76-4092-8480-067F63EA7257}"/>
+              </a:ext>
+            </a:extLst>
+          </p:cNvPr>
+          <p:cNvCxnSpPr>
+            <a:cxnSpLocks/>
+            <a:stCxn id="212" idx="2"/>
+            <a:endCxn id="48" idx="2"/>
+          </p:cNvCxnSpPr>
+          <p:nvPr/>
+        </p:nvCxnSpPr>
+        <p:spPr>
+          <a:xfrm rot="10800000" flipH="1">
+            <a:off x="3335735" y="1546799"/>
+            <a:ext cx="2725" cy="1944008"/>
+          </a:xfrm>
+          <a:prstGeom prst="bentConnector3">
+            <a:avLst>
+              <a:gd name="adj1" fmla="val -54013321"/>
+            </a:avLst>
+          </a:prstGeom>
+          <a:ln>
+            <a:solidFill>
+              <a:srgbClr val="002060"/>
+            </a:solidFill>
+            <a:headEnd type="none" w="med" len="med"/>
+            <a:tailEnd type="none" w="med" len="med"/>
+          </a:ln>
+        </p:spPr>
+        <p:style>
+          <a:lnRef idx="1">
+            <a:schemeClr val="accent1"/>
+          </a:lnRef>
+          <a:fillRef idx="0">
+            <a:schemeClr val="accent1"/>
+          </a:fillRef>
+          <a:effectRef idx="0">
+            <a:schemeClr val="accent1"/>
+          </a:effectRef>
+          <a:fontRef idx="minor">
+            <a:schemeClr val="tx1"/>
+          </a:fontRef>
+        </p:style>
+      </p:cxnSp>
+      <p:sp>
+        <p:nvSpPr>
+          <p:cNvPr id="53" name="직사각형 52">
+            <a:extLst>
+              <a:ext uri="{FF2B5EF4-FFF2-40B4-BE49-F238E27FC236}">
+                <a16:creationId xmlns:a16="http://schemas.microsoft.com/office/drawing/2014/main" id="{59DCAFD3-FDD4-4C94-9D48-AE7AA9C793E8}"/>
+              </a:ext>
+            </a:extLst>
+          </p:cNvPr>
+          <p:cNvSpPr/>
+          <p:nvPr/>
+        </p:nvSpPr>
+        <p:spPr>
+          <a:xfrm>
+            <a:off x="1437824" y="841931"/>
+            <a:ext cx="3811508" cy="4734968"/>
+          </a:xfrm>
+          <a:prstGeom prst="rect">
+            <a:avLst/>
+          </a:prstGeom>
+          <a:noFill/>
+          <a:ln w="19050">
+            <a:solidFill>
+              <a:srgbClr val="FFC000"/>
+            </a:solidFill>
+          </a:ln>
+        </p:spPr>
+        <p:style>
+          <a:lnRef idx="2">
+            <a:schemeClr val="accent1">
+              <a:shade val="50000"/>
+            </a:schemeClr>
+          </a:lnRef>
+          <a:fillRef idx="1">
+            <a:schemeClr val="accent1"/>
+          </a:fillRef>
+          <a:effectRef idx="0">
+            <a:schemeClr val="accent1"/>
+          </a:effectRef>
+          <a:fontRef idx="minor">
+            <a:schemeClr val="lt1"/>
+          </a:fontRef>
+        </p:style>
+        <p:txBody>
+          <a:bodyPr rtlCol="0" anchor="ctr"/>
+          <a:lstStyle/>
+          <a:p>
+            <a:pPr algn="ctr"/>
+            <a:endParaRPr lang="ko-KR" altLang="en-US" sz="1800">
+              <a:solidFill>
+                <a:schemeClr val="tx1"/>
+              </a:solidFill>
+              <a:latin typeface="Consolas" panose="020B0609020204030204" pitchFamily="49" charset="0"/>
+            </a:endParaRPr>
+          </a:p>
+        </p:txBody>
+      </p:sp>
+      <p:sp>
+        <p:nvSpPr>
+          <p:cNvPr id="54" name="TextBox 53">
+            <a:extLst>
+              <a:ext uri="{FF2B5EF4-FFF2-40B4-BE49-F238E27FC236}">
+                <a16:creationId xmlns:a16="http://schemas.microsoft.com/office/drawing/2014/main" id="{7329C122-D03D-49E2-BB6B-CA013DF9946B}"/>
+              </a:ext>
+            </a:extLst>
+          </p:cNvPr>
+          <p:cNvSpPr txBox="1"/>
+          <p:nvPr/>
+        </p:nvSpPr>
+        <p:spPr>
+          <a:xfrm>
+            <a:off x="538918" y="170629"/>
+            <a:ext cx="1830950" cy="421782"/>
+          </a:xfrm>
+          <a:prstGeom prst="rect">
+            <a:avLst/>
+          </a:prstGeom>
+          <a:noFill/>
+        </p:spPr>
+        <p:txBody>
+          <a:bodyPr wrap="none" rtlCol="0">
+            <a:spAutoFit/>
+          </a:bodyPr>
+          <a:lstStyle/>
+          <a:p>
+            <a:pPr algn="l">
+              <a:lnSpc>
+                <a:spcPct val="130000"/>
+              </a:lnSpc>
+              <a:buClr>
+                <a:srgbClr val="C5003D"/>
+              </a:buClr>
+            </a:pPr>
+            <a:r>
+              <a:rPr lang="en-US" altLang="ko-KR" sz="1800">
+                <a:solidFill>
+                  <a:schemeClr val="tx1"/>
+                </a:solidFill>
+                <a:latin typeface="Consolas" panose="020B0609020204030204" pitchFamily="49" charset="0"/>
+                <a:ea typeface="+mn-ea"/>
+              </a:rPr>
+              <a:t>encoder_layer</a:t>
+            </a:r>
+            <a:endParaRPr lang="ko-KR" altLang="en-US" sz="1800">
+              <a:solidFill>
+                <a:schemeClr val="tx1"/>
+              </a:solidFill>
+              <a:latin typeface="Consolas" panose="020B0609020204030204" pitchFamily="49" charset="0"/>
+              <a:ea typeface="+mn-ea"/>
+            </a:endParaRPr>
+          </a:p>
+        </p:txBody>
+      </p:sp>
+      <p:sp>
+        <p:nvSpPr>
+          <p:cNvPr id="148" name="직사각형 147">
+            <a:extLst>
+              <a:ext uri="{FF2B5EF4-FFF2-40B4-BE49-F238E27FC236}">
+                <a16:creationId xmlns:a16="http://schemas.microsoft.com/office/drawing/2014/main" id="{A4838F88-0509-4C17-B03D-71658F0AFAB4}"/>
+              </a:ext>
+            </a:extLst>
+          </p:cNvPr>
+          <p:cNvSpPr/>
+          <p:nvPr/>
+        </p:nvSpPr>
+        <p:spPr>
+          <a:xfrm>
+            <a:off x="7345140" y="4945026"/>
+            <a:ext cx="2516863" cy="403631"/>
+          </a:xfrm>
+          <a:prstGeom prst="rect">
+            <a:avLst/>
+          </a:prstGeom>
+          <a:solidFill>
+            <a:srgbClr val="FFFFCC"/>
+          </a:solidFill>
+          <a:ln w="19050">
+            <a:solidFill>
+              <a:srgbClr val="FFC000"/>
+            </a:solidFill>
+          </a:ln>
+        </p:spPr>
+        <p:style>
+          <a:lnRef idx="2">
+            <a:schemeClr val="accent1">
+              <a:shade val="50000"/>
+            </a:schemeClr>
+          </a:lnRef>
+          <a:fillRef idx="1">
+            <a:schemeClr val="accent1"/>
+          </a:fillRef>
+          <a:effectRef idx="0">
+            <a:schemeClr val="accent1"/>
+          </a:effectRef>
+          <a:fontRef idx="minor">
+            <a:schemeClr val="lt1"/>
+          </a:fontRef>
+        </p:style>
+        <p:txBody>
+          <a:bodyPr rtlCol="0" anchor="ctr"/>
+          <a:lstStyle/>
+          <a:p>
+            <a:pPr algn="ctr"/>
+            <a:r>
+              <a:rPr lang="en-US" altLang="ko-KR" sz="1200">
+                <a:solidFill>
+                  <a:schemeClr val="tx1"/>
+                </a:solidFill>
+                <a:latin typeface="Consolas" panose="020B0609020204030204" pitchFamily="49" charset="0"/>
+              </a:rPr>
+              <a:t>MultiHeadAttention(Masked)</a:t>
+            </a:r>
+            <a:endParaRPr lang="ko-KR" altLang="en-US" sz="1200">
+              <a:solidFill>
+                <a:schemeClr val="tx1"/>
+              </a:solidFill>
+              <a:latin typeface="Consolas" panose="020B0609020204030204" pitchFamily="49" charset="0"/>
+            </a:endParaRPr>
+          </a:p>
+        </p:txBody>
+      </p:sp>
+      <p:sp>
+        <p:nvSpPr>
+          <p:cNvPr id="149" name="직사각형 148">
+            <a:extLst>
+              <a:ext uri="{FF2B5EF4-FFF2-40B4-BE49-F238E27FC236}">
+                <a16:creationId xmlns:a16="http://schemas.microsoft.com/office/drawing/2014/main" id="{15EE306D-DCB0-427D-80DA-68E51AB30E27}"/>
+              </a:ext>
+            </a:extLst>
+          </p:cNvPr>
+          <p:cNvSpPr/>
+          <p:nvPr/>
+        </p:nvSpPr>
+        <p:spPr>
+          <a:xfrm>
+            <a:off x="7345140" y="4245419"/>
+            <a:ext cx="2516863" cy="403631"/>
+          </a:xfrm>
+          <a:prstGeom prst="rect">
+            <a:avLst/>
+          </a:prstGeom>
+          <a:solidFill>
+            <a:srgbClr val="FFFFCC"/>
+          </a:solidFill>
+          <a:ln w="19050">
+            <a:solidFill>
+              <a:srgbClr val="FFC000"/>
+            </a:solidFill>
+          </a:ln>
+        </p:spPr>
+        <p:style>
+          <a:lnRef idx="2">
+            <a:schemeClr val="accent1">
+              <a:shade val="50000"/>
+            </a:schemeClr>
+          </a:lnRef>
+          <a:fillRef idx="1">
+            <a:schemeClr val="accent1"/>
+          </a:fillRef>
+          <a:effectRef idx="0">
+            <a:schemeClr val="accent1"/>
+          </a:effectRef>
+          <a:fontRef idx="minor">
+            <a:schemeClr val="lt1"/>
+          </a:fontRef>
+        </p:style>
+        <p:txBody>
+          <a:bodyPr rtlCol="0" anchor="ctr"/>
+          <a:lstStyle/>
+          <a:p>
+            <a:pPr algn="ctr"/>
+            <a:r>
+              <a:rPr lang="en-US" altLang="ko-KR" sz="1800">
+                <a:solidFill>
+                  <a:schemeClr val="tx1"/>
+                </a:solidFill>
+                <a:latin typeface="Consolas" panose="020B0609020204030204" pitchFamily="49" charset="0"/>
+              </a:rPr>
+              <a:t>LayerNormalization</a:t>
+            </a:r>
+            <a:endParaRPr lang="ko-KR" altLang="en-US" sz="1800">
+              <a:solidFill>
+                <a:schemeClr val="tx1"/>
+              </a:solidFill>
+              <a:latin typeface="Consolas" panose="020B0609020204030204" pitchFamily="49" charset="0"/>
+            </a:endParaRPr>
+          </a:p>
+        </p:txBody>
+      </p:sp>
+      <p:sp>
+        <p:nvSpPr>
+          <p:cNvPr id="151" name="직사각형 150">
+            <a:extLst>
+              <a:ext uri="{FF2B5EF4-FFF2-40B4-BE49-F238E27FC236}">
+                <a16:creationId xmlns:a16="http://schemas.microsoft.com/office/drawing/2014/main" id="{333CECE3-8FAA-4C1E-8A4D-BB1F09FCA308}"/>
+              </a:ext>
+            </a:extLst>
+          </p:cNvPr>
+          <p:cNvSpPr/>
+          <p:nvPr/>
+        </p:nvSpPr>
+        <p:spPr>
+          <a:xfrm>
+            <a:off x="7340347" y="6755339"/>
+            <a:ext cx="2516863" cy="403631"/>
+          </a:xfrm>
+          <a:prstGeom prst="rect">
+            <a:avLst/>
+          </a:prstGeom>
+          <a:solidFill>
+            <a:srgbClr val="FFFFCC"/>
+          </a:solidFill>
+          <a:ln w="19050">
+            <a:solidFill>
+              <a:srgbClr val="FFC000"/>
+            </a:solidFill>
+          </a:ln>
+        </p:spPr>
+        <p:style>
+          <a:lnRef idx="2">
+            <a:schemeClr val="accent1">
+              <a:shade val="50000"/>
+            </a:schemeClr>
+          </a:lnRef>
+          <a:fillRef idx="1">
+            <a:schemeClr val="accent1"/>
+          </a:fillRef>
+          <a:effectRef idx="0">
+            <a:schemeClr val="accent1"/>
+          </a:effectRef>
+          <a:fontRef idx="minor">
+            <a:schemeClr val="lt1"/>
+          </a:fontRef>
+        </p:style>
+        <p:txBody>
+          <a:bodyPr rtlCol="0" anchor="ctr"/>
+          <a:lstStyle/>
+          <a:p>
+            <a:pPr algn="ctr"/>
+            <a:r>
+              <a:rPr lang="en-US" altLang="ko-KR" sz="1800">
+                <a:solidFill>
+                  <a:schemeClr val="tx1"/>
+                </a:solidFill>
+                <a:latin typeface="Consolas" panose="020B0609020204030204" pitchFamily="49" charset="0"/>
+              </a:rPr>
+              <a:t>Input</a:t>
+            </a:r>
+            <a:endParaRPr lang="ko-KR" altLang="en-US" sz="1800">
+              <a:solidFill>
+                <a:schemeClr val="tx1"/>
+              </a:solidFill>
+              <a:latin typeface="Consolas" panose="020B0609020204030204" pitchFamily="49" charset="0"/>
+            </a:endParaRPr>
+          </a:p>
+        </p:txBody>
+      </p:sp>
+      <p:cxnSp>
+        <p:nvCxnSpPr>
+          <p:cNvPr id="154" name="직선 화살표 연결선 153">
+            <a:extLst>
+              <a:ext uri="{FF2B5EF4-FFF2-40B4-BE49-F238E27FC236}">
+                <a16:creationId xmlns:a16="http://schemas.microsoft.com/office/drawing/2014/main" id="{9FBDC8AF-7944-41BA-9C01-EB9AF320730A}"/>
+              </a:ext>
+            </a:extLst>
+          </p:cNvPr>
+          <p:cNvCxnSpPr>
+            <a:cxnSpLocks/>
+            <a:stCxn id="151" idx="0"/>
+            <a:endCxn id="214" idx="2"/>
+          </p:cNvCxnSpPr>
+          <p:nvPr/>
+        </p:nvCxnSpPr>
+        <p:spPr>
+          <a:xfrm flipV="1">
+            <a:off x="8598779" y="6610952"/>
+            <a:ext cx="0" cy="144387"/>
+          </a:xfrm>
+          <a:prstGeom prst="straightConnector1">
+            <a:avLst/>
+          </a:prstGeom>
+          <a:ln>
+            <a:solidFill>
+              <a:srgbClr val="002060"/>
+            </a:solidFill>
+            <a:headEnd type="none" w="med" len="med"/>
+            <a:tailEnd type="triangle"/>
+          </a:ln>
+        </p:spPr>
+        <p:style>
+          <a:lnRef idx="1">
+            <a:schemeClr val="accent1"/>
+          </a:lnRef>
+          <a:fillRef idx="0">
+            <a:schemeClr val="accent1"/>
+          </a:fillRef>
+          <a:effectRef idx="0">
+            <a:schemeClr val="accent1"/>
+          </a:effectRef>
+          <a:fontRef idx="minor">
+            <a:schemeClr val="tx1"/>
+          </a:fontRef>
+        </p:style>
+      </p:cxnSp>
+      <p:sp>
+        <p:nvSpPr>
+          <p:cNvPr id="155" name="TextBox 154">
+            <a:extLst>
+              <a:ext uri="{FF2B5EF4-FFF2-40B4-BE49-F238E27FC236}">
+                <a16:creationId xmlns:a16="http://schemas.microsoft.com/office/drawing/2014/main" id="{4B07BA24-CDE5-4107-A92A-9E1CB83B776B}"/>
+              </a:ext>
+            </a:extLst>
+          </p:cNvPr>
+          <p:cNvSpPr txBox="1"/>
+          <p:nvPr/>
+        </p:nvSpPr>
+        <p:spPr>
+          <a:xfrm>
+            <a:off x="9864598" y="6745427"/>
+            <a:ext cx="1577676" cy="289297"/>
+          </a:xfrm>
+          <a:prstGeom prst="rect">
+            <a:avLst/>
+          </a:prstGeom>
+          <a:noFill/>
+        </p:spPr>
+        <p:txBody>
+          <a:bodyPr wrap="none" rtlCol="0">
+            <a:spAutoFit/>
+          </a:bodyPr>
+          <a:lstStyle/>
+          <a:p>
+            <a:pPr algn="l">
+              <a:lnSpc>
+                <a:spcPct val="130000"/>
+              </a:lnSpc>
+              <a:buClr>
+                <a:srgbClr val="C5003D"/>
+              </a:buClr>
+            </a:pPr>
+            <a:r>
+              <a:rPr lang="en-US" altLang="ko-KR" sz="1800">
+                <a:solidFill>
+                  <a:schemeClr val="tx1"/>
+                </a:solidFill>
+                <a:latin typeface="Consolas" panose="020B0609020204030204" pitchFamily="49" charset="0"/>
+                <a:ea typeface="+mn-ea"/>
+              </a:rPr>
+              <a:t>(11000, 40)</a:t>
+            </a:r>
+            <a:endParaRPr lang="ko-KR" altLang="en-US" sz="1800">
+              <a:solidFill>
+                <a:schemeClr val="tx1"/>
+              </a:solidFill>
+              <a:latin typeface="Consolas" panose="020B0609020204030204" pitchFamily="49" charset="0"/>
+              <a:ea typeface="+mn-ea"/>
+            </a:endParaRPr>
+          </a:p>
+        </p:txBody>
+      </p:sp>
+      <p:cxnSp>
+        <p:nvCxnSpPr>
+          <p:cNvPr id="157" name="직선 화살표 연결선 156">
+            <a:extLst>
+              <a:ext uri="{FF2B5EF4-FFF2-40B4-BE49-F238E27FC236}">
+                <a16:creationId xmlns:a16="http://schemas.microsoft.com/office/drawing/2014/main" id="{19B89544-EDE6-4D9F-B4AE-8E491A647DCC}"/>
+              </a:ext>
+            </a:extLst>
+          </p:cNvPr>
+          <p:cNvCxnSpPr>
+            <a:cxnSpLocks/>
+            <a:stCxn id="148" idx="0"/>
+            <a:endCxn id="149" idx="2"/>
+          </p:cNvCxnSpPr>
+          <p:nvPr/>
+        </p:nvCxnSpPr>
+        <p:spPr>
+          <a:xfrm flipV="1">
+            <a:off x="8603572" y="4649050"/>
+            <a:ext cx="0" cy="295976"/>
+          </a:xfrm>
+          <a:prstGeom prst="straightConnector1">
+            <a:avLst/>
+          </a:prstGeom>
+          <a:ln>
+            <a:solidFill>
+              <a:srgbClr val="002060"/>
+            </a:solidFill>
+            <a:headEnd type="none" w="med" len="med"/>
+            <a:tailEnd type="triangle"/>
+          </a:ln>
+        </p:spPr>
+        <p:style>
+          <a:lnRef idx="1">
+            <a:schemeClr val="accent1"/>
+          </a:lnRef>
+          <a:fillRef idx="0">
+            <a:schemeClr val="accent1"/>
+          </a:fillRef>
+          <a:effectRef idx="0">
+            <a:schemeClr val="accent1"/>
+          </a:effectRef>
+          <a:fontRef idx="minor">
+            <a:schemeClr val="tx1"/>
+          </a:fontRef>
+        </p:style>
+      </p:cxnSp>
+      <p:sp>
+        <p:nvSpPr>
+          <p:cNvPr id="158" name="타원 157">
+            <a:extLst>
+              <a:ext uri="{FF2B5EF4-FFF2-40B4-BE49-F238E27FC236}">
+                <a16:creationId xmlns:a16="http://schemas.microsoft.com/office/drawing/2014/main" id="{1A46AEBB-5495-4530-BEA3-FD8C71120B9F}"/>
+              </a:ext>
+            </a:extLst>
+          </p:cNvPr>
+          <p:cNvSpPr/>
+          <p:nvPr/>
+        </p:nvSpPr>
+        <p:spPr>
+          <a:xfrm>
+            <a:off x="8603571" y="4791871"/>
+            <a:ext cx="70163" cy="48124"/>
+          </a:xfrm>
+          <a:prstGeom prst="ellipse">
+            <a:avLst/>
+          </a:prstGeom>
+          <a:noFill/>
+          <a:ln w="19050">
+            <a:noFill/>
+          </a:ln>
+        </p:spPr>
+        <p:style>
+          <a:lnRef idx="2">
+            <a:schemeClr val="accent1">
+              <a:shade val="50000"/>
+            </a:schemeClr>
+          </a:lnRef>
+          <a:fillRef idx="1">
+            <a:schemeClr val="accent1"/>
+          </a:fillRef>
+          <a:effectRef idx="0">
+            <a:schemeClr val="accent1"/>
+          </a:effectRef>
+          <a:fontRef idx="minor">
+            <a:schemeClr val="lt1"/>
+          </a:fontRef>
+        </p:style>
+        <p:txBody>
+          <a:bodyPr rtlCol="0" anchor="ctr"/>
+          <a:lstStyle/>
+          <a:p>
+            <a:pPr algn="ctr"/>
+            <a:endParaRPr lang="ko-KR" altLang="en-US" sz="1800">
+              <a:solidFill>
+                <a:schemeClr val="tx1"/>
+              </a:solidFill>
+              <a:latin typeface="Consolas" panose="020B0609020204030204" pitchFamily="49" charset="0"/>
+            </a:endParaRPr>
+          </a:p>
+        </p:txBody>
+      </p:sp>
+      <p:sp>
+        <p:nvSpPr>
+          <p:cNvPr id="159" name="타원 158">
+            <a:extLst>
+              <a:ext uri="{FF2B5EF4-FFF2-40B4-BE49-F238E27FC236}">
+                <a16:creationId xmlns:a16="http://schemas.microsoft.com/office/drawing/2014/main" id="{F030E9C7-93CE-40E8-92B5-ADC1181D28EA}"/>
+              </a:ext>
+            </a:extLst>
+          </p:cNvPr>
+          <p:cNvSpPr/>
+          <p:nvPr/>
+        </p:nvSpPr>
+        <p:spPr>
+          <a:xfrm>
+            <a:off x="8601305" y="5482166"/>
+            <a:ext cx="70163" cy="48124"/>
+          </a:xfrm>
+          <a:prstGeom prst="ellipse">
+            <a:avLst/>
+          </a:prstGeom>
+          <a:noFill/>
+          <a:ln w="19050">
+            <a:noFill/>
+          </a:ln>
+        </p:spPr>
+        <p:style>
+          <a:lnRef idx="2">
+            <a:schemeClr val="accent1">
+              <a:shade val="50000"/>
+            </a:schemeClr>
+          </a:lnRef>
+          <a:fillRef idx="1">
+            <a:schemeClr val="accent1"/>
+          </a:fillRef>
+          <a:effectRef idx="0">
+            <a:schemeClr val="accent1"/>
+          </a:effectRef>
+          <a:fontRef idx="minor">
+            <a:schemeClr val="lt1"/>
+          </a:fontRef>
+        </p:style>
+        <p:txBody>
+          <a:bodyPr rtlCol="0" anchor="ctr"/>
+          <a:lstStyle/>
+          <a:p>
+            <a:pPr algn="ctr"/>
+            <a:endParaRPr lang="ko-KR" altLang="en-US" sz="1800">
+              <a:solidFill>
+                <a:schemeClr val="tx1"/>
+              </a:solidFill>
+              <a:latin typeface="Consolas" panose="020B0609020204030204" pitchFamily="49" charset="0"/>
+            </a:endParaRPr>
+          </a:p>
+        </p:txBody>
+      </p:sp>
+      <p:cxnSp>
+        <p:nvCxnSpPr>
+          <p:cNvPr id="160" name="연결선: 꺾임 159">
+            <a:extLst>
+              <a:ext uri="{FF2B5EF4-FFF2-40B4-BE49-F238E27FC236}">
+                <a16:creationId xmlns:a16="http://schemas.microsoft.com/office/drawing/2014/main" id="{480D3CBA-4772-48CB-A37E-4A06A9A68C93}"/>
+              </a:ext>
+            </a:extLst>
+          </p:cNvPr>
+          <p:cNvCxnSpPr>
+            <a:stCxn id="159" idx="2"/>
+            <a:endCxn id="158" idx="2"/>
+          </p:cNvCxnSpPr>
+          <p:nvPr/>
+        </p:nvCxnSpPr>
+        <p:spPr>
+          <a:xfrm rot="10800000" flipH="1">
+            <a:off x="8601305" y="4815934"/>
+            <a:ext cx="2266" cy="690295"/>
+          </a:xfrm>
+          <a:prstGeom prst="bentConnector3">
+            <a:avLst>
+              <a:gd name="adj1" fmla="val -61591483"/>
+            </a:avLst>
+          </a:prstGeom>
+          <a:ln>
+            <a:solidFill>
+              <a:srgbClr val="002060"/>
+            </a:solidFill>
+            <a:headEnd type="none" w="med" len="med"/>
+            <a:tailEnd type="none" w="med" len="med"/>
+          </a:ln>
+        </p:spPr>
+        <p:style>
+          <a:lnRef idx="1">
+            <a:schemeClr val="accent1"/>
+          </a:lnRef>
+          <a:fillRef idx="0">
+            <a:schemeClr val="accent1"/>
+          </a:fillRef>
+          <a:effectRef idx="0">
+            <a:schemeClr val="accent1"/>
+          </a:effectRef>
+          <a:fontRef idx="minor">
+            <a:schemeClr val="tx1"/>
+          </a:fontRef>
+        </p:style>
+      </p:cxnSp>
+      <p:cxnSp>
+        <p:nvCxnSpPr>
+          <p:cNvPr id="161" name="직선 화살표 연결선 160">
+            <a:extLst>
+              <a:ext uri="{FF2B5EF4-FFF2-40B4-BE49-F238E27FC236}">
+                <a16:creationId xmlns:a16="http://schemas.microsoft.com/office/drawing/2014/main" id="{80E95186-863E-42B1-8E10-6C4BDAF8509D}"/>
+              </a:ext>
+            </a:extLst>
+          </p:cNvPr>
+          <p:cNvCxnSpPr>
+            <a:cxnSpLocks/>
+          </p:cNvCxnSpPr>
+          <p:nvPr/>
+        </p:nvCxnSpPr>
+        <p:spPr>
+          <a:xfrm flipV="1">
+            <a:off x="9253278" y="4035395"/>
+            <a:ext cx="0" cy="201815"/>
+          </a:xfrm>
+          <a:prstGeom prst="straightConnector1">
+            <a:avLst/>
+          </a:prstGeom>
+          <a:ln>
+            <a:solidFill>
+              <a:srgbClr val="002060"/>
+            </a:solidFill>
+            <a:headEnd type="none" w="med" len="med"/>
+            <a:tailEnd type="triangle"/>
+          </a:ln>
+        </p:spPr>
+        <p:style>
+          <a:lnRef idx="1">
+            <a:schemeClr val="accent1"/>
+          </a:lnRef>
+          <a:fillRef idx="0">
+            <a:schemeClr val="accent1"/>
+          </a:fillRef>
+          <a:effectRef idx="0">
+            <a:schemeClr val="accent1"/>
+          </a:effectRef>
+          <a:fontRef idx="minor">
+            <a:schemeClr val="tx1"/>
+          </a:fontRef>
+        </p:style>
+      </p:cxnSp>
+      <p:sp>
+        <p:nvSpPr>
+          <p:cNvPr id="162" name="직사각형 161">
+            <a:extLst>
+              <a:ext uri="{FF2B5EF4-FFF2-40B4-BE49-F238E27FC236}">
+                <a16:creationId xmlns:a16="http://schemas.microsoft.com/office/drawing/2014/main" id="{A50468E9-C776-4290-B029-7ACC04CCBBFA}"/>
+              </a:ext>
+            </a:extLst>
+          </p:cNvPr>
+          <p:cNvSpPr/>
+          <p:nvPr/>
+        </p:nvSpPr>
+        <p:spPr>
+          <a:xfrm>
+            <a:off x="7347735" y="1857301"/>
+            <a:ext cx="2516863" cy="403631"/>
+          </a:xfrm>
+          <a:prstGeom prst="rect">
+            <a:avLst/>
+          </a:prstGeom>
+          <a:solidFill>
+            <a:srgbClr val="FFFFCC"/>
+          </a:solidFill>
+          <a:ln w="19050">
+            <a:solidFill>
+              <a:srgbClr val="FFC000"/>
+            </a:solidFill>
+          </a:ln>
+        </p:spPr>
+        <p:style>
+          <a:lnRef idx="2">
+            <a:schemeClr val="accent1">
+              <a:shade val="50000"/>
+            </a:schemeClr>
+          </a:lnRef>
+          <a:fillRef idx="1">
+            <a:schemeClr val="accent1"/>
+          </a:fillRef>
+          <a:effectRef idx="0">
+            <a:schemeClr val="accent1"/>
+          </a:effectRef>
+          <a:fontRef idx="minor">
+            <a:schemeClr val="lt1"/>
+          </a:fontRef>
+        </p:style>
+        <p:txBody>
+          <a:bodyPr rtlCol="0" anchor="ctr"/>
+          <a:lstStyle/>
+          <a:p>
+            <a:pPr algn="ctr"/>
+            <a:r>
+              <a:rPr lang="en-US" altLang="ko-KR" sz="1800">
+                <a:solidFill>
+                  <a:schemeClr val="tx1"/>
+                </a:solidFill>
+                <a:latin typeface="Consolas" panose="020B0609020204030204" pitchFamily="49" charset="0"/>
+              </a:rPr>
+              <a:t>Dense</a:t>
+            </a:r>
+            <a:endParaRPr lang="ko-KR" altLang="en-US" sz="1800">
+              <a:solidFill>
+                <a:schemeClr val="tx1"/>
+              </a:solidFill>
+              <a:latin typeface="Consolas" panose="020B0609020204030204" pitchFamily="49" charset="0"/>
+            </a:endParaRPr>
+          </a:p>
+        </p:txBody>
+      </p:sp>
+      <p:sp>
+        <p:nvSpPr>
+          <p:cNvPr id="163" name="직사각형 162">
+            <a:extLst>
+              <a:ext uri="{FF2B5EF4-FFF2-40B4-BE49-F238E27FC236}">
+                <a16:creationId xmlns:a16="http://schemas.microsoft.com/office/drawing/2014/main" id="{4595F480-9459-4962-8F2D-46BC33F69F4F}"/>
+              </a:ext>
+            </a:extLst>
+          </p:cNvPr>
+          <p:cNvSpPr/>
+          <p:nvPr/>
+        </p:nvSpPr>
+        <p:spPr>
+          <a:xfrm>
+            <a:off x="7347735" y="1281099"/>
+            <a:ext cx="2516863" cy="403631"/>
+          </a:xfrm>
+          <a:prstGeom prst="rect">
+            <a:avLst/>
+          </a:prstGeom>
+          <a:solidFill>
+            <a:srgbClr val="FFFFCC"/>
+          </a:solidFill>
+          <a:ln w="19050">
+            <a:solidFill>
+              <a:srgbClr val="FFC000"/>
+            </a:solidFill>
+          </a:ln>
+        </p:spPr>
+        <p:style>
+          <a:lnRef idx="2">
+            <a:schemeClr val="accent1">
+              <a:shade val="50000"/>
+            </a:schemeClr>
+          </a:lnRef>
+          <a:fillRef idx="1">
+            <a:schemeClr val="accent1"/>
+          </a:fillRef>
+          <a:effectRef idx="0">
+            <a:schemeClr val="accent1"/>
+          </a:effectRef>
+          <a:fontRef idx="minor">
+            <a:schemeClr val="lt1"/>
+          </a:fontRef>
+        </p:style>
+        <p:txBody>
+          <a:bodyPr rtlCol="0" anchor="ctr"/>
+          <a:lstStyle/>
+          <a:p>
+            <a:pPr algn="ctr"/>
+            <a:r>
+              <a:rPr lang="en-US" altLang="ko-KR" sz="1800">
+                <a:solidFill>
+                  <a:schemeClr val="tx1"/>
+                </a:solidFill>
+                <a:latin typeface="Consolas" panose="020B0609020204030204" pitchFamily="49" charset="0"/>
+              </a:rPr>
+              <a:t>Dense</a:t>
+            </a:r>
+            <a:endParaRPr lang="ko-KR" altLang="en-US" sz="1800">
+              <a:solidFill>
+                <a:schemeClr val="tx1"/>
+              </a:solidFill>
+              <a:latin typeface="Consolas" panose="020B0609020204030204" pitchFamily="49" charset="0"/>
+            </a:endParaRPr>
+          </a:p>
+        </p:txBody>
+      </p:sp>
+      <p:cxnSp>
+        <p:nvCxnSpPr>
+          <p:cNvPr id="164" name="직선 화살표 연결선 163">
+            <a:extLst>
+              <a:ext uri="{FF2B5EF4-FFF2-40B4-BE49-F238E27FC236}">
+                <a16:creationId xmlns:a16="http://schemas.microsoft.com/office/drawing/2014/main" id="{8C740DDA-DE19-4095-A700-AB62D0FA2E13}"/>
+              </a:ext>
+            </a:extLst>
+          </p:cNvPr>
+          <p:cNvCxnSpPr>
+            <a:cxnSpLocks/>
+            <a:stCxn id="162" idx="0"/>
+            <a:endCxn id="163" idx="2"/>
+          </p:cNvCxnSpPr>
+          <p:nvPr/>
+        </p:nvCxnSpPr>
+        <p:spPr>
+          <a:xfrm flipV="1">
+            <a:off x="8606167" y="1684730"/>
+            <a:ext cx="0" cy="172571"/>
+          </a:xfrm>
+          <a:prstGeom prst="straightConnector1">
+            <a:avLst/>
+          </a:prstGeom>
+          <a:ln>
+            <a:solidFill>
+              <a:srgbClr val="002060"/>
+            </a:solidFill>
+            <a:headEnd type="none" w="med" len="med"/>
+            <a:tailEnd type="triangle"/>
+          </a:ln>
+        </p:spPr>
+        <p:style>
+          <a:lnRef idx="1">
+            <a:schemeClr val="accent1"/>
+          </a:lnRef>
+          <a:fillRef idx="0">
+            <a:schemeClr val="accent1"/>
+          </a:fillRef>
+          <a:effectRef idx="0">
+            <a:schemeClr val="accent1"/>
+          </a:effectRef>
+          <a:fontRef idx="minor">
+            <a:schemeClr val="tx1"/>
+          </a:fontRef>
+        </p:style>
+      </p:cxnSp>
+      <p:sp>
+        <p:nvSpPr>
+          <p:cNvPr id="165" name="직사각형 164">
+            <a:extLst>
+              <a:ext uri="{FF2B5EF4-FFF2-40B4-BE49-F238E27FC236}">
+                <a16:creationId xmlns:a16="http://schemas.microsoft.com/office/drawing/2014/main" id="{5593E2A2-5C46-4B46-9322-6F1FDA6FC34C}"/>
+              </a:ext>
+            </a:extLst>
+          </p:cNvPr>
+          <p:cNvSpPr/>
+          <p:nvPr/>
+        </p:nvSpPr>
+        <p:spPr>
+          <a:xfrm>
+            <a:off x="7345140" y="712879"/>
+            <a:ext cx="2516863" cy="403631"/>
+          </a:xfrm>
+          <a:prstGeom prst="rect">
+            <a:avLst/>
+          </a:prstGeom>
+          <a:solidFill>
+            <a:srgbClr val="FFFFCC"/>
+          </a:solidFill>
+          <a:ln w="19050">
+            <a:solidFill>
+              <a:srgbClr val="FFC000"/>
+            </a:solidFill>
+          </a:ln>
+        </p:spPr>
+        <p:style>
+          <a:lnRef idx="2">
+            <a:schemeClr val="accent1">
+              <a:shade val="50000"/>
+            </a:schemeClr>
+          </a:lnRef>
+          <a:fillRef idx="1">
+            <a:schemeClr val="accent1"/>
+          </a:fillRef>
+          <a:effectRef idx="0">
+            <a:schemeClr val="accent1"/>
+          </a:effectRef>
+          <a:fontRef idx="minor">
+            <a:schemeClr val="lt1"/>
+          </a:fontRef>
+        </p:style>
+        <p:txBody>
+          <a:bodyPr rtlCol="0" anchor="ctr"/>
+          <a:lstStyle/>
+          <a:p>
+            <a:pPr algn="ctr"/>
+            <a:r>
+              <a:rPr lang="en-US" altLang="ko-KR" sz="1800">
+                <a:solidFill>
+                  <a:schemeClr val="tx1"/>
+                </a:solidFill>
+                <a:latin typeface="Consolas" panose="020B0609020204030204" pitchFamily="49" charset="0"/>
+              </a:rPr>
+              <a:t>Dropout</a:t>
+            </a:r>
+            <a:endParaRPr lang="ko-KR" altLang="en-US" sz="1800">
+              <a:solidFill>
+                <a:schemeClr val="tx1"/>
+              </a:solidFill>
+              <a:latin typeface="Consolas" panose="020B0609020204030204" pitchFamily="49" charset="0"/>
+            </a:endParaRPr>
+          </a:p>
+        </p:txBody>
+      </p:sp>
+      <p:sp>
+        <p:nvSpPr>
+          <p:cNvPr id="166" name="직사각형 165">
+            <a:extLst>
+              <a:ext uri="{FF2B5EF4-FFF2-40B4-BE49-F238E27FC236}">
+                <a16:creationId xmlns:a16="http://schemas.microsoft.com/office/drawing/2014/main" id="{F87DCAB0-70DC-477E-9035-50C0B96308D1}"/>
+              </a:ext>
+            </a:extLst>
+          </p:cNvPr>
+          <p:cNvSpPr/>
+          <p:nvPr/>
+        </p:nvSpPr>
+        <p:spPr>
+          <a:xfrm>
+            <a:off x="7345140" y="50325"/>
+            <a:ext cx="2516863" cy="403631"/>
+          </a:xfrm>
+          <a:prstGeom prst="rect">
+            <a:avLst/>
+          </a:prstGeom>
+          <a:solidFill>
+            <a:srgbClr val="FFFFCC"/>
+          </a:solidFill>
+          <a:ln w="19050">
+            <a:solidFill>
+              <a:srgbClr val="FFC000"/>
+            </a:solidFill>
+          </a:ln>
+        </p:spPr>
+        <p:style>
+          <a:lnRef idx="2">
+            <a:schemeClr val="accent1">
+              <a:shade val="50000"/>
+            </a:schemeClr>
+          </a:lnRef>
+          <a:fillRef idx="1">
+            <a:schemeClr val="accent1"/>
+          </a:fillRef>
+          <a:effectRef idx="0">
+            <a:schemeClr val="accent1"/>
+          </a:effectRef>
+          <a:fontRef idx="minor">
+            <a:schemeClr val="lt1"/>
+          </a:fontRef>
+        </p:style>
+        <p:txBody>
+          <a:bodyPr rtlCol="0" anchor="ctr"/>
+          <a:lstStyle/>
+          <a:p>
+            <a:pPr algn="ctr"/>
+            <a:r>
+              <a:rPr lang="en-US" altLang="ko-KR" sz="1800">
+                <a:solidFill>
+                  <a:schemeClr val="tx1"/>
+                </a:solidFill>
+                <a:latin typeface="Consolas" panose="020B0609020204030204" pitchFamily="49" charset="0"/>
+              </a:rPr>
+              <a:t>LayerNormalization</a:t>
+            </a:r>
+            <a:endParaRPr lang="ko-KR" altLang="en-US" sz="1800">
+              <a:solidFill>
+                <a:schemeClr val="tx1"/>
+              </a:solidFill>
+              <a:latin typeface="Consolas" panose="020B0609020204030204" pitchFamily="49" charset="0"/>
+            </a:endParaRPr>
+          </a:p>
+        </p:txBody>
+      </p:sp>
+      <p:cxnSp>
+        <p:nvCxnSpPr>
+          <p:cNvPr id="167" name="직선 화살표 연결선 166">
+            <a:extLst>
+              <a:ext uri="{FF2B5EF4-FFF2-40B4-BE49-F238E27FC236}">
+                <a16:creationId xmlns:a16="http://schemas.microsoft.com/office/drawing/2014/main" id="{3BE4587D-8776-4652-8B46-DA00207A0002}"/>
+              </a:ext>
+            </a:extLst>
+          </p:cNvPr>
+          <p:cNvCxnSpPr>
+            <a:cxnSpLocks/>
+            <a:stCxn id="163" idx="0"/>
+            <a:endCxn id="165" idx="2"/>
+          </p:cNvCxnSpPr>
+          <p:nvPr/>
+        </p:nvCxnSpPr>
+        <p:spPr>
+          <a:xfrm flipH="1" flipV="1">
+            <a:off x="8603572" y="1116510"/>
+            <a:ext cx="2595" cy="164589"/>
+          </a:xfrm>
+          <a:prstGeom prst="straightConnector1">
+            <a:avLst/>
+          </a:prstGeom>
+          <a:ln>
+            <a:solidFill>
+              <a:srgbClr val="002060"/>
+            </a:solidFill>
+            <a:headEnd type="none" w="med" len="med"/>
+            <a:tailEnd type="triangle"/>
+          </a:ln>
+        </p:spPr>
+        <p:style>
+          <a:lnRef idx="1">
+            <a:schemeClr val="accent1"/>
+          </a:lnRef>
+          <a:fillRef idx="0">
+            <a:schemeClr val="accent1"/>
+          </a:fillRef>
+          <a:effectRef idx="0">
+            <a:schemeClr val="accent1"/>
+          </a:effectRef>
+          <a:fontRef idx="minor">
+            <a:schemeClr val="tx1"/>
+          </a:fontRef>
+        </p:style>
+      </p:cxnSp>
+      <p:cxnSp>
+        <p:nvCxnSpPr>
+          <p:cNvPr id="168" name="직선 화살표 연결선 167">
+            <a:extLst>
+              <a:ext uri="{FF2B5EF4-FFF2-40B4-BE49-F238E27FC236}">
+                <a16:creationId xmlns:a16="http://schemas.microsoft.com/office/drawing/2014/main" id="{CEBA3EFD-2502-4016-844E-8A02AE8D808F}"/>
+              </a:ext>
+            </a:extLst>
+          </p:cNvPr>
+          <p:cNvCxnSpPr>
+            <a:cxnSpLocks/>
+            <a:stCxn id="165" idx="0"/>
+            <a:endCxn id="166" idx="2"/>
+          </p:cNvCxnSpPr>
+          <p:nvPr/>
+        </p:nvCxnSpPr>
+        <p:spPr>
+          <a:xfrm flipV="1">
+            <a:off x="8603572" y="453956"/>
+            <a:ext cx="0" cy="258923"/>
+          </a:xfrm>
+          <a:prstGeom prst="straightConnector1">
+            <a:avLst/>
+          </a:prstGeom>
+          <a:ln>
+            <a:solidFill>
+              <a:srgbClr val="002060"/>
+            </a:solidFill>
+            <a:headEnd type="none" w="med" len="med"/>
+            <a:tailEnd type="triangle"/>
+          </a:ln>
+        </p:spPr>
+        <p:style>
+          <a:lnRef idx="1">
+            <a:schemeClr val="accent1"/>
+          </a:lnRef>
+          <a:fillRef idx="0">
+            <a:schemeClr val="accent1"/>
+          </a:fillRef>
+          <a:effectRef idx="0">
+            <a:schemeClr val="accent1"/>
+          </a:effectRef>
+          <a:fontRef idx="minor">
+            <a:schemeClr val="tx1"/>
+          </a:fontRef>
+        </p:style>
+      </p:cxnSp>
+      <p:sp>
+        <p:nvSpPr>
+          <p:cNvPr id="169" name="타원 168">
+            <a:extLst>
+              <a:ext uri="{FF2B5EF4-FFF2-40B4-BE49-F238E27FC236}">
+                <a16:creationId xmlns:a16="http://schemas.microsoft.com/office/drawing/2014/main" id="{1B8B0E41-E69C-425A-A5C0-931CCDE5138A}"/>
+              </a:ext>
+            </a:extLst>
+          </p:cNvPr>
+          <p:cNvSpPr/>
+          <p:nvPr/>
+        </p:nvSpPr>
+        <p:spPr>
+          <a:xfrm>
+            <a:off x="8635253" y="333618"/>
+            <a:ext cx="70163" cy="48124"/>
+          </a:xfrm>
+          <a:prstGeom prst="ellipse">
+            <a:avLst/>
+          </a:prstGeom>
+          <a:noFill/>
+          <a:ln w="19050">
+            <a:noFill/>
+          </a:ln>
+        </p:spPr>
+        <p:style>
+          <a:lnRef idx="2">
+            <a:schemeClr val="accent1">
+              <a:shade val="50000"/>
+            </a:schemeClr>
+          </a:lnRef>
+          <a:fillRef idx="1">
+            <a:schemeClr val="accent1"/>
+          </a:fillRef>
+          <a:effectRef idx="0">
+            <a:schemeClr val="accent1"/>
+          </a:effectRef>
+          <a:fontRef idx="minor">
+            <a:schemeClr val="lt1"/>
+          </a:fontRef>
+        </p:style>
+        <p:txBody>
+          <a:bodyPr rtlCol="0" anchor="ctr"/>
+          <a:lstStyle/>
+          <a:p>
+            <a:pPr algn="ctr"/>
+            <a:endParaRPr lang="ko-KR" altLang="en-US" sz="1800">
+              <a:solidFill>
+                <a:schemeClr val="tx1"/>
+              </a:solidFill>
+              <a:latin typeface="Consolas" panose="020B0609020204030204" pitchFamily="49" charset="0"/>
+            </a:endParaRPr>
+          </a:p>
+        </p:txBody>
+      </p:sp>
+      <p:sp>
+        <p:nvSpPr>
+          <p:cNvPr id="170" name="직사각형 169">
+            <a:extLst>
+              <a:ext uri="{FF2B5EF4-FFF2-40B4-BE49-F238E27FC236}">
+                <a16:creationId xmlns:a16="http://schemas.microsoft.com/office/drawing/2014/main" id="{A3ED2A95-801F-43B8-BA70-D50186FF2E49}"/>
+              </a:ext>
+            </a:extLst>
+          </p:cNvPr>
+          <p:cNvSpPr/>
+          <p:nvPr/>
+        </p:nvSpPr>
+        <p:spPr>
+          <a:xfrm>
+            <a:off x="6394527" y="-32079"/>
+            <a:ext cx="3811508" cy="5608977"/>
+          </a:xfrm>
+          <a:prstGeom prst="rect">
+            <a:avLst/>
+          </a:prstGeom>
+          <a:noFill/>
+          <a:ln w="19050">
+            <a:solidFill>
+              <a:srgbClr val="FFC000"/>
+            </a:solidFill>
+          </a:ln>
+        </p:spPr>
+        <p:style>
+          <a:lnRef idx="2">
+            <a:schemeClr val="accent1">
+              <a:shade val="50000"/>
+            </a:schemeClr>
+          </a:lnRef>
+          <a:fillRef idx="1">
+            <a:schemeClr val="accent1"/>
+          </a:fillRef>
+          <a:effectRef idx="0">
+            <a:schemeClr val="accent1"/>
+          </a:effectRef>
+          <a:fontRef idx="minor">
+            <a:schemeClr val="lt1"/>
+          </a:fontRef>
+        </p:style>
+        <p:txBody>
+          <a:bodyPr rtlCol="0" anchor="ctr"/>
+          <a:lstStyle/>
+          <a:p>
+            <a:pPr algn="ctr"/>
+            <a:endParaRPr lang="ko-KR" altLang="en-US" sz="1800">
+              <a:solidFill>
+                <a:schemeClr val="tx1"/>
+              </a:solidFill>
+              <a:latin typeface="Consolas" panose="020B0609020204030204" pitchFamily="49" charset="0"/>
+            </a:endParaRPr>
+          </a:p>
+        </p:txBody>
+      </p:sp>
+      <p:sp>
+        <p:nvSpPr>
+          <p:cNvPr id="171" name="직사각형 170">
+            <a:extLst>
+              <a:ext uri="{FF2B5EF4-FFF2-40B4-BE49-F238E27FC236}">
+                <a16:creationId xmlns:a16="http://schemas.microsoft.com/office/drawing/2014/main" id="{DE3B8737-DEAA-4452-B636-C19DD7980698}"/>
+              </a:ext>
+            </a:extLst>
+          </p:cNvPr>
+          <p:cNvSpPr/>
+          <p:nvPr/>
+        </p:nvSpPr>
+        <p:spPr>
+          <a:xfrm>
+            <a:off x="7345140" y="3621383"/>
+            <a:ext cx="2516863" cy="403631"/>
+          </a:xfrm>
+          <a:prstGeom prst="rect">
+            <a:avLst/>
+          </a:prstGeom>
+          <a:solidFill>
+            <a:srgbClr val="FFFFCC"/>
+          </a:solidFill>
+          <a:ln w="19050">
+            <a:solidFill>
+              <a:srgbClr val="FFC000"/>
+            </a:solidFill>
+          </a:ln>
+        </p:spPr>
+        <p:style>
+          <a:lnRef idx="2">
+            <a:schemeClr val="accent1">
+              <a:shade val="50000"/>
+            </a:schemeClr>
+          </a:lnRef>
+          <a:fillRef idx="1">
+            <a:schemeClr val="accent1"/>
+          </a:fillRef>
+          <a:effectRef idx="0">
+            <a:schemeClr val="accent1"/>
+          </a:effectRef>
+          <a:fontRef idx="minor">
+            <a:schemeClr val="lt1"/>
+          </a:fontRef>
+        </p:style>
+        <p:txBody>
+          <a:bodyPr rtlCol="0" anchor="ctr"/>
+          <a:lstStyle/>
+          <a:p>
+            <a:pPr algn="ctr"/>
+            <a:r>
+              <a:rPr lang="en-US" altLang="ko-KR">
+                <a:solidFill>
+                  <a:schemeClr val="tx1"/>
+                </a:solidFill>
+                <a:latin typeface="Consolas" panose="020B0609020204030204" pitchFamily="49" charset="0"/>
+              </a:rPr>
+              <a:t>MultiHeadAttention</a:t>
+            </a:r>
+            <a:endParaRPr lang="ko-KR" altLang="en-US">
+              <a:solidFill>
+                <a:schemeClr val="tx1"/>
+              </a:solidFill>
+              <a:latin typeface="Consolas" panose="020B0609020204030204" pitchFamily="49" charset="0"/>
+            </a:endParaRPr>
+          </a:p>
+        </p:txBody>
+      </p:sp>
+      <p:cxnSp>
+        <p:nvCxnSpPr>
+          <p:cNvPr id="172" name="직선 화살표 연결선 171">
+            <a:extLst>
+              <a:ext uri="{FF2B5EF4-FFF2-40B4-BE49-F238E27FC236}">
+                <a16:creationId xmlns:a16="http://schemas.microsoft.com/office/drawing/2014/main" id="{008F2EE7-DC5E-44F9-A325-33F688182C44}"/>
+              </a:ext>
+            </a:extLst>
+          </p:cNvPr>
+          <p:cNvCxnSpPr>
+            <a:cxnSpLocks/>
+          </p:cNvCxnSpPr>
+          <p:nvPr/>
+        </p:nvCxnSpPr>
+        <p:spPr>
+          <a:xfrm flipV="1">
+            <a:off x="8419088" y="4014296"/>
+            <a:ext cx="0" cy="122007"/>
+          </a:xfrm>
+          <a:prstGeom prst="straightConnector1">
+            <a:avLst/>
+          </a:prstGeom>
+          <a:ln>
+            <a:solidFill>
+              <a:srgbClr val="002060"/>
+            </a:solidFill>
+            <a:headEnd type="none" w="med" len="med"/>
+            <a:tailEnd type="triangle"/>
+          </a:ln>
+        </p:spPr>
+        <p:style>
+          <a:lnRef idx="1">
+            <a:schemeClr val="accent1"/>
+          </a:lnRef>
+          <a:fillRef idx="0">
+            <a:schemeClr val="accent1"/>
+          </a:fillRef>
+          <a:effectRef idx="0">
+            <a:schemeClr val="accent1"/>
+          </a:effectRef>
+          <a:fontRef idx="minor">
+            <a:schemeClr val="tx1"/>
+          </a:fontRef>
+        </p:style>
+      </p:cxnSp>
+      <p:cxnSp>
+        <p:nvCxnSpPr>
+          <p:cNvPr id="173" name="직선 화살표 연결선 172">
+            <a:extLst>
+              <a:ext uri="{FF2B5EF4-FFF2-40B4-BE49-F238E27FC236}">
+                <a16:creationId xmlns:a16="http://schemas.microsoft.com/office/drawing/2014/main" id="{8A9B4470-0305-45CA-A842-DA9FEB2C10C9}"/>
+              </a:ext>
+            </a:extLst>
+          </p:cNvPr>
+          <p:cNvCxnSpPr>
+            <a:cxnSpLocks/>
+          </p:cNvCxnSpPr>
+          <p:nvPr/>
+        </p:nvCxnSpPr>
+        <p:spPr>
+          <a:xfrm flipV="1">
+            <a:off x="7633025" y="4005686"/>
+            <a:ext cx="0" cy="130617"/>
+          </a:xfrm>
+          <a:prstGeom prst="straightConnector1">
+            <a:avLst/>
+          </a:prstGeom>
+          <a:ln>
+            <a:solidFill>
+              <a:srgbClr val="002060"/>
+            </a:solidFill>
+            <a:headEnd type="none" w="med" len="med"/>
+            <a:tailEnd type="triangle"/>
+          </a:ln>
+        </p:spPr>
+        <p:style>
+          <a:lnRef idx="1">
+            <a:schemeClr val="accent1"/>
+          </a:lnRef>
+          <a:fillRef idx="0">
+            <a:schemeClr val="accent1"/>
+          </a:fillRef>
+          <a:effectRef idx="0">
+            <a:schemeClr val="accent1"/>
+          </a:effectRef>
+          <a:fontRef idx="minor">
+            <a:schemeClr val="tx1"/>
+          </a:fontRef>
+        </p:style>
+      </p:cxnSp>
+      <p:cxnSp>
+        <p:nvCxnSpPr>
+          <p:cNvPr id="174" name="직선 연결선 173">
+            <a:extLst>
+              <a:ext uri="{FF2B5EF4-FFF2-40B4-BE49-F238E27FC236}">
+                <a16:creationId xmlns:a16="http://schemas.microsoft.com/office/drawing/2014/main" id="{073ACEB9-6577-4CBA-ACF5-74D7C923567B}"/>
+              </a:ext>
+            </a:extLst>
+          </p:cNvPr>
+          <p:cNvCxnSpPr>
+            <a:cxnSpLocks/>
+          </p:cNvCxnSpPr>
+          <p:nvPr/>
+        </p:nvCxnSpPr>
+        <p:spPr>
+          <a:xfrm>
+            <a:off x="5522495" y="4139177"/>
+            <a:ext cx="2896593" cy="0"/>
+          </a:xfrm>
+          <a:prstGeom prst="line">
+            <a:avLst/>
+          </a:prstGeom>
+          <a:ln>
+            <a:solidFill>
+              <a:srgbClr val="002060"/>
+            </a:solidFill>
+            <a:headEnd type="none" w="med" len="med"/>
+            <a:tailEnd type="none" w="med" len="med"/>
+          </a:ln>
+        </p:spPr>
+        <p:style>
+          <a:lnRef idx="1">
+            <a:schemeClr val="accent1"/>
+          </a:lnRef>
+          <a:fillRef idx="0">
+            <a:schemeClr val="accent1"/>
+          </a:fillRef>
+          <a:effectRef idx="0">
+            <a:schemeClr val="accent1"/>
+          </a:effectRef>
+          <a:fontRef idx="minor">
+            <a:schemeClr val="tx1"/>
+          </a:fontRef>
+        </p:style>
+      </p:cxnSp>
+      <p:sp>
+        <p:nvSpPr>
+          <p:cNvPr id="175" name="TextBox 174">
+            <a:extLst>
+              <a:ext uri="{FF2B5EF4-FFF2-40B4-BE49-F238E27FC236}">
+                <a16:creationId xmlns:a16="http://schemas.microsoft.com/office/drawing/2014/main" id="{1B6BE229-E5A0-4B20-9DDE-A9C6226B86C1}"/>
+              </a:ext>
+            </a:extLst>
+          </p:cNvPr>
+          <p:cNvSpPr txBox="1"/>
+          <p:nvPr/>
+        </p:nvSpPr>
+        <p:spPr>
+          <a:xfrm>
+            <a:off x="5675240" y="3664815"/>
+            <a:ext cx="1577676" cy="421782"/>
+          </a:xfrm>
+          <a:prstGeom prst="rect">
+            <a:avLst/>
+          </a:prstGeom>
+          <a:noFill/>
+        </p:spPr>
+        <p:txBody>
+          <a:bodyPr wrap="none" rtlCol="0">
+            <a:spAutoFit/>
+          </a:bodyPr>
+          <a:lstStyle/>
+          <a:p>
+            <a:pPr algn="l">
+              <a:lnSpc>
+                <a:spcPct val="130000"/>
+              </a:lnSpc>
+              <a:buClr>
+                <a:srgbClr val="C5003D"/>
+              </a:buClr>
+            </a:pPr>
+            <a:r>
+              <a:rPr lang="en-US" altLang="ko-KR" sz="1800">
+                <a:solidFill>
+                  <a:schemeClr val="tx1"/>
+                </a:solidFill>
+                <a:latin typeface="Consolas" panose="020B0609020204030204" pitchFamily="49" charset="0"/>
+                <a:ea typeface="+mn-ea"/>
+              </a:rPr>
+              <a:t>enc_outputs</a:t>
+            </a:r>
+            <a:endParaRPr lang="ko-KR" altLang="en-US" sz="1800">
+              <a:solidFill>
+                <a:schemeClr val="tx1"/>
+              </a:solidFill>
+              <a:latin typeface="Consolas" panose="020B0609020204030204" pitchFamily="49" charset="0"/>
+              <a:ea typeface="+mn-ea"/>
+            </a:endParaRPr>
+          </a:p>
+        </p:txBody>
+      </p:sp>
+      <p:sp>
+        <p:nvSpPr>
+          <p:cNvPr id="176" name="직사각형 175">
+            <a:extLst>
+              <a:ext uri="{FF2B5EF4-FFF2-40B4-BE49-F238E27FC236}">
+                <a16:creationId xmlns:a16="http://schemas.microsoft.com/office/drawing/2014/main" id="{0A3C56A3-14EE-468B-BC94-43513822FB2F}"/>
+              </a:ext>
+            </a:extLst>
+          </p:cNvPr>
+          <p:cNvSpPr/>
+          <p:nvPr/>
+        </p:nvSpPr>
+        <p:spPr>
+          <a:xfrm>
+            <a:off x="7345140" y="3037477"/>
+            <a:ext cx="2516863" cy="403631"/>
+          </a:xfrm>
+          <a:prstGeom prst="rect">
+            <a:avLst/>
+          </a:prstGeom>
+          <a:solidFill>
+            <a:srgbClr val="FFFFCC"/>
+          </a:solidFill>
+          <a:ln w="19050">
+            <a:solidFill>
+              <a:srgbClr val="FFC000"/>
+            </a:solidFill>
+          </a:ln>
+        </p:spPr>
+        <p:style>
+          <a:lnRef idx="2">
+            <a:schemeClr val="accent1">
+              <a:shade val="50000"/>
+            </a:schemeClr>
+          </a:lnRef>
+          <a:fillRef idx="1">
+            <a:schemeClr val="accent1"/>
+          </a:fillRef>
+          <a:effectRef idx="0">
+            <a:schemeClr val="accent1"/>
+          </a:effectRef>
+          <a:fontRef idx="minor">
+            <a:schemeClr val="lt1"/>
+          </a:fontRef>
+        </p:style>
+        <p:txBody>
+          <a:bodyPr rtlCol="0" anchor="ctr"/>
+          <a:lstStyle/>
+          <a:p>
+            <a:pPr algn="ctr"/>
+            <a:r>
+              <a:rPr lang="en-US" altLang="ko-KR">
+                <a:solidFill>
+                  <a:schemeClr val="tx1"/>
+                </a:solidFill>
+                <a:latin typeface="Consolas" panose="020B0609020204030204" pitchFamily="49" charset="0"/>
+              </a:rPr>
+              <a:t>Dropout</a:t>
+            </a:r>
+            <a:endParaRPr lang="ko-KR" altLang="en-US">
+              <a:solidFill>
+                <a:schemeClr val="tx1"/>
+              </a:solidFill>
+              <a:latin typeface="Consolas" panose="020B0609020204030204" pitchFamily="49" charset="0"/>
+            </a:endParaRPr>
+          </a:p>
+        </p:txBody>
+      </p:sp>
+      <p:sp>
+        <p:nvSpPr>
+          <p:cNvPr id="177" name="직사각형 176">
+            <a:extLst>
+              <a:ext uri="{FF2B5EF4-FFF2-40B4-BE49-F238E27FC236}">
+                <a16:creationId xmlns:a16="http://schemas.microsoft.com/office/drawing/2014/main" id="{B538904E-ABA9-4A26-9453-9C73CEE9147B}"/>
+              </a:ext>
+            </a:extLst>
+          </p:cNvPr>
+          <p:cNvSpPr/>
+          <p:nvPr/>
+        </p:nvSpPr>
+        <p:spPr>
+          <a:xfrm>
+            <a:off x="7347735" y="2453571"/>
+            <a:ext cx="2516863" cy="403631"/>
+          </a:xfrm>
+          <a:prstGeom prst="rect">
+            <a:avLst/>
+          </a:prstGeom>
+          <a:solidFill>
+            <a:srgbClr val="FFFFCC"/>
+          </a:solidFill>
+          <a:ln w="19050">
+            <a:solidFill>
+              <a:srgbClr val="FFC000"/>
+            </a:solidFill>
+          </a:ln>
+        </p:spPr>
+        <p:style>
+          <a:lnRef idx="2">
+            <a:schemeClr val="accent1">
+              <a:shade val="50000"/>
+            </a:schemeClr>
+          </a:lnRef>
+          <a:fillRef idx="1">
+            <a:schemeClr val="accent1"/>
+          </a:fillRef>
+          <a:effectRef idx="0">
+            <a:schemeClr val="accent1"/>
+          </a:effectRef>
+          <a:fontRef idx="minor">
+            <a:schemeClr val="lt1"/>
+          </a:fontRef>
+        </p:style>
+        <p:txBody>
+          <a:bodyPr rtlCol="0" anchor="ctr"/>
+          <a:lstStyle/>
+          <a:p>
+            <a:pPr algn="ctr"/>
+            <a:r>
+              <a:rPr lang="en-US" altLang="ko-KR" sz="1600">
+                <a:solidFill>
+                  <a:schemeClr val="tx1"/>
+                </a:solidFill>
+                <a:latin typeface="Consolas" panose="020B0609020204030204" pitchFamily="49" charset="0"/>
+              </a:rPr>
+              <a:t>LayerNormalization</a:t>
+            </a:r>
+            <a:endParaRPr lang="ko-KR" altLang="en-US">
+              <a:solidFill>
+                <a:schemeClr val="tx1"/>
+              </a:solidFill>
+              <a:latin typeface="Consolas" panose="020B0609020204030204" pitchFamily="49" charset="0"/>
+            </a:endParaRPr>
+          </a:p>
+        </p:txBody>
+      </p:sp>
+      <p:cxnSp>
+        <p:nvCxnSpPr>
+          <p:cNvPr id="178" name="직선 화살표 연결선 177">
+            <a:extLst>
+              <a:ext uri="{FF2B5EF4-FFF2-40B4-BE49-F238E27FC236}">
+                <a16:creationId xmlns:a16="http://schemas.microsoft.com/office/drawing/2014/main" id="{2338C021-9DF7-4726-9FE8-6EAF13E37E1B}"/>
+              </a:ext>
+            </a:extLst>
+          </p:cNvPr>
+          <p:cNvCxnSpPr>
+            <a:cxnSpLocks/>
+            <a:stCxn id="171" idx="0"/>
+            <a:endCxn id="176" idx="2"/>
+          </p:cNvCxnSpPr>
+          <p:nvPr/>
+        </p:nvCxnSpPr>
+        <p:spPr>
+          <a:xfrm flipV="1">
+            <a:off x="8603572" y="3441108"/>
+            <a:ext cx="0" cy="180275"/>
+          </a:xfrm>
+          <a:prstGeom prst="straightConnector1">
+            <a:avLst/>
+          </a:prstGeom>
+          <a:ln>
+            <a:solidFill>
+              <a:srgbClr val="002060"/>
+            </a:solidFill>
+            <a:headEnd type="none" w="med" len="med"/>
+            <a:tailEnd type="triangle"/>
+          </a:ln>
+        </p:spPr>
+        <p:style>
+          <a:lnRef idx="1">
+            <a:schemeClr val="accent1"/>
+          </a:lnRef>
+          <a:fillRef idx="0">
+            <a:schemeClr val="accent1"/>
+          </a:fillRef>
+          <a:effectRef idx="0">
+            <a:schemeClr val="accent1"/>
+          </a:effectRef>
+          <a:fontRef idx="minor">
+            <a:schemeClr val="tx1"/>
+          </a:fontRef>
+        </p:style>
+      </p:cxnSp>
+      <p:cxnSp>
+        <p:nvCxnSpPr>
+          <p:cNvPr id="179" name="직선 화살표 연결선 178">
+            <a:extLst>
+              <a:ext uri="{FF2B5EF4-FFF2-40B4-BE49-F238E27FC236}">
+                <a16:creationId xmlns:a16="http://schemas.microsoft.com/office/drawing/2014/main" id="{4957D360-6374-4A74-A0B4-B8AB6C181DD9}"/>
+              </a:ext>
+            </a:extLst>
+          </p:cNvPr>
+          <p:cNvCxnSpPr>
+            <a:cxnSpLocks/>
+            <a:stCxn id="176" idx="0"/>
+            <a:endCxn id="177" idx="2"/>
+          </p:cNvCxnSpPr>
+          <p:nvPr/>
+        </p:nvCxnSpPr>
+        <p:spPr>
+          <a:xfrm flipV="1">
+            <a:off x="8603572" y="2857202"/>
+            <a:ext cx="2595" cy="180275"/>
+          </a:xfrm>
+          <a:prstGeom prst="straightConnector1">
+            <a:avLst/>
+          </a:prstGeom>
+          <a:ln>
+            <a:solidFill>
+              <a:srgbClr val="002060"/>
+            </a:solidFill>
+            <a:headEnd type="none" w="med" len="med"/>
+            <a:tailEnd type="triangle"/>
+          </a:ln>
+        </p:spPr>
+        <p:style>
+          <a:lnRef idx="1">
+            <a:schemeClr val="accent1"/>
+          </a:lnRef>
+          <a:fillRef idx="0">
+            <a:schemeClr val="accent1"/>
+          </a:fillRef>
+          <a:effectRef idx="0">
+            <a:schemeClr val="accent1"/>
+          </a:effectRef>
+          <a:fontRef idx="minor">
+            <a:schemeClr val="tx1"/>
+          </a:fontRef>
+        </p:style>
+      </p:cxnSp>
+      <p:sp>
+        <p:nvSpPr>
+          <p:cNvPr id="180" name="타원 179">
+            <a:extLst>
+              <a:ext uri="{FF2B5EF4-FFF2-40B4-BE49-F238E27FC236}">
+                <a16:creationId xmlns:a16="http://schemas.microsoft.com/office/drawing/2014/main" id="{72AA6B81-BBD6-4DFF-B04C-C9ADE89B97D1}"/>
+              </a:ext>
+            </a:extLst>
+          </p:cNvPr>
+          <p:cNvSpPr/>
+          <p:nvPr/>
+        </p:nvSpPr>
+        <p:spPr>
+          <a:xfrm>
+            <a:off x="8533374" y="2942256"/>
+            <a:ext cx="70163" cy="48124"/>
+          </a:xfrm>
+          <a:prstGeom prst="ellipse">
+            <a:avLst/>
+          </a:prstGeom>
+          <a:noFill/>
+          <a:ln w="19050">
+            <a:noFill/>
+          </a:ln>
+        </p:spPr>
+        <p:style>
+          <a:lnRef idx="2">
+            <a:schemeClr val="accent1">
+              <a:shade val="50000"/>
+            </a:schemeClr>
+          </a:lnRef>
+          <a:fillRef idx="1">
+            <a:schemeClr val="accent1"/>
+          </a:fillRef>
+          <a:effectRef idx="0">
+            <a:schemeClr val="accent1"/>
+          </a:effectRef>
+          <a:fontRef idx="minor">
+            <a:schemeClr val="lt1"/>
+          </a:fontRef>
+        </p:style>
+        <p:txBody>
+          <a:bodyPr rtlCol="0" anchor="ctr"/>
+          <a:lstStyle/>
+          <a:p>
+            <a:pPr algn="ctr"/>
+            <a:endParaRPr lang="ko-KR" altLang="en-US" sz="1800">
+              <a:solidFill>
+                <a:schemeClr val="tx1"/>
+              </a:solidFill>
+              <a:latin typeface="Consolas" panose="020B0609020204030204" pitchFamily="49" charset="0"/>
+            </a:endParaRPr>
+          </a:p>
+        </p:txBody>
+      </p:sp>
+      <p:sp>
+        <p:nvSpPr>
+          <p:cNvPr id="181" name="타원 180">
+            <a:extLst>
+              <a:ext uri="{FF2B5EF4-FFF2-40B4-BE49-F238E27FC236}">
+                <a16:creationId xmlns:a16="http://schemas.microsoft.com/office/drawing/2014/main" id="{9BC98C5B-8D9E-4B26-9F41-42419FCC011E}"/>
+              </a:ext>
+            </a:extLst>
+          </p:cNvPr>
+          <p:cNvSpPr/>
+          <p:nvPr/>
+        </p:nvSpPr>
+        <p:spPr>
+          <a:xfrm>
+            <a:off x="9183747" y="4136904"/>
+            <a:ext cx="70163" cy="48124"/>
+          </a:xfrm>
+          <a:prstGeom prst="ellipse">
+            <a:avLst/>
+          </a:prstGeom>
+          <a:noFill/>
+          <a:ln w="19050">
+            <a:noFill/>
+          </a:ln>
+        </p:spPr>
+        <p:style>
+          <a:lnRef idx="2">
+            <a:schemeClr val="accent1">
+              <a:shade val="50000"/>
+            </a:schemeClr>
+          </a:lnRef>
+          <a:fillRef idx="1">
+            <a:schemeClr val="accent1"/>
+          </a:fillRef>
+          <a:effectRef idx="0">
+            <a:schemeClr val="accent1"/>
+          </a:effectRef>
+          <a:fontRef idx="minor">
+            <a:schemeClr val="lt1"/>
+          </a:fontRef>
+        </p:style>
+        <p:txBody>
+          <a:bodyPr rtlCol="0" anchor="ctr"/>
+          <a:lstStyle/>
+          <a:p>
+            <a:pPr algn="ctr"/>
+            <a:endParaRPr lang="ko-KR" altLang="en-US" sz="1800">
+              <a:solidFill>
+                <a:schemeClr val="tx1"/>
+              </a:solidFill>
+              <a:latin typeface="Consolas" panose="020B0609020204030204" pitchFamily="49" charset="0"/>
+            </a:endParaRPr>
+          </a:p>
+        </p:txBody>
+      </p:sp>
+      <p:cxnSp>
+        <p:nvCxnSpPr>
+          <p:cNvPr id="182" name="연결선: 꺾임 181">
+            <a:extLst>
+              <a:ext uri="{FF2B5EF4-FFF2-40B4-BE49-F238E27FC236}">
+                <a16:creationId xmlns:a16="http://schemas.microsoft.com/office/drawing/2014/main" id="{77A256FC-E362-4F88-A8BA-A319545C3B34}"/>
+              </a:ext>
+            </a:extLst>
+          </p:cNvPr>
+          <p:cNvCxnSpPr>
+            <a:cxnSpLocks/>
+            <a:stCxn id="180" idx="6"/>
+            <a:endCxn id="181" idx="6"/>
+          </p:cNvCxnSpPr>
+          <p:nvPr/>
+        </p:nvCxnSpPr>
+        <p:spPr>
+          <a:xfrm>
+            <a:off x="8603537" y="2966318"/>
+            <a:ext cx="650373" cy="1194648"/>
+          </a:xfrm>
+          <a:prstGeom prst="bentConnector3">
+            <a:avLst>
+              <a:gd name="adj1" fmla="val 211614"/>
+            </a:avLst>
+          </a:prstGeom>
+          <a:ln>
+            <a:solidFill>
+              <a:srgbClr val="002060"/>
+            </a:solidFill>
+            <a:headEnd type="none" w="med" len="med"/>
+            <a:tailEnd type="none" w="med" len="med"/>
+          </a:ln>
+        </p:spPr>
+        <p:style>
+          <a:lnRef idx="1">
+            <a:schemeClr val="accent1"/>
+          </a:lnRef>
+          <a:fillRef idx="0">
+            <a:schemeClr val="accent1"/>
+          </a:fillRef>
+          <a:effectRef idx="0">
+            <a:schemeClr val="accent1"/>
+          </a:effectRef>
+          <a:fontRef idx="minor">
+            <a:schemeClr val="tx1"/>
+          </a:fontRef>
+        </p:style>
+      </p:cxnSp>
+      <p:cxnSp>
+        <p:nvCxnSpPr>
+          <p:cNvPr id="183" name="직선 화살표 연결선 182">
+            <a:extLst>
+              <a:ext uri="{FF2B5EF4-FFF2-40B4-BE49-F238E27FC236}">
+                <a16:creationId xmlns:a16="http://schemas.microsoft.com/office/drawing/2014/main" id="{176D64E8-E233-44C3-8A3C-8E239CC4EFC7}"/>
+              </a:ext>
+            </a:extLst>
+          </p:cNvPr>
+          <p:cNvCxnSpPr>
+            <a:cxnSpLocks/>
+            <a:stCxn id="177" idx="0"/>
+            <a:endCxn id="162" idx="2"/>
+          </p:cNvCxnSpPr>
+          <p:nvPr/>
+        </p:nvCxnSpPr>
+        <p:spPr>
+          <a:xfrm flipV="1">
+            <a:off x="8606167" y="2260932"/>
+            <a:ext cx="0" cy="192639"/>
+          </a:xfrm>
+          <a:prstGeom prst="straightConnector1">
+            <a:avLst/>
+          </a:prstGeom>
+          <a:ln>
+            <a:solidFill>
+              <a:srgbClr val="002060"/>
+            </a:solidFill>
+            <a:headEnd type="none" w="med" len="med"/>
+            <a:tailEnd type="triangle"/>
+          </a:ln>
+        </p:spPr>
+        <p:style>
+          <a:lnRef idx="1">
+            <a:schemeClr val="accent1"/>
+          </a:lnRef>
+          <a:fillRef idx="0">
+            <a:schemeClr val="accent1"/>
+          </a:fillRef>
+          <a:effectRef idx="0">
+            <a:schemeClr val="accent1"/>
+          </a:effectRef>
+          <a:fontRef idx="minor">
+            <a:schemeClr val="tx1"/>
+          </a:fontRef>
+        </p:style>
+      </p:cxnSp>
+      <p:sp>
+        <p:nvSpPr>
+          <p:cNvPr id="184" name="타원 183">
+            <a:extLst>
+              <a:ext uri="{FF2B5EF4-FFF2-40B4-BE49-F238E27FC236}">
+                <a16:creationId xmlns:a16="http://schemas.microsoft.com/office/drawing/2014/main" id="{89039A1A-6E3D-4C87-B38E-8926C3E1690F}"/>
+              </a:ext>
+            </a:extLst>
+          </p:cNvPr>
+          <p:cNvSpPr/>
+          <p:nvPr/>
+        </p:nvSpPr>
+        <p:spPr>
+          <a:xfrm>
+            <a:off x="8608498" y="579531"/>
+            <a:ext cx="70163" cy="48124"/>
+          </a:xfrm>
+          <a:prstGeom prst="ellipse">
+            <a:avLst/>
+          </a:prstGeom>
+          <a:noFill/>
+          <a:ln w="19050">
+            <a:noFill/>
+          </a:ln>
+        </p:spPr>
+        <p:style>
+          <a:lnRef idx="2">
+            <a:schemeClr val="accent1">
+              <a:shade val="50000"/>
+            </a:schemeClr>
+          </a:lnRef>
+          <a:fillRef idx="1">
+            <a:schemeClr val="accent1"/>
+          </a:fillRef>
+          <a:effectRef idx="0">
+            <a:schemeClr val="accent1"/>
+          </a:effectRef>
+          <a:fontRef idx="minor">
+            <a:schemeClr val="lt1"/>
+          </a:fontRef>
+        </p:style>
+        <p:txBody>
+          <a:bodyPr rtlCol="0" anchor="ctr"/>
+          <a:lstStyle/>
+          <a:p>
+            <a:pPr algn="ctr"/>
+            <a:endParaRPr lang="ko-KR" altLang="en-US" sz="1800">
+              <a:solidFill>
+                <a:schemeClr val="tx1"/>
+              </a:solidFill>
+              <a:latin typeface="Consolas" panose="020B0609020204030204" pitchFamily="49" charset="0"/>
+            </a:endParaRPr>
+          </a:p>
+        </p:txBody>
+      </p:sp>
+      <p:sp>
+        <p:nvSpPr>
+          <p:cNvPr id="185" name="타원 184">
+            <a:extLst>
+              <a:ext uri="{FF2B5EF4-FFF2-40B4-BE49-F238E27FC236}">
+                <a16:creationId xmlns:a16="http://schemas.microsoft.com/office/drawing/2014/main" id="{C84A03E3-5DF7-40A6-9BF6-754877CD0B86}"/>
+              </a:ext>
+            </a:extLst>
+          </p:cNvPr>
+          <p:cNvSpPr/>
+          <p:nvPr/>
+        </p:nvSpPr>
+        <p:spPr>
+          <a:xfrm>
+            <a:off x="8598779" y="3530045"/>
+            <a:ext cx="70163" cy="48124"/>
+          </a:xfrm>
+          <a:prstGeom prst="ellipse">
+            <a:avLst/>
+          </a:prstGeom>
+          <a:noFill/>
+          <a:ln w="19050">
+            <a:noFill/>
+          </a:ln>
+        </p:spPr>
+        <p:style>
+          <a:lnRef idx="2">
+            <a:schemeClr val="accent1">
+              <a:shade val="50000"/>
+            </a:schemeClr>
+          </a:lnRef>
+          <a:fillRef idx="1">
+            <a:schemeClr val="accent1"/>
+          </a:fillRef>
+          <a:effectRef idx="0">
+            <a:schemeClr val="accent1"/>
+          </a:effectRef>
+          <a:fontRef idx="minor">
+            <a:schemeClr val="lt1"/>
+          </a:fontRef>
+        </p:style>
+        <p:txBody>
+          <a:bodyPr rtlCol="0" anchor="ctr"/>
+          <a:lstStyle/>
+          <a:p>
+            <a:pPr algn="ctr"/>
+            <a:endParaRPr lang="ko-KR" altLang="en-US" sz="1800">
+              <a:solidFill>
+                <a:schemeClr val="tx1"/>
+              </a:solidFill>
+              <a:latin typeface="Consolas" panose="020B0609020204030204" pitchFamily="49" charset="0"/>
+            </a:endParaRPr>
+          </a:p>
+        </p:txBody>
+      </p:sp>
+      <p:cxnSp>
+        <p:nvCxnSpPr>
+          <p:cNvPr id="186" name="연결선: 꺾임 185">
+            <a:extLst>
+              <a:ext uri="{FF2B5EF4-FFF2-40B4-BE49-F238E27FC236}">
+                <a16:creationId xmlns:a16="http://schemas.microsoft.com/office/drawing/2014/main" id="{79815287-7210-405D-A8E6-1EAB93CEF2DA}"/>
+              </a:ext>
+            </a:extLst>
+          </p:cNvPr>
+          <p:cNvCxnSpPr>
+            <a:cxnSpLocks/>
+            <a:stCxn id="184" idx="2"/>
+            <a:endCxn id="185" idx="2"/>
+          </p:cNvCxnSpPr>
+          <p:nvPr/>
+        </p:nvCxnSpPr>
+        <p:spPr>
+          <a:xfrm rot="10800000" flipV="1">
+            <a:off x="8598780" y="603593"/>
+            <a:ext cx="9719" cy="2950514"/>
+          </a:xfrm>
+          <a:prstGeom prst="bentConnector3">
+            <a:avLst>
+              <a:gd name="adj1" fmla="val 14914065"/>
+            </a:avLst>
+          </a:prstGeom>
+          <a:ln>
+            <a:solidFill>
+              <a:srgbClr val="002060"/>
+            </a:solidFill>
+            <a:headEnd type="none" w="med" len="med"/>
+            <a:tailEnd type="none" w="med" len="med"/>
+          </a:ln>
+        </p:spPr>
+        <p:style>
+          <a:lnRef idx="1">
+            <a:schemeClr val="accent1"/>
+          </a:lnRef>
+          <a:fillRef idx="0">
+            <a:schemeClr val="accent1"/>
+          </a:fillRef>
+          <a:effectRef idx="0">
+            <a:schemeClr val="accent1"/>
+          </a:effectRef>
+          <a:fontRef idx="minor">
+            <a:schemeClr val="tx1"/>
+          </a:fontRef>
+        </p:style>
+      </p:cxnSp>
+      <p:sp>
+        <p:nvSpPr>
+          <p:cNvPr id="187" name="타원 186">
+            <a:extLst>
+              <a:ext uri="{FF2B5EF4-FFF2-40B4-BE49-F238E27FC236}">
+                <a16:creationId xmlns:a16="http://schemas.microsoft.com/office/drawing/2014/main" id="{71A278CA-F7C2-4327-AFE9-B0EC53311E2D}"/>
+              </a:ext>
+            </a:extLst>
+          </p:cNvPr>
+          <p:cNvSpPr/>
+          <p:nvPr/>
+        </p:nvSpPr>
+        <p:spPr>
+          <a:xfrm>
+            <a:off x="5511056" y="4136302"/>
+            <a:ext cx="70163" cy="48124"/>
+          </a:xfrm>
+          <a:prstGeom prst="ellipse">
+            <a:avLst/>
+          </a:prstGeom>
+          <a:noFill/>
+          <a:ln w="19050">
+            <a:noFill/>
+          </a:ln>
+        </p:spPr>
+        <p:style>
+          <a:lnRef idx="2">
+            <a:schemeClr val="accent1">
+              <a:shade val="50000"/>
+            </a:schemeClr>
+          </a:lnRef>
+          <a:fillRef idx="1">
+            <a:schemeClr val="accent1"/>
+          </a:fillRef>
+          <a:effectRef idx="0">
+            <a:schemeClr val="accent1"/>
+          </a:effectRef>
+          <a:fontRef idx="minor">
+            <a:schemeClr val="lt1"/>
+          </a:fontRef>
+        </p:style>
+        <p:txBody>
+          <a:bodyPr rtlCol="0" anchor="ctr"/>
+          <a:lstStyle/>
+          <a:p>
+            <a:pPr algn="ctr"/>
+            <a:endParaRPr lang="ko-KR" altLang="en-US" sz="1800">
+              <a:solidFill>
+                <a:schemeClr val="tx1"/>
+              </a:solidFill>
+              <a:latin typeface="Consolas" panose="020B0609020204030204" pitchFamily="49" charset="0"/>
+            </a:endParaRPr>
+          </a:p>
+        </p:txBody>
+      </p:sp>
+      <p:cxnSp>
+        <p:nvCxnSpPr>
+          <p:cNvPr id="12" name="연결선: 꺾임 11">
+            <a:extLst>
+              <a:ext uri="{FF2B5EF4-FFF2-40B4-BE49-F238E27FC236}">
+                <a16:creationId xmlns:a16="http://schemas.microsoft.com/office/drawing/2014/main" id="{1FC6382A-9BB8-411B-8F50-F9D165BEFCC7}"/>
+              </a:ext>
+            </a:extLst>
+          </p:cNvPr>
+          <p:cNvCxnSpPr>
+            <a:cxnSpLocks/>
+            <a:stCxn id="53" idx="0"/>
+            <a:endCxn id="187" idx="1"/>
+          </p:cNvCxnSpPr>
+          <p:nvPr/>
+        </p:nvCxnSpPr>
+        <p:spPr>
+          <a:xfrm rot="16200000" flipH="1">
+            <a:off x="2781744" y="1403764"/>
+            <a:ext cx="3301419" cy="2177753"/>
+          </a:xfrm>
+          <a:prstGeom prst="bentConnector3">
+            <a:avLst>
+              <a:gd name="adj1" fmla="val -6924"/>
+            </a:avLst>
+          </a:prstGeom>
+          <a:ln>
+            <a:solidFill>
+              <a:srgbClr val="002060"/>
+            </a:solidFill>
+            <a:headEnd type="none" w="med" len="med"/>
+            <a:tailEnd type="none"/>
+          </a:ln>
+        </p:spPr>
+        <p:style>
+          <a:lnRef idx="1">
+            <a:schemeClr val="accent1"/>
+          </a:lnRef>
+          <a:fillRef idx="0">
+            <a:schemeClr val="accent1"/>
+          </a:fillRef>
+          <a:effectRef idx="0">
+            <a:schemeClr val="accent1"/>
+          </a:effectRef>
+          <a:fontRef idx="minor">
+            <a:schemeClr val="tx1"/>
+          </a:fontRef>
+        </p:style>
+      </p:cxnSp>
+      <p:pic>
+        <p:nvPicPr>
+          <p:cNvPr id="15" name="그림 14">
+            <a:extLst>
+              <a:ext uri="{FF2B5EF4-FFF2-40B4-BE49-F238E27FC236}">
+                <a16:creationId xmlns:a16="http://schemas.microsoft.com/office/drawing/2014/main" id="{395A877C-DBCC-454D-917D-07AE9E7DB74B}"/>
+              </a:ext>
+            </a:extLst>
+          </p:cNvPr>
+          <p:cNvPicPr>
+            <a:picLocks noChangeAspect="1"/>
+          </p:cNvPicPr>
+          <p:nvPr/>
+        </p:nvPicPr>
+        <p:blipFill rotWithShape="1">
+          <a:blip r:embed="rId3"/>
+          <a:srcRect l="20035" r="18191"/>
+          <a:stretch/>
+        </p:blipFill>
+        <p:spPr>
+          <a:xfrm>
+            <a:off x="-1639633" y="1845536"/>
+            <a:ext cx="2664740" cy="2787512"/>
+          </a:xfrm>
+          <a:prstGeom prst="rect">
+            <a:avLst/>
+          </a:prstGeom>
+        </p:spPr>
+      </p:pic>
+      <p:sp>
+        <p:nvSpPr>
+          <p:cNvPr id="212" name="타원 211">
+            <a:extLst>
+              <a:ext uri="{FF2B5EF4-FFF2-40B4-BE49-F238E27FC236}">
+                <a16:creationId xmlns:a16="http://schemas.microsoft.com/office/drawing/2014/main" id="{7A46C421-F8AD-4273-9F04-4FCB1F71F9C6}"/>
+              </a:ext>
+            </a:extLst>
+          </p:cNvPr>
+          <p:cNvSpPr/>
+          <p:nvPr/>
+        </p:nvSpPr>
+        <p:spPr>
+          <a:xfrm>
+            <a:off x="3335736" y="3466745"/>
+            <a:ext cx="70163" cy="48124"/>
+          </a:xfrm>
+          <a:prstGeom prst="ellipse">
+            <a:avLst/>
+          </a:prstGeom>
+          <a:noFill/>
+          <a:ln w="19050">
+            <a:noFill/>
+          </a:ln>
+        </p:spPr>
+        <p:style>
+          <a:lnRef idx="2">
+            <a:schemeClr val="accent1">
+              <a:shade val="50000"/>
+            </a:schemeClr>
+          </a:lnRef>
+          <a:fillRef idx="1">
+            <a:schemeClr val="accent1"/>
+          </a:fillRef>
+          <a:effectRef idx="0">
+            <a:schemeClr val="accent1"/>
+          </a:effectRef>
+          <a:fontRef idx="minor">
+            <a:schemeClr val="lt1"/>
+          </a:fontRef>
+        </p:style>
+        <p:txBody>
+          <a:bodyPr rtlCol="0" anchor="ctr"/>
+          <a:lstStyle/>
+          <a:p>
+            <a:pPr algn="ctr"/>
+            <a:endParaRPr lang="ko-KR" altLang="en-US" sz="1800">
+              <a:solidFill>
+                <a:schemeClr val="tx1"/>
+              </a:solidFill>
+              <a:latin typeface="Consolas" panose="020B0609020204030204" pitchFamily="49" charset="0"/>
+            </a:endParaRPr>
+          </a:p>
+        </p:txBody>
+      </p:sp>
+      <p:sp>
+        <p:nvSpPr>
+          <p:cNvPr id="213" name="직사각형 212">
+            <a:extLst>
+              <a:ext uri="{FF2B5EF4-FFF2-40B4-BE49-F238E27FC236}">
+                <a16:creationId xmlns:a16="http://schemas.microsoft.com/office/drawing/2014/main" id="{9195A1FC-0A87-44D4-B1D9-CE5C8BD53DDA}"/>
+              </a:ext>
+            </a:extLst>
+          </p:cNvPr>
+          <p:cNvSpPr/>
+          <p:nvPr/>
+        </p:nvSpPr>
+        <p:spPr>
+          <a:xfrm>
+            <a:off x="7340347" y="5659302"/>
+            <a:ext cx="2516863" cy="403631"/>
+          </a:xfrm>
+          <a:prstGeom prst="rect">
+            <a:avLst/>
+          </a:prstGeom>
+          <a:solidFill>
+            <a:srgbClr val="FFFFCC"/>
+          </a:solidFill>
+          <a:ln w="19050">
+            <a:solidFill>
+              <a:srgbClr val="FFC000"/>
+            </a:solidFill>
+          </a:ln>
+        </p:spPr>
+        <p:style>
+          <a:lnRef idx="2">
+            <a:schemeClr val="accent1">
+              <a:shade val="50000"/>
+            </a:schemeClr>
+          </a:lnRef>
+          <a:fillRef idx="1">
+            <a:schemeClr val="accent1"/>
+          </a:fillRef>
+          <a:effectRef idx="0">
+            <a:schemeClr val="accent1"/>
+          </a:effectRef>
+          <a:fontRef idx="minor">
+            <a:schemeClr val="lt1"/>
+          </a:fontRef>
+        </p:style>
+        <p:txBody>
+          <a:bodyPr rtlCol="0" anchor="ctr"/>
+          <a:lstStyle/>
+          <a:p>
+            <a:pPr algn="ctr"/>
+            <a:r>
+              <a:rPr lang="en-US" altLang="ko-KR">
+                <a:solidFill>
+                  <a:schemeClr val="tx1"/>
+                </a:solidFill>
+                <a:latin typeface="Consolas" panose="020B0609020204030204" pitchFamily="49" charset="0"/>
+              </a:rPr>
+              <a:t>Positional Encoding</a:t>
+            </a:r>
+            <a:endParaRPr lang="ko-KR" altLang="en-US">
+              <a:solidFill>
+                <a:schemeClr val="tx1"/>
+              </a:solidFill>
+              <a:latin typeface="Consolas" panose="020B0609020204030204" pitchFamily="49" charset="0"/>
+            </a:endParaRPr>
+          </a:p>
+        </p:txBody>
+      </p:sp>
+      <p:sp>
+        <p:nvSpPr>
+          <p:cNvPr id="214" name="직사각형 213">
+            <a:extLst>
+              <a:ext uri="{FF2B5EF4-FFF2-40B4-BE49-F238E27FC236}">
+                <a16:creationId xmlns:a16="http://schemas.microsoft.com/office/drawing/2014/main" id="{6E17EAD6-CB0C-478E-9597-3DE0F34DEF49}"/>
+              </a:ext>
+            </a:extLst>
+          </p:cNvPr>
+          <p:cNvSpPr/>
+          <p:nvPr/>
+        </p:nvSpPr>
+        <p:spPr>
+          <a:xfrm>
+            <a:off x="7340347" y="6207321"/>
+            <a:ext cx="2516863" cy="403631"/>
+          </a:xfrm>
+          <a:prstGeom prst="rect">
+            <a:avLst/>
+          </a:prstGeom>
+          <a:solidFill>
+            <a:srgbClr val="FFFFCC"/>
+          </a:solidFill>
+          <a:ln w="19050">
+            <a:solidFill>
+              <a:srgbClr val="FFC000"/>
+            </a:solidFill>
+          </a:ln>
+        </p:spPr>
+        <p:style>
+          <a:lnRef idx="2">
+            <a:schemeClr val="accent1">
+              <a:shade val="50000"/>
+            </a:schemeClr>
+          </a:lnRef>
+          <a:fillRef idx="1">
+            <a:schemeClr val="accent1"/>
+          </a:fillRef>
+          <a:effectRef idx="0">
+            <a:schemeClr val="accent1"/>
+          </a:effectRef>
+          <a:fontRef idx="minor">
+            <a:schemeClr val="lt1"/>
+          </a:fontRef>
+        </p:style>
+        <p:txBody>
+          <a:bodyPr rtlCol="0" anchor="ctr"/>
+          <a:lstStyle/>
+          <a:p>
+            <a:pPr algn="ctr"/>
+            <a:r>
+              <a:rPr lang="en-US" altLang="ko-KR" sz="1800">
+                <a:solidFill>
+                  <a:schemeClr val="tx1"/>
+                </a:solidFill>
+                <a:latin typeface="Consolas" panose="020B0609020204030204" pitchFamily="49" charset="0"/>
+              </a:rPr>
+              <a:t>embedding</a:t>
+            </a:r>
+            <a:endParaRPr lang="ko-KR" altLang="en-US" sz="1800">
+              <a:solidFill>
+                <a:schemeClr val="tx1"/>
+              </a:solidFill>
+              <a:latin typeface="Consolas" panose="020B0609020204030204" pitchFamily="49" charset="0"/>
+            </a:endParaRPr>
+          </a:p>
+        </p:txBody>
+      </p:sp>
+      <p:cxnSp>
+        <p:nvCxnSpPr>
+          <p:cNvPr id="215" name="직선 화살표 연결선 214">
+            <a:extLst>
+              <a:ext uri="{FF2B5EF4-FFF2-40B4-BE49-F238E27FC236}">
+                <a16:creationId xmlns:a16="http://schemas.microsoft.com/office/drawing/2014/main" id="{66000D24-9EC3-4C72-8A12-37A84AFFD3AD}"/>
+              </a:ext>
+            </a:extLst>
+          </p:cNvPr>
+          <p:cNvCxnSpPr>
+            <a:cxnSpLocks/>
+            <a:stCxn id="214" idx="0"/>
+            <a:endCxn id="213" idx="2"/>
+          </p:cNvCxnSpPr>
+          <p:nvPr/>
+        </p:nvCxnSpPr>
+        <p:spPr>
+          <a:xfrm flipV="1">
+            <a:off x="8598779" y="6062933"/>
+            <a:ext cx="0" cy="144388"/>
+          </a:xfrm>
+          <a:prstGeom prst="straightConnector1">
+            <a:avLst/>
+          </a:prstGeom>
+          <a:ln>
+            <a:solidFill>
+              <a:srgbClr val="002060"/>
+            </a:solidFill>
+            <a:headEnd type="none" w="med" len="med"/>
+            <a:tailEnd type="triangle"/>
+          </a:ln>
+        </p:spPr>
+        <p:style>
+          <a:lnRef idx="1">
+            <a:schemeClr val="accent1"/>
+          </a:lnRef>
+          <a:fillRef idx="0">
+            <a:schemeClr val="accent1"/>
+          </a:fillRef>
+          <a:effectRef idx="0">
+            <a:schemeClr val="accent1"/>
+          </a:effectRef>
+          <a:fontRef idx="minor">
+            <a:schemeClr val="tx1"/>
+          </a:fontRef>
+        </p:style>
+      </p:cxnSp>
+      <p:cxnSp>
+        <p:nvCxnSpPr>
+          <p:cNvPr id="216" name="직선 화살표 연결선 215">
+            <a:extLst>
+              <a:ext uri="{FF2B5EF4-FFF2-40B4-BE49-F238E27FC236}">
+                <a16:creationId xmlns:a16="http://schemas.microsoft.com/office/drawing/2014/main" id="{F5C7E307-0CA8-4923-B25C-82A603404C30}"/>
+              </a:ext>
+            </a:extLst>
+          </p:cNvPr>
+          <p:cNvCxnSpPr>
+            <a:cxnSpLocks/>
+            <a:stCxn id="213" idx="0"/>
+            <a:endCxn id="148" idx="2"/>
+          </p:cNvCxnSpPr>
+          <p:nvPr/>
+        </p:nvCxnSpPr>
+        <p:spPr>
+          <a:xfrm flipV="1">
+            <a:off x="8598779" y="5348657"/>
+            <a:ext cx="4793" cy="310645"/>
+          </a:xfrm>
+          <a:prstGeom prst="straightConnector1">
+            <a:avLst/>
+          </a:prstGeom>
+          <a:ln>
+            <a:solidFill>
+              <a:srgbClr val="002060"/>
+            </a:solidFill>
+            <a:headEnd type="none" w="med" len="med"/>
+            <a:tailEnd type="triangle"/>
+          </a:ln>
+        </p:spPr>
+        <p:style>
+          <a:lnRef idx="1">
+            <a:schemeClr val="accent1"/>
+          </a:lnRef>
+          <a:fillRef idx="0">
+            <a:schemeClr val="accent1"/>
+          </a:fillRef>
+          <a:effectRef idx="0">
+            <a:schemeClr val="accent1"/>
+          </a:effectRef>
+          <a:fontRef idx="minor">
+            <a:schemeClr val="tx1"/>
+          </a:fontRef>
+        </p:style>
+      </p:cxnSp>
+      <p:sp>
+        <p:nvSpPr>
+          <p:cNvPr id="71" name="직사각형 70">
+            <a:extLst>
+              <a:ext uri="{FF2B5EF4-FFF2-40B4-BE49-F238E27FC236}">
+                <a16:creationId xmlns:a16="http://schemas.microsoft.com/office/drawing/2014/main" id="{48A3D0B8-6871-420A-B857-952F20BED678}"/>
+              </a:ext>
+            </a:extLst>
+          </p:cNvPr>
+          <p:cNvSpPr/>
+          <p:nvPr/>
+        </p:nvSpPr>
+        <p:spPr>
+          <a:xfrm>
+            <a:off x="2080028" y="6769540"/>
+            <a:ext cx="2516863" cy="403631"/>
+          </a:xfrm>
+          <a:prstGeom prst="rect">
+            <a:avLst/>
+          </a:prstGeom>
+          <a:solidFill>
+            <a:srgbClr val="FFFFCC"/>
+          </a:solidFill>
+          <a:ln w="19050">
+            <a:solidFill>
+              <a:srgbClr val="FFC000"/>
+            </a:solidFill>
+          </a:ln>
+        </p:spPr>
+        <p:style>
+          <a:lnRef idx="2">
+            <a:schemeClr val="accent1">
+              <a:shade val="50000"/>
+            </a:schemeClr>
+          </a:lnRef>
+          <a:fillRef idx="1">
+            <a:schemeClr val="accent1"/>
+          </a:fillRef>
+          <a:effectRef idx="0">
+            <a:schemeClr val="accent1"/>
+          </a:effectRef>
+          <a:fontRef idx="minor">
+            <a:schemeClr val="lt1"/>
+          </a:fontRef>
+        </p:style>
+        <p:txBody>
+          <a:bodyPr rtlCol="0" anchor="ctr"/>
+          <a:lstStyle/>
+          <a:p>
+            <a:pPr algn="ctr"/>
+            <a:r>
+              <a:rPr lang="en-US" altLang="ko-KR" sz="1800">
+                <a:solidFill>
+                  <a:schemeClr val="tx1"/>
+                </a:solidFill>
+                <a:latin typeface="Consolas" panose="020B0609020204030204" pitchFamily="49" charset="0"/>
+              </a:rPr>
+              <a:t>Input</a:t>
+            </a:r>
+            <a:endParaRPr lang="ko-KR" altLang="en-US" sz="1800">
+              <a:solidFill>
+                <a:schemeClr val="tx1"/>
+              </a:solidFill>
+              <a:latin typeface="Consolas" panose="020B0609020204030204" pitchFamily="49" charset="0"/>
+            </a:endParaRPr>
+          </a:p>
+        </p:txBody>
+      </p:sp>
+      <p:cxnSp>
+        <p:nvCxnSpPr>
+          <p:cNvPr id="72" name="직선 화살표 연결선 71">
+            <a:extLst>
+              <a:ext uri="{FF2B5EF4-FFF2-40B4-BE49-F238E27FC236}">
+                <a16:creationId xmlns:a16="http://schemas.microsoft.com/office/drawing/2014/main" id="{EE69EE0B-718E-46D1-AEBE-F48D98BB9460}"/>
+              </a:ext>
+            </a:extLst>
+          </p:cNvPr>
+          <p:cNvCxnSpPr>
+            <a:cxnSpLocks/>
+            <a:stCxn id="71" idx="0"/>
+            <a:endCxn id="74" idx="2"/>
+          </p:cNvCxnSpPr>
+          <p:nvPr/>
+        </p:nvCxnSpPr>
+        <p:spPr>
+          <a:xfrm flipV="1">
+            <a:off x="3338460" y="6625153"/>
+            <a:ext cx="0" cy="144387"/>
+          </a:xfrm>
+          <a:prstGeom prst="straightConnector1">
+            <a:avLst/>
+          </a:prstGeom>
+          <a:ln>
+            <a:solidFill>
+              <a:srgbClr val="002060"/>
+            </a:solidFill>
+            <a:headEnd type="none" w="med" len="med"/>
+            <a:tailEnd type="triangle"/>
+          </a:ln>
+        </p:spPr>
+        <p:style>
+          <a:lnRef idx="1">
+            <a:schemeClr val="accent1"/>
+          </a:lnRef>
+          <a:fillRef idx="0">
+            <a:schemeClr val="accent1"/>
+          </a:fillRef>
+          <a:effectRef idx="0">
+            <a:schemeClr val="accent1"/>
+          </a:effectRef>
+          <a:fontRef idx="minor">
+            <a:schemeClr val="tx1"/>
+          </a:fontRef>
+        </p:style>
+      </p:cxnSp>
+      <p:sp>
+        <p:nvSpPr>
+          <p:cNvPr id="73" name="직사각형 72">
+            <a:extLst>
+              <a:ext uri="{FF2B5EF4-FFF2-40B4-BE49-F238E27FC236}">
+                <a16:creationId xmlns:a16="http://schemas.microsoft.com/office/drawing/2014/main" id="{128C942D-512C-4620-8F0A-3850BF8ACC4E}"/>
+              </a:ext>
+            </a:extLst>
+          </p:cNvPr>
+          <p:cNvSpPr/>
+          <p:nvPr/>
+        </p:nvSpPr>
+        <p:spPr>
+          <a:xfrm>
+            <a:off x="2080028" y="5673503"/>
+            <a:ext cx="2516863" cy="403631"/>
+          </a:xfrm>
+          <a:prstGeom prst="rect">
+            <a:avLst/>
+          </a:prstGeom>
+          <a:solidFill>
+            <a:srgbClr val="FFFFCC"/>
+          </a:solidFill>
+          <a:ln w="19050">
+            <a:solidFill>
+              <a:srgbClr val="FFC000"/>
+            </a:solidFill>
+          </a:ln>
+        </p:spPr>
+        <p:style>
+          <a:lnRef idx="2">
+            <a:schemeClr val="accent1">
+              <a:shade val="50000"/>
+            </a:schemeClr>
+          </a:lnRef>
+          <a:fillRef idx="1">
+            <a:schemeClr val="accent1"/>
+          </a:fillRef>
+          <a:effectRef idx="0">
+            <a:schemeClr val="accent1"/>
+          </a:effectRef>
+          <a:fontRef idx="minor">
+            <a:schemeClr val="lt1"/>
+          </a:fontRef>
+        </p:style>
+        <p:txBody>
+          <a:bodyPr rtlCol="0" anchor="ctr"/>
+          <a:lstStyle/>
+          <a:p>
+            <a:pPr algn="ctr"/>
+            <a:r>
+              <a:rPr lang="en-US" altLang="ko-KR">
+                <a:solidFill>
+                  <a:schemeClr val="tx1"/>
+                </a:solidFill>
+                <a:latin typeface="Consolas" panose="020B0609020204030204" pitchFamily="49" charset="0"/>
+              </a:rPr>
+              <a:t>Positional Encoding</a:t>
+            </a:r>
+            <a:endParaRPr lang="ko-KR" altLang="en-US">
+              <a:solidFill>
+                <a:schemeClr val="tx1"/>
+              </a:solidFill>
+              <a:latin typeface="Consolas" panose="020B0609020204030204" pitchFamily="49" charset="0"/>
+            </a:endParaRPr>
+          </a:p>
+        </p:txBody>
+      </p:sp>
+      <p:sp>
+        <p:nvSpPr>
+          <p:cNvPr id="74" name="직사각형 73">
+            <a:extLst>
+              <a:ext uri="{FF2B5EF4-FFF2-40B4-BE49-F238E27FC236}">
+                <a16:creationId xmlns:a16="http://schemas.microsoft.com/office/drawing/2014/main" id="{4D80A478-FF49-4FAD-A406-D34B391B8D15}"/>
+              </a:ext>
+            </a:extLst>
+          </p:cNvPr>
+          <p:cNvSpPr/>
+          <p:nvPr/>
+        </p:nvSpPr>
+        <p:spPr>
+          <a:xfrm>
+            <a:off x="2080028" y="6221522"/>
+            <a:ext cx="2516863" cy="403631"/>
+          </a:xfrm>
+          <a:prstGeom prst="rect">
+            <a:avLst/>
+          </a:prstGeom>
+          <a:solidFill>
+            <a:srgbClr val="FFFFCC"/>
+          </a:solidFill>
+          <a:ln w="19050">
+            <a:solidFill>
+              <a:srgbClr val="FFC000"/>
+            </a:solidFill>
+          </a:ln>
+        </p:spPr>
+        <p:style>
+          <a:lnRef idx="2">
+            <a:schemeClr val="accent1">
+              <a:shade val="50000"/>
+            </a:schemeClr>
+          </a:lnRef>
+          <a:fillRef idx="1">
+            <a:schemeClr val="accent1"/>
+          </a:fillRef>
+          <a:effectRef idx="0">
+            <a:schemeClr val="accent1"/>
+          </a:effectRef>
+          <a:fontRef idx="minor">
+            <a:schemeClr val="lt1"/>
+          </a:fontRef>
+        </p:style>
+        <p:txBody>
+          <a:bodyPr rtlCol="0" anchor="ctr"/>
+          <a:lstStyle/>
+          <a:p>
+            <a:pPr algn="ctr"/>
+            <a:r>
+              <a:rPr lang="en-US" altLang="ko-KR" sz="1800">
+                <a:solidFill>
+                  <a:schemeClr val="tx1"/>
+                </a:solidFill>
+                <a:latin typeface="Consolas" panose="020B0609020204030204" pitchFamily="49" charset="0"/>
+              </a:rPr>
+              <a:t>embedding</a:t>
+            </a:r>
+            <a:endParaRPr lang="ko-KR" altLang="en-US" sz="1800">
+              <a:solidFill>
+                <a:schemeClr val="tx1"/>
+              </a:solidFill>
+              <a:latin typeface="Consolas" panose="020B0609020204030204" pitchFamily="49" charset="0"/>
+            </a:endParaRPr>
+          </a:p>
+        </p:txBody>
+      </p:sp>
+      <p:cxnSp>
+        <p:nvCxnSpPr>
+          <p:cNvPr id="75" name="직선 화살표 연결선 74">
+            <a:extLst>
+              <a:ext uri="{FF2B5EF4-FFF2-40B4-BE49-F238E27FC236}">
+                <a16:creationId xmlns:a16="http://schemas.microsoft.com/office/drawing/2014/main" id="{8D662900-D8A9-43BE-9D4F-E20325C1B7E7}"/>
+              </a:ext>
+            </a:extLst>
+          </p:cNvPr>
+          <p:cNvCxnSpPr>
+            <a:cxnSpLocks/>
+            <a:stCxn id="74" idx="0"/>
+            <a:endCxn id="73" idx="2"/>
+          </p:cNvCxnSpPr>
+          <p:nvPr/>
+        </p:nvCxnSpPr>
+        <p:spPr>
+          <a:xfrm flipV="1">
+            <a:off x="3338460" y="6077134"/>
+            <a:ext cx="0" cy="144388"/>
+          </a:xfrm>
+          <a:prstGeom prst="straightConnector1">
+            <a:avLst/>
+          </a:prstGeom>
+          <a:ln>
+            <a:solidFill>
+              <a:srgbClr val="002060"/>
+            </a:solidFill>
+            <a:headEnd type="none" w="med" len="med"/>
+            <a:tailEnd type="triangle"/>
+          </a:ln>
+        </p:spPr>
+        <p:style>
+          <a:lnRef idx="1">
+            <a:schemeClr val="accent1"/>
+          </a:lnRef>
+          <a:fillRef idx="0">
+            <a:schemeClr val="accent1"/>
+          </a:fillRef>
+          <a:effectRef idx="0">
+            <a:schemeClr val="accent1"/>
+          </a:effectRef>
+          <a:fontRef idx="minor">
+            <a:schemeClr val="tx1"/>
+          </a:fontRef>
+        </p:style>
+      </p:cxnSp>
+    </p:spTree>
+    <p:extLst>
+      <p:ext uri="{BB962C8B-B14F-4D97-AF65-F5344CB8AC3E}">
+        <p14:creationId xmlns:p14="http://schemas.microsoft.com/office/powerpoint/2010/main" val="11745658"/>
       </p:ext>
     </p:extLst>
   </p:cSld>
